--- a/2018-01-09.pptx
+++ b/2018-01-09.pptx
@@ -1,50 +1,50 @@
 
 <file path=ppt/presentation.xml><?xml version="1.0" encoding="utf-8"?>
-<p:presentation xmlns:a="http://schemas.openxmlformats.org/drawingml/2006/main" xmlns:r="http://schemas.openxmlformats.org/officeDocument/2006/relationships" xmlns:mc="http://schemas.openxmlformats.org/markup-compatibility/2006" xmlns:mv="urn:schemas-microsoft-com:mac:vml" xmlns:p="http://schemas.openxmlformats.org/presentationml/2006/main" xmlns:c="http://schemas.openxmlformats.org/drawingml/2006/chart" xmlns:dgm="http://schemas.openxmlformats.org/drawingml/2006/diagram" xmlns:o="urn:schemas-microsoft-com:office:office" xmlns:v="urn:schemas-microsoft-com:vml" xmlns:pvml="urn:schemas-microsoft-com:office:powerpoint" xmlns:com="http://schemas.openxmlformats.org/drawingml/2006/compatibility" xmlns:p14="http://schemas.microsoft.com/office/powerpoint/2010/main" xmlns:p15="http://schemas.microsoft.com/office/powerpoint/2012/main" autoCompressPictures="0" embedTrueTypeFonts="1" strictFirstAndLastChars="0" saveSubsetFonts="1">
+<p:presentation xmlns:a="http://schemas.openxmlformats.org/drawingml/2006/main" xmlns:r="http://schemas.openxmlformats.org/officeDocument/2006/relationships" xmlns:p="http://schemas.openxmlformats.org/presentationml/2006/main" strictFirstAndLastChars="0" embedTrueTypeFonts="1" saveSubsetFonts="1" autoCompressPictures="0">
   <p:sldMasterIdLst>
-    <p:sldMasterId id="2147483659" r:id="rId3"/>
+    <p:sldMasterId id="2147483659" r:id="rId1"/>
   </p:sldMasterIdLst>
   <p:notesMasterIdLst>
-    <p:notesMasterId r:id="rId4"/>
+    <p:notesMasterId r:id="rId18"/>
   </p:notesMasterIdLst>
   <p:sldIdLst>
-    <p:sldId id="256" r:id="rId5"/>
-    <p:sldId id="257" r:id="rId6"/>
-    <p:sldId id="258" r:id="rId7"/>
-    <p:sldId id="259" r:id="rId8"/>
-    <p:sldId id="260" r:id="rId9"/>
-    <p:sldId id="261" r:id="rId10"/>
-    <p:sldId id="262" r:id="rId11"/>
-    <p:sldId id="263" r:id="rId12"/>
-    <p:sldId id="264" r:id="rId13"/>
-    <p:sldId id="265" r:id="rId14"/>
-    <p:sldId id="266" r:id="rId15"/>
-    <p:sldId id="267" r:id="rId16"/>
-    <p:sldId id="268" r:id="rId17"/>
-    <p:sldId id="269" r:id="rId18"/>
-    <p:sldId id="270" r:id="rId19"/>
-    <p:sldId id="271" r:id="rId20"/>
+    <p:sldId id="256" r:id="rId2"/>
+    <p:sldId id="257" r:id="rId3"/>
+    <p:sldId id="258" r:id="rId4"/>
+    <p:sldId id="259" r:id="rId5"/>
+    <p:sldId id="260" r:id="rId6"/>
+    <p:sldId id="261" r:id="rId7"/>
+    <p:sldId id="262" r:id="rId8"/>
+    <p:sldId id="263" r:id="rId9"/>
+    <p:sldId id="264" r:id="rId10"/>
+    <p:sldId id="265" r:id="rId11"/>
+    <p:sldId id="266" r:id="rId12"/>
+    <p:sldId id="267" r:id="rId13"/>
+    <p:sldId id="268" r:id="rId14"/>
+    <p:sldId id="269" r:id="rId15"/>
+    <p:sldId id="270" r:id="rId16"/>
+    <p:sldId id="271" r:id="rId17"/>
   </p:sldIdLst>
-  <p:sldSz cy="5143500" cx="9144000"/>
+  <p:sldSz cx="9144000" cy="5143500" type="screen16x9"/>
   <p:notesSz cx="6858000" cy="9144000"/>
   <p:embeddedFontLst>
     <p:embeddedFont>
-      <p:font typeface="Playfair Display"/>
-      <p:regular r:id="rId21"/>
-      <p:bold r:id="rId22"/>
-      <p:italic r:id="rId23"/>
-      <p:boldItalic r:id="rId24"/>
+      <p:font typeface="Lato" panose="020B0604020202020204" charset="0"/>
+      <p:regular r:id="rId19"/>
+      <p:bold r:id="rId20"/>
+      <p:italic r:id="rId21"/>
+      <p:boldItalic r:id="rId22"/>
     </p:embeddedFont>
     <p:embeddedFont>
-      <p:font typeface="Lato"/>
-      <p:regular r:id="rId25"/>
-      <p:bold r:id="rId26"/>
-      <p:italic r:id="rId27"/>
-      <p:boldItalic r:id="rId28"/>
+      <p:font typeface="Playfair Display" panose="020B0604020202020204" charset="0"/>
+      <p:regular r:id="rId23"/>
+      <p:bold r:id="rId24"/>
+      <p:italic r:id="rId25"/>
+      <p:boldItalic r:id="rId26"/>
     </p:embeddedFont>
   </p:embeddedFontLst>
   <p:defaultTextStyle>
-    <a:defPPr lvl="0" marR="0" rtl="0" algn="l">
+    <a:defPPr marR="0" lvl="0" algn="l" rtl="0">
       <a:lnSpc>
         <a:spcPct val="100000"/>
       </a:lnSpc>
@@ -55,7 +55,7 @@
         <a:spcPts val="0"/>
       </a:spcAft>
     </a:defPPr>
-    <a:lvl1pPr lvl="0" marR="0" rtl="0" algn="l">
+    <a:lvl1pPr marR="0" lvl="0" algn="l" rtl="0">
       <a:lnSpc>
         <a:spcPct val="100000"/>
       </a:lnSpc>
@@ -66,7 +66,7 @@
         <a:spcPts val="0"/>
       </a:spcAft>
       <a:buNone/>
-      <a:defRPr b="0" i="0" sz="1400" u="none" cap="none" strike="noStrike">
+      <a:defRPr sz="1400" b="0" i="0" u="none" strike="noStrike" cap="none">
         <a:solidFill>
           <a:srgbClr val="000000"/>
         </a:solidFill>
@@ -76,7 +76,7 @@
         <a:sym typeface="Arial"/>
       </a:defRPr>
     </a:lvl1pPr>
-    <a:lvl2pPr lvl="1" marR="0" rtl="0" algn="l">
+    <a:lvl2pPr marR="0" lvl="1" algn="l" rtl="0">
       <a:lnSpc>
         <a:spcPct val="100000"/>
       </a:lnSpc>
@@ -87,7 +87,7 @@
         <a:spcPts val="0"/>
       </a:spcAft>
       <a:buNone/>
-      <a:defRPr b="0" i="0" sz="1400" u="none" cap="none" strike="noStrike">
+      <a:defRPr sz="1400" b="0" i="0" u="none" strike="noStrike" cap="none">
         <a:solidFill>
           <a:srgbClr val="000000"/>
         </a:solidFill>
@@ -97,7 +97,7 @@
         <a:sym typeface="Arial"/>
       </a:defRPr>
     </a:lvl2pPr>
-    <a:lvl3pPr lvl="2" marR="0" rtl="0" algn="l">
+    <a:lvl3pPr marR="0" lvl="2" algn="l" rtl="0">
       <a:lnSpc>
         <a:spcPct val="100000"/>
       </a:lnSpc>
@@ -108,7 +108,7 @@
         <a:spcPts val="0"/>
       </a:spcAft>
       <a:buNone/>
-      <a:defRPr b="0" i="0" sz="1400" u="none" cap="none" strike="noStrike">
+      <a:defRPr sz="1400" b="0" i="0" u="none" strike="noStrike" cap="none">
         <a:solidFill>
           <a:srgbClr val="000000"/>
         </a:solidFill>
@@ -118,7 +118,7 @@
         <a:sym typeface="Arial"/>
       </a:defRPr>
     </a:lvl3pPr>
-    <a:lvl4pPr lvl="3" marR="0" rtl="0" algn="l">
+    <a:lvl4pPr marR="0" lvl="3" algn="l" rtl="0">
       <a:lnSpc>
         <a:spcPct val="100000"/>
       </a:lnSpc>
@@ -129,7 +129,7 @@
         <a:spcPts val="0"/>
       </a:spcAft>
       <a:buNone/>
-      <a:defRPr b="0" i="0" sz="1400" u="none" cap="none" strike="noStrike">
+      <a:defRPr sz="1400" b="0" i="0" u="none" strike="noStrike" cap="none">
         <a:solidFill>
           <a:srgbClr val="000000"/>
         </a:solidFill>
@@ -139,7 +139,7 @@
         <a:sym typeface="Arial"/>
       </a:defRPr>
     </a:lvl4pPr>
-    <a:lvl5pPr lvl="4" marR="0" rtl="0" algn="l">
+    <a:lvl5pPr marR="0" lvl="4" algn="l" rtl="0">
       <a:lnSpc>
         <a:spcPct val="100000"/>
       </a:lnSpc>
@@ -150,7 +150,7 @@
         <a:spcPts val="0"/>
       </a:spcAft>
       <a:buNone/>
-      <a:defRPr b="0" i="0" sz="1400" u="none" cap="none" strike="noStrike">
+      <a:defRPr sz="1400" b="0" i="0" u="none" strike="noStrike" cap="none">
         <a:solidFill>
           <a:srgbClr val="000000"/>
         </a:solidFill>
@@ -160,7 +160,7 @@
         <a:sym typeface="Arial"/>
       </a:defRPr>
     </a:lvl5pPr>
-    <a:lvl6pPr lvl="5" marR="0" rtl="0" algn="l">
+    <a:lvl6pPr marR="0" lvl="5" algn="l" rtl="0">
       <a:lnSpc>
         <a:spcPct val="100000"/>
       </a:lnSpc>
@@ -171,7 +171,7 @@
         <a:spcPts val="0"/>
       </a:spcAft>
       <a:buNone/>
-      <a:defRPr b="0" i="0" sz="1400" u="none" cap="none" strike="noStrike">
+      <a:defRPr sz="1400" b="0" i="0" u="none" strike="noStrike" cap="none">
         <a:solidFill>
           <a:srgbClr val="000000"/>
         </a:solidFill>
@@ -181,7 +181,7 @@
         <a:sym typeface="Arial"/>
       </a:defRPr>
     </a:lvl6pPr>
-    <a:lvl7pPr lvl="6" marR="0" rtl="0" algn="l">
+    <a:lvl7pPr marR="0" lvl="6" algn="l" rtl="0">
       <a:lnSpc>
         <a:spcPct val="100000"/>
       </a:lnSpc>
@@ -192,7 +192,7 @@
         <a:spcPts val="0"/>
       </a:spcAft>
       <a:buNone/>
-      <a:defRPr b="0" i="0" sz="1400" u="none" cap="none" strike="noStrike">
+      <a:defRPr sz="1400" b="0" i="0" u="none" strike="noStrike" cap="none">
         <a:solidFill>
           <a:srgbClr val="000000"/>
         </a:solidFill>
@@ -202,7 +202,7 @@
         <a:sym typeface="Arial"/>
       </a:defRPr>
     </a:lvl7pPr>
-    <a:lvl8pPr lvl="7" marR="0" rtl="0" algn="l">
+    <a:lvl8pPr marR="0" lvl="7" algn="l" rtl="0">
       <a:lnSpc>
         <a:spcPct val="100000"/>
       </a:lnSpc>
@@ -213,7 +213,7 @@
         <a:spcPts val="0"/>
       </a:spcAft>
       <a:buNone/>
-      <a:defRPr b="0" i="0" sz="1400" u="none" cap="none" strike="noStrike">
+      <a:defRPr sz="1400" b="0" i="0" u="none" strike="noStrike" cap="none">
         <a:solidFill>
           <a:srgbClr val="000000"/>
         </a:solidFill>
@@ -223,7 +223,7 @@
         <a:sym typeface="Arial"/>
       </a:defRPr>
     </a:lvl8pPr>
-    <a:lvl9pPr lvl="8" marR="0" rtl="0" algn="l">
+    <a:lvl9pPr marR="0" lvl="8" algn="l" rtl="0">
       <a:lnSpc>
         <a:spcPct val="100000"/>
       </a:lnSpc>
@@ -234,7 +234,7 @@
         <a:spcPts val="0"/>
       </a:spcAft>
       <a:buNone/>
-      <a:defRPr b="0" i="0" sz="1400" u="none" cap="none" strike="noStrike">
+      <a:defRPr sz="1400" b="0" i="0" u="none" strike="noStrike" cap="none">
         <a:solidFill>
           <a:srgbClr val="000000"/>
         </a:solidFill>
@@ -249,11 +249,16 @@
 </file>
 
 <file path=ppt/notesMasters/notesMaster1.xml><?xml version="1.0" encoding="utf-8"?>
-<p:notesMaster xmlns:a="http://schemas.openxmlformats.org/drawingml/2006/main" xmlns:r="http://schemas.openxmlformats.org/officeDocument/2006/relationships" xmlns:mc="http://schemas.openxmlformats.org/markup-compatibility/2006" xmlns:mv="urn:schemas-microsoft-com:mac:vml" xmlns:p="http://schemas.openxmlformats.org/presentationml/2006/main" xmlns:c="http://schemas.openxmlformats.org/drawingml/2006/chart" xmlns:dgm="http://schemas.openxmlformats.org/drawingml/2006/diagram" xmlns:o="urn:schemas-microsoft-com:office:office" xmlns:v="urn:schemas-microsoft-com:vml" xmlns:pvml="urn:schemas-microsoft-com:office:powerpoint" xmlns:com="http://schemas.openxmlformats.org/drawingml/2006/compatibility" xmlns:p14="http://schemas.microsoft.com/office/powerpoint/2010/main" xmlns:p15="http://schemas.microsoft.com/office/powerpoint/2012/main">
+<p:notesMaster xmlns:a="http://schemas.openxmlformats.org/drawingml/2006/main" xmlns:r="http://schemas.openxmlformats.org/officeDocument/2006/relationships" xmlns:p="http://schemas.openxmlformats.org/presentationml/2006/main">
   <p:cSld>
+    <p:bg>
+      <p:bgRef idx="1001">
+        <a:schemeClr val="bg1"/>
+      </p:bgRef>
+    </p:bg>
     <p:spTree>
       <p:nvGrpSpPr>
-        <p:cNvPr id="2" name="Shape 2"/>
+        <p:cNvPr id="1" name="Shape 2"/>
         <p:cNvGrpSpPr/>
         <p:nvPr/>
       </p:nvGrpSpPr>
@@ -268,9 +273,11 @@
       <p:sp>
         <p:nvSpPr>
           <p:cNvPr id="3" name="Shape 3"/>
-          <p:cNvSpPr/>
+          <p:cNvSpPr>
+            <a:spLocks noGrp="1" noRot="1" noChangeAspect="1"/>
+          </p:cNvSpPr>
           <p:nvPr>
-            <p:ph idx="2" type="sldImg"/>
+            <p:ph type="sldImg" idx="2"/>
           </p:nvPr>
         </p:nvSpPr>
         <p:spPr>
@@ -279,8 +286,13 @@
             <a:ext cx="6096075" cy="3429000"/>
           </a:xfrm>
           <a:custGeom>
+            <a:avLst/>
+            <a:gdLst/>
+            <a:ahLst/>
+            <a:cxnLst/>
+            <a:rect l="0" t="0" r="0" b="0"/>
             <a:pathLst>
-              <a:path extrusionOk="0" h="120000" w="120000">
+              <a:path w="120000" h="120000" extrusionOk="0">
                 <a:moveTo>
                   <a:pt x="0" y="0"/>
                 </a:moveTo>
@@ -298,23 +310,25 @@
             </a:pathLst>
           </a:custGeom>
           <a:noFill/>
-          <a:ln cap="flat" cmpd="sng" w="9525">
+          <a:ln w="9525" cap="flat" cmpd="sng">
             <a:solidFill>
               <a:srgbClr val="000000"/>
             </a:solidFill>
             <a:prstDash val="solid"/>
             <a:round/>
-            <a:headEnd len="med" w="med" type="none"/>
-            <a:tailEnd len="med" w="med" type="none"/>
+            <a:headEnd type="none" w="med" len="med"/>
+            <a:tailEnd type="none" w="med" len="med"/>
           </a:ln>
         </p:spPr>
       </p:sp>
       <p:sp>
         <p:nvSpPr>
           <p:cNvPr id="4" name="Shape 4"/>
-          <p:cNvSpPr txBox="1"/>
+          <p:cNvSpPr txBox="1">
+            <a:spLocks noGrp="1"/>
+          </p:cNvSpPr>
           <p:nvPr>
-            <p:ph idx="1" type="body"/>
+            <p:ph type="body" idx="1"/>
           </p:nvPr>
         </p:nvSpPr>
         <p:spPr>
@@ -331,9 +345,9 @@
           </a:ln>
         </p:spPr>
         <p:txBody>
-          <a:bodyPr anchorCtr="0" anchor="t" bIns="91425" lIns="91425" rIns="91425" wrap="square" tIns="91425"/>
+          <a:bodyPr wrap="square" lIns="91425" tIns="91425" rIns="91425" bIns="91425" anchor="t" anchorCtr="0"/>
           <a:lstStyle>
-            <a:lvl1pPr indent="-298450" lvl="0" marL="457200">
+            <a:lvl1pPr marL="457200" lvl="0" indent="-298450">
               <a:spcBef>
                 <a:spcPts val="0"/>
               </a:spcBef>
@@ -344,7 +358,7 @@
               <a:buChar char="●"/>
               <a:defRPr sz="1100"/>
             </a:lvl1pPr>
-            <a:lvl2pPr indent="-298450" lvl="1" marL="914400">
+            <a:lvl2pPr marL="914400" lvl="1" indent="-298450">
               <a:spcBef>
                 <a:spcPts val="0"/>
               </a:spcBef>
@@ -355,7 +369,7 @@
               <a:buChar char="○"/>
               <a:defRPr sz="1100"/>
             </a:lvl2pPr>
-            <a:lvl3pPr indent="-298450" lvl="2" marL="1371600">
+            <a:lvl3pPr marL="1371600" lvl="2" indent="-298450">
               <a:spcBef>
                 <a:spcPts val="0"/>
               </a:spcBef>
@@ -366,7 +380,7 @@
               <a:buChar char="■"/>
               <a:defRPr sz="1100"/>
             </a:lvl3pPr>
-            <a:lvl4pPr indent="-298450" lvl="3" marL="1828800">
+            <a:lvl4pPr marL="1828800" lvl="3" indent="-298450">
               <a:spcBef>
                 <a:spcPts val="0"/>
               </a:spcBef>
@@ -377,7 +391,7 @@
               <a:buChar char="●"/>
               <a:defRPr sz="1100"/>
             </a:lvl4pPr>
-            <a:lvl5pPr indent="-298450" lvl="4" marL="2286000">
+            <a:lvl5pPr marL="2286000" lvl="4" indent="-298450">
               <a:spcBef>
                 <a:spcPts val="0"/>
               </a:spcBef>
@@ -388,7 +402,7 @@
               <a:buChar char="○"/>
               <a:defRPr sz="1100"/>
             </a:lvl5pPr>
-            <a:lvl6pPr indent="-298450" lvl="5" marL="2743200">
+            <a:lvl6pPr marL="2743200" lvl="5" indent="-298450">
               <a:spcBef>
                 <a:spcPts val="0"/>
               </a:spcBef>
@@ -399,7 +413,7 @@
               <a:buChar char="■"/>
               <a:defRPr sz="1100"/>
             </a:lvl6pPr>
-            <a:lvl7pPr indent="-298450" lvl="6" marL="3200400">
+            <a:lvl7pPr marL="3200400" lvl="6" indent="-298450">
               <a:spcBef>
                 <a:spcPts val="0"/>
               </a:spcBef>
@@ -410,7 +424,7 @@
               <a:buChar char="●"/>
               <a:defRPr sz="1100"/>
             </a:lvl7pPr>
-            <a:lvl8pPr indent="-298450" lvl="7" marL="3657600">
+            <a:lvl8pPr marL="3657600" lvl="7" indent="-298450">
               <a:spcBef>
                 <a:spcPts val="0"/>
               </a:spcBef>
@@ -421,7 +435,7 @@
               <a:buChar char="○"/>
               <a:defRPr sz="1100"/>
             </a:lvl8pPr>
-            <a:lvl9pPr indent="-298450" lvl="8" marL="4114800">
+            <a:lvl9pPr marL="4114800" lvl="8" indent="-298450">
               <a:spcBef>
                 <a:spcPts val="0"/>
               </a:spcBef>
@@ -433,21 +447,120 @@
               <a:defRPr sz="1100"/>
             </a:lvl9pPr>
           </a:lstStyle>
-          <a:p/>
+          <a:p>
+            <a:endParaRPr/>
+          </a:p>
         </p:txBody>
       </p:sp>
     </p:spTree>
+    <p:extLst>
+      <p:ext uri="{BB962C8B-B14F-4D97-AF65-F5344CB8AC3E}">
+        <p14:creationId xmlns:p14="http://schemas.microsoft.com/office/powerpoint/2010/main" val="2467829048"/>
+      </p:ext>
+    </p:extLst>
   </p:cSld>
-  <p:clrMap accent1="accent1" accent2="accent2" accent3="accent3" accent4="accent4" accent5="accent5" accent6="accent6" bg1="lt1" bg2="dk2" tx1="dk1" tx2="lt2" folHlink="folHlink" hlink="hlink"/>
+  <p:clrMap bg1="lt1" tx1="dk1" bg2="dk2" tx2="lt2" accent1="accent1" accent2="accent2" accent3="accent3" accent4="accent4" accent5="accent5" accent6="accent6" hlink="hlink" folHlink="folHlink"/>
+  <p:notesStyle>
+    <a:lvl1pPr marL="0" algn="l" defTabSz="914400" rtl="0" eaLnBrk="1" latinLnBrk="0" hangingPunct="1">
+      <a:defRPr sz="1200" kern="1200">
+        <a:solidFill>
+          <a:schemeClr val="tx1"/>
+        </a:solidFill>
+        <a:latin typeface="+mn-lt"/>
+        <a:ea typeface="+mn-ea"/>
+        <a:cs typeface="+mn-cs"/>
+      </a:defRPr>
+    </a:lvl1pPr>
+    <a:lvl2pPr marL="457200" algn="l" defTabSz="914400" rtl="0" eaLnBrk="1" latinLnBrk="0" hangingPunct="1">
+      <a:defRPr sz="1200" kern="1200">
+        <a:solidFill>
+          <a:schemeClr val="tx1"/>
+        </a:solidFill>
+        <a:latin typeface="+mn-lt"/>
+        <a:ea typeface="+mn-ea"/>
+        <a:cs typeface="+mn-cs"/>
+      </a:defRPr>
+    </a:lvl2pPr>
+    <a:lvl3pPr marL="914400" algn="l" defTabSz="914400" rtl="0" eaLnBrk="1" latinLnBrk="0" hangingPunct="1">
+      <a:defRPr sz="1200" kern="1200">
+        <a:solidFill>
+          <a:schemeClr val="tx1"/>
+        </a:solidFill>
+        <a:latin typeface="+mn-lt"/>
+        <a:ea typeface="+mn-ea"/>
+        <a:cs typeface="+mn-cs"/>
+      </a:defRPr>
+    </a:lvl3pPr>
+    <a:lvl4pPr marL="1371600" algn="l" defTabSz="914400" rtl="0" eaLnBrk="1" latinLnBrk="0" hangingPunct="1">
+      <a:defRPr sz="1200" kern="1200">
+        <a:solidFill>
+          <a:schemeClr val="tx1"/>
+        </a:solidFill>
+        <a:latin typeface="+mn-lt"/>
+        <a:ea typeface="+mn-ea"/>
+        <a:cs typeface="+mn-cs"/>
+      </a:defRPr>
+    </a:lvl4pPr>
+    <a:lvl5pPr marL="1828800" algn="l" defTabSz="914400" rtl="0" eaLnBrk="1" latinLnBrk="0" hangingPunct="1">
+      <a:defRPr sz="1200" kern="1200">
+        <a:solidFill>
+          <a:schemeClr val="tx1"/>
+        </a:solidFill>
+        <a:latin typeface="+mn-lt"/>
+        <a:ea typeface="+mn-ea"/>
+        <a:cs typeface="+mn-cs"/>
+      </a:defRPr>
+    </a:lvl5pPr>
+    <a:lvl6pPr marL="2286000" algn="l" defTabSz="914400" rtl="0" eaLnBrk="1" latinLnBrk="0" hangingPunct="1">
+      <a:defRPr sz="1200" kern="1200">
+        <a:solidFill>
+          <a:schemeClr val="tx1"/>
+        </a:solidFill>
+        <a:latin typeface="+mn-lt"/>
+        <a:ea typeface="+mn-ea"/>
+        <a:cs typeface="+mn-cs"/>
+      </a:defRPr>
+    </a:lvl6pPr>
+    <a:lvl7pPr marL="2743200" algn="l" defTabSz="914400" rtl="0" eaLnBrk="1" latinLnBrk="0" hangingPunct="1">
+      <a:defRPr sz="1200" kern="1200">
+        <a:solidFill>
+          <a:schemeClr val="tx1"/>
+        </a:solidFill>
+        <a:latin typeface="+mn-lt"/>
+        <a:ea typeface="+mn-ea"/>
+        <a:cs typeface="+mn-cs"/>
+      </a:defRPr>
+    </a:lvl7pPr>
+    <a:lvl8pPr marL="3200400" algn="l" defTabSz="914400" rtl="0" eaLnBrk="1" latinLnBrk="0" hangingPunct="1">
+      <a:defRPr sz="1200" kern="1200">
+        <a:solidFill>
+          <a:schemeClr val="tx1"/>
+        </a:solidFill>
+        <a:latin typeface="+mn-lt"/>
+        <a:ea typeface="+mn-ea"/>
+        <a:cs typeface="+mn-cs"/>
+      </a:defRPr>
+    </a:lvl8pPr>
+    <a:lvl9pPr marL="3657600" algn="l" defTabSz="914400" rtl="0" eaLnBrk="1" latinLnBrk="0" hangingPunct="1">
+      <a:defRPr sz="1200" kern="1200">
+        <a:solidFill>
+          <a:schemeClr val="tx1"/>
+        </a:solidFill>
+        <a:latin typeface="+mn-lt"/>
+        <a:ea typeface="+mn-ea"/>
+        <a:cs typeface="+mn-cs"/>
+      </a:defRPr>
+    </a:lvl9pPr>
+  </p:notesStyle>
 </p:notesMaster>
 </file>
 
 <file path=ppt/notesSlides/notesSlide1.xml><?xml version="1.0" encoding="utf-8"?>
-<p:notes xmlns:a="http://schemas.openxmlformats.org/drawingml/2006/main" xmlns:r="http://schemas.openxmlformats.org/officeDocument/2006/relationships" xmlns:mc="http://schemas.openxmlformats.org/markup-compatibility/2006" xmlns:mv="urn:schemas-microsoft-com:mac:vml" xmlns:p="http://schemas.openxmlformats.org/presentationml/2006/main" xmlns:c="http://schemas.openxmlformats.org/drawingml/2006/chart" xmlns:dgm="http://schemas.openxmlformats.org/drawingml/2006/diagram" xmlns:o="urn:schemas-microsoft-com:office:office" xmlns:v="urn:schemas-microsoft-com:vml" xmlns:pvml="urn:schemas-microsoft-com:office:powerpoint" xmlns:com="http://schemas.openxmlformats.org/drawingml/2006/compatibility" xmlns:p14="http://schemas.microsoft.com/office/powerpoint/2010/main" xmlns:p15="http://schemas.microsoft.com/office/powerpoint/2012/main" showMasterPhAnim="0" showMasterSp="0">
+<p:notes xmlns:a="http://schemas.openxmlformats.org/drawingml/2006/main" xmlns:r="http://schemas.openxmlformats.org/officeDocument/2006/relationships" xmlns:p="http://schemas.openxmlformats.org/presentationml/2006/main" showMasterSp="0" showMasterPhAnim="0">
   <p:cSld>
     <p:spTree>
       <p:nvGrpSpPr>
-        <p:cNvPr id="55" name="Shape 55"/>
+        <p:cNvPr id="1" name="Shape 55"/>
         <p:cNvGrpSpPr/>
         <p:nvPr/>
       </p:nvGrpSpPr>
@@ -462,19 +575,26 @@
       <p:sp>
         <p:nvSpPr>
           <p:cNvPr id="56" name="Shape 56"/>
-          <p:cNvSpPr/>
+          <p:cNvSpPr>
+            <a:spLocks noGrp="1" noRot="1" noChangeAspect="1"/>
+          </p:cNvSpPr>
           <p:nvPr>
-            <p:ph idx="2" type="sldImg"/>
+            <p:ph type="sldImg" idx="2"/>
           </p:nvPr>
         </p:nvSpPr>
         <p:spPr>
           <a:xfrm>
-            <a:off x="381300" y="685800"/>
-            <a:ext cx="6096075" cy="3429000"/>
+            <a:off x="381000" y="685800"/>
+            <a:ext cx="6096000" cy="3429000"/>
           </a:xfrm>
           <a:custGeom>
+            <a:avLst/>
+            <a:gdLst/>
+            <a:ahLst/>
+            <a:cxnLst/>
+            <a:rect l="0" t="0" r="0" b="0"/>
             <a:pathLst>
-              <a:path extrusionOk="0" h="120000" w="120000">
+              <a:path w="120000" h="120000" extrusionOk="0">
                 <a:moveTo>
                   <a:pt x="0" y="0"/>
                 </a:moveTo>
@@ -496,9 +616,11 @@
       <p:sp>
         <p:nvSpPr>
           <p:cNvPr id="57" name="Shape 57"/>
-          <p:cNvSpPr txBox="1"/>
+          <p:cNvSpPr txBox="1">
+            <a:spLocks noGrp="1"/>
+          </p:cNvSpPr>
           <p:nvPr>
-            <p:ph idx="1" type="body"/>
+            <p:ph type="body" idx="1"/>
           </p:nvPr>
         </p:nvSpPr>
         <p:spPr>
@@ -511,12 +633,12 @@
           </a:prstGeom>
         </p:spPr>
         <p:txBody>
-          <a:bodyPr anchorCtr="0" anchor="t" bIns="91425" lIns="91425" rIns="91425" wrap="square" tIns="91425">
+          <a:bodyPr wrap="square" lIns="91425" tIns="91425" rIns="91425" bIns="91425" anchor="t" anchorCtr="0">
             <a:noAutofit/>
           </a:bodyPr>
           <a:lstStyle/>
           <a:p>
-            <a:pPr indent="0" lvl="0" marL="0">
+            <a:pPr marL="0" lvl="0" indent="0">
               <a:spcBef>
                 <a:spcPts val="0"/>
               </a:spcBef>
@@ -525,9 +647,6 @@
               </a:spcAft>
               <a:buNone/>
             </a:pPr>
-            <a:r>
-              <a:t/>
-            </a:r>
             <a:endParaRPr/>
           </a:p>
         </p:txBody>
@@ -541,11 +660,11 @@
 </file>
 
 <file path=ppt/notesSlides/notesSlide10.xml><?xml version="1.0" encoding="utf-8"?>
-<p:notes xmlns:a="http://schemas.openxmlformats.org/drawingml/2006/main" xmlns:r="http://schemas.openxmlformats.org/officeDocument/2006/relationships" xmlns:mc="http://schemas.openxmlformats.org/markup-compatibility/2006" xmlns:mv="urn:schemas-microsoft-com:mac:vml" xmlns:p="http://schemas.openxmlformats.org/presentationml/2006/main" xmlns:c="http://schemas.openxmlformats.org/drawingml/2006/chart" xmlns:dgm="http://schemas.openxmlformats.org/drawingml/2006/diagram" xmlns:o="urn:schemas-microsoft-com:office:office" xmlns:v="urn:schemas-microsoft-com:vml" xmlns:pvml="urn:schemas-microsoft-com:office:powerpoint" xmlns:com="http://schemas.openxmlformats.org/drawingml/2006/compatibility" xmlns:p14="http://schemas.microsoft.com/office/powerpoint/2010/main" xmlns:p15="http://schemas.microsoft.com/office/powerpoint/2012/main" showMasterPhAnim="0" showMasterSp="0">
+<p:notes xmlns:a="http://schemas.openxmlformats.org/drawingml/2006/main" xmlns:r="http://schemas.openxmlformats.org/officeDocument/2006/relationships" xmlns:p="http://schemas.openxmlformats.org/presentationml/2006/main" showMasterSp="0" showMasterPhAnim="0">
   <p:cSld>
     <p:spTree>
       <p:nvGrpSpPr>
-        <p:cNvPr id="109" name="Shape 109"/>
+        <p:cNvPr id="1" name="Shape 109"/>
         <p:cNvGrpSpPr/>
         <p:nvPr/>
       </p:nvGrpSpPr>
@@ -560,19 +679,26 @@
       <p:sp>
         <p:nvSpPr>
           <p:cNvPr id="110" name="Shape 110"/>
-          <p:cNvSpPr/>
+          <p:cNvSpPr>
+            <a:spLocks noGrp="1" noRot="1" noChangeAspect="1"/>
+          </p:cNvSpPr>
           <p:nvPr>
-            <p:ph idx="2" type="sldImg"/>
+            <p:ph type="sldImg" idx="2"/>
           </p:nvPr>
         </p:nvSpPr>
         <p:spPr>
           <a:xfrm>
-            <a:off x="381300" y="685800"/>
+            <a:off x="381000" y="685800"/>
             <a:ext cx="6096000" cy="3429000"/>
           </a:xfrm>
           <a:custGeom>
+            <a:avLst/>
+            <a:gdLst/>
+            <a:ahLst/>
+            <a:cxnLst/>
+            <a:rect l="0" t="0" r="0" b="0"/>
             <a:pathLst>
-              <a:path extrusionOk="0" h="120000" w="120000">
+              <a:path w="120000" h="120000" extrusionOk="0">
                 <a:moveTo>
                   <a:pt x="0" y="0"/>
                 </a:moveTo>
@@ -594,9 +720,11 @@
       <p:sp>
         <p:nvSpPr>
           <p:cNvPr id="111" name="Shape 111"/>
-          <p:cNvSpPr txBox="1"/>
+          <p:cNvSpPr txBox="1">
+            <a:spLocks noGrp="1"/>
+          </p:cNvSpPr>
           <p:nvPr>
-            <p:ph idx="1" type="body"/>
+            <p:ph type="body" idx="1"/>
           </p:nvPr>
         </p:nvSpPr>
         <p:spPr>
@@ -609,12 +737,12 @@
           </a:prstGeom>
         </p:spPr>
         <p:txBody>
-          <a:bodyPr anchorCtr="0" anchor="t" bIns="91425" lIns="91425" rIns="91425" wrap="square" tIns="91425">
+          <a:bodyPr wrap="square" lIns="91425" tIns="91425" rIns="91425" bIns="91425" anchor="t" anchorCtr="0">
             <a:noAutofit/>
           </a:bodyPr>
           <a:lstStyle/>
           <a:p>
-            <a:pPr indent="0" lvl="0" marL="0" rtl="0">
+            <a:pPr marL="0" lvl="0" indent="0" rtl="0">
               <a:spcBef>
                 <a:spcPts val="0"/>
               </a:spcBef>
@@ -623,9 +751,6 @@
               </a:spcAft>
               <a:buNone/>
             </a:pPr>
-            <a:r>
-              <a:t/>
-            </a:r>
             <a:endParaRPr/>
           </a:p>
         </p:txBody>
@@ -639,11 +764,11 @@
 </file>
 
 <file path=ppt/notesSlides/notesSlide11.xml><?xml version="1.0" encoding="utf-8"?>
-<p:notes xmlns:a="http://schemas.openxmlformats.org/drawingml/2006/main" xmlns:r="http://schemas.openxmlformats.org/officeDocument/2006/relationships" xmlns:mc="http://schemas.openxmlformats.org/markup-compatibility/2006" xmlns:mv="urn:schemas-microsoft-com:mac:vml" xmlns:p="http://schemas.openxmlformats.org/presentationml/2006/main" xmlns:c="http://schemas.openxmlformats.org/drawingml/2006/chart" xmlns:dgm="http://schemas.openxmlformats.org/drawingml/2006/diagram" xmlns:o="urn:schemas-microsoft-com:office:office" xmlns:v="urn:schemas-microsoft-com:vml" xmlns:pvml="urn:schemas-microsoft-com:office:powerpoint" xmlns:com="http://schemas.openxmlformats.org/drawingml/2006/compatibility" xmlns:p14="http://schemas.microsoft.com/office/powerpoint/2010/main" xmlns:p15="http://schemas.microsoft.com/office/powerpoint/2012/main" showMasterPhAnim="0" showMasterSp="0">
+<p:notes xmlns:a="http://schemas.openxmlformats.org/drawingml/2006/main" xmlns:r="http://schemas.openxmlformats.org/officeDocument/2006/relationships" xmlns:p="http://schemas.openxmlformats.org/presentationml/2006/main" showMasterSp="0" showMasterPhAnim="0">
   <p:cSld>
     <p:spTree>
       <p:nvGrpSpPr>
-        <p:cNvPr id="115" name="Shape 115"/>
+        <p:cNvPr id="1" name="Shape 115"/>
         <p:cNvGrpSpPr/>
         <p:nvPr/>
       </p:nvGrpSpPr>
@@ -658,19 +783,26 @@
       <p:sp>
         <p:nvSpPr>
           <p:cNvPr id="116" name="Shape 116"/>
-          <p:cNvSpPr/>
+          <p:cNvSpPr>
+            <a:spLocks noGrp="1" noRot="1" noChangeAspect="1"/>
+          </p:cNvSpPr>
           <p:nvPr>
-            <p:ph idx="2" type="sldImg"/>
+            <p:ph type="sldImg" idx="2"/>
           </p:nvPr>
         </p:nvSpPr>
         <p:spPr>
           <a:xfrm>
-            <a:off x="381300" y="685800"/>
+            <a:off x="381000" y="685800"/>
             <a:ext cx="6096000" cy="3429000"/>
           </a:xfrm>
           <a:custGeom>
+            <a:avLst/>
+            <a:gdLst/>
+            <a:ahLst/>
+            <a:cxnLst/>
+            <a:rect l="0" t="0" r="0" b="0"/>
             <a:pathLst>
-              <a:path extrusionOk="0" h="120000" w="120000">
+              <a:path w="120000" h="120000" extrusionOk="0">
                 <a:moveTo>
                   <a:pt x="0" y="0"/>
                 </a:moveTo>
@@ -692,9 +824,11 @@
       <p:sp>
         <p:nvSpPr>
           <p:cNvPr id="117" name="Shape 117"/>
-          <p:cNvSpPr txBox="1"/>
+          <p:cNvSpPr txBox="1">
+            <a:spLocks noGrp="1"/>
+          </p:cNvSpPr>
           <p:nvPr>
-            <p:ph idx="1" type="body"/>
+            <p:ph type="body" idx="1"/>
           </p:nvPr>
         </p:nvSpPr>
         <p:spPr>
@@ -707,12 +841,12 @@
           </a:prstGeom>
         </p:spPr>
         <p:txBody>
-          <a:bodyPr anchorCtr="0" anchor="t" bIns="91425" lIns="91425" rIns="91425" wrap="square" tIns="91425">
+          <a:bodyPr wrap="square" lIns="91425" tIns="91425" rIns="91425" bIns="91425" anchor="t" anchorCtr="0">
             <a:noAutofit/>
           </a:bodyPr>
           <a:lstStyle/>
           <a:p>
-            <a:pPr indent="0" lvl="0" marL="0" rtl="0">
+            <a:pPr marL="0" lvl="0" indent="0" rtl="0">
               <a:spcBef>
                 <a:spcPts val="0"/>
               </a:spcBef>
@@ -721,9 +855,6 @@
               </a:spcAft>
               <a:buNone/>
             </a:pPr>
-            <a:r>
-              <a:t/>
-            </a:r>
             <a:endParaRPr/>
           </a:p>
         </p:txBody>
@@ -737,11 +868,11 @@
 </file>
 
 <file path=ppt/notesSlides/notesSlide12.xml><?xml version="1.0" encoding="utf-8"?>
-<p:notes xmlns:a="http://schemas.openxmlformats.org/drawingml/2006/main" xmlns:r="http://schemas.openxmlformats.org/officeDocument/2006/relationships" xmlns:mc="http://schemas.openxmlformats.org/markup-compatibility/2006" xmlns:mv="urn:schemas-microsoft-com:mac:vml" xmlns:p="http://schemas.openxmlformats.org/presentationml/2006/main" xmlns:c="http://schemas.openxmlformats.org/drawingml/2006/chart" xmlns:dgm="http://schemas.openxmlformats.org/drawingml/2006/diagram" xmlns:o="urn:schemas-microsoft-com:office:office" xmlns:v="urn:schemas-microsoft-com:vml" xmlns:pvml="urn:schemas-microsoft-com:office:powerpoint" xmlns:com="http://schemas.openxmlformats.org/drawingml/2006/compatibility" xmlns:p14="http://schemas.microsoft.com/office/powerpoint/2010/main" xmlns:p15="http://schemas.microsoft.com/office/powerpoint/2012/main" showMasterPhAnim="0" showMasterSp="0">
+<p:notes xmlns:a="http://schemas.openxmlformats.org/drawingml/2006/main" xmlns:r="http://schemas.openxmlformats.org/officeDocument/2006/relationships" xmlns:p="http://schemas.openxmlformats.org/presentationml/2006/main" showMasterSp="0" showMasterPhAnim="0">
   <p:cSld>
     <p:spTree>
       <p:nvGrpSpPr>
-        <p:cNvPr id="121" name="Shape 121"/>
+        <p:cNvPr id="1" name="Shape 121"/>
         <p:cNvGrpSpPr/>
         <p:nvPr/>
       </p:nvGrpSpPr>
@@ -756,19 +887,26 @@
       <p:sp>
         <p:nvSpPr>
           <p:cNvPr id="122" name="Shape 122"/>
-          <p:cNvSpPr/>
+          <p:cNvSpPr>
+            <a:spLocks noGrp="1" noRot="1" noChangeAspect="1"/>
+          </p:cNvSpPr>
           <p:nvPr>
-            <p:ph idx="2" type="sldImg"/>
+            <p:ph type="sldImg" idx="2"/>
           </p:nvPr>
         </p:nvSpPr>
         <p:spPr>
           <a:xfrm>
-            <a:off x="381300" y="685800"/>
+            <a:off x="381000" y="685800"/>
             <a:ext cx="6096000" cy="3429000"/>
           </a:xfrm>
           <a:custGeom>
+            <a:avLst/>
+            <a:gdLst/>
+            <a:ahLst/>
+            <a:cxnLst/>
+            <a:rect l="0" t="0" r="0" b="0"/>
             <a:pathLst>
-              <a:path extrusionOk="0" h="120000" w="120000">
+              <a:path w="120000" h="120000" extrusionOk="0">
                 <a:moveTo>
                   <a:pt x="0" y="0"/>
                 </a:moveTo>
@@ -790,9 +928,11 @@
       <p:sp>
         <p:nvSpPr>
           <p:cNvPr id="123" name="Shape 123"/>
-          <p:cNvSpPr txBox="1"/>
+          <p:cNvSpPr txBox="1">
+            <a:spLocks noGrp="1"/>
+          </p:cNvSpPr>
           <p:nvPr>
-            <p:ph idx="1" type="body"/>
+            <p:ph type="body" idx="1"/>
           </p:nvPr>
         </p:nvSpPr>
         <p:spPr>
@@ -805,12 +945,12 @@
           </a:prstGeom>
         </p:spPr>
         <p:txBody>
-          <a:bodyPr anchorCtr="0" anchor="t" bIns="91425" lIns="91425" rIns="91425" wrap="square" tIns="91425">
+          <a:bodyPr wrap="square" lIns="91425" tIns="91425" rIns="91425" bIns="91425" anchor="t" anchorCtr="0">
             <a:noAutofit/>
           </a:bodyPr>
           <a:lstStyle/>
           <a:p>
-            <a:pPr indent="0" lvl="0" marL="0" rtl="0">
+            <a:pPr marL="0" lvl="0" indent="0" rtl="0">
               <a:spcBef>
                 <a:spcPts val="0"/>
               </a:spcBef>
@@ -819,9 +959,6 @@
               </a:spcAft>
               <a:buNone/>
             </a:pPr>
-            <a:r>
-              <a:t/>
-            </a:r>
             <a:endParaRPr/>
           </a:p>
         </p:txBody>
@@ -835,11 +972,11 @@
 </file>
 
 <file path=ppt/notesSlides/notesSlide13.xml><?xml version="1.0" encoding="utf-8"?>
-<p:notes xmlns:a="http://schemas.openxmlformats.org/drawingml/2006/main" xmlns:r="http://schemas.openxmlformats.org/officeDocument/2006/relationships" xmlns:mc="http://schemas.openxmlformats.org/markup-compatibility/2006" xmlns:mv="urn:schemas-microsoft-com:mac:vml" xmlns:p="http://schemas.openxmlformats.org/presentationml/2006/main" xmlns:c="http://schemas.openxmlformats.org/drawingml/2006/chart" xmlns:dgm="http://schemas.openxmlformats.org/drawingml/2006/diagram" xmlns:o="urn:schemas-microsoft-com:office:office" xmlns:v="urn:schemas-microsoft-com:vml" xmlns:pvml="urn:schemas-microsoft-com:office:powerpoint" xmlns:com="http://schemas.openxmlformats.org/drawingml/2006/compatibility" xmlns:p14="http://schemas.microsoft.com/office/powerpoint/2010/main" xmlns:p15="http://schemas.microsoft.com/office/powerpoint/2012/main" showMasterPhAnim="0" showMasterSp="0">
+<p:notes xmlns:a="http://schemas.openxmlformats.org/drawingml/2006/main" xmlns:r="http://schemas.openxmlformats.org/officeDocument/2006/relationships" xmlns:p="http://schemas.openxmlformats.org/presentationml/2006/main" showMasterSp="0" showMasterPhAnim="0">
   <p:cSld>
     <p:spTree>
       <p:nvGrpSpPr>
-        <p:cNvPr id="127" name="Shape 127"/>
+        <p:cNvPr id="1" name="Shape 127"/>
         <p:cNvGrpSpPr/>
         <p:nvPr/>
       </p:nvGrpSpPr>
@@ -854,19 +991,26 @@
       <p:sp>
         <p:nvSpPr>
           <p:cNvPr id="128" name="Shape 128"/>
-          <p:cNvSpPr/>
+          <p:cNvSpPr>
+            <a:spLocks noGrp="1" noRot="1" noChangeAspect="1"/>
+          </p:cNvSpPr>
           <p:nvPr>
-            <p:ph idx="2" type="sldImg"/>
+            <p:ph type="sldImg" idx="2"/>
           </p:nvPr>
         </p:nvSpPr>
         <p:spPr>
           <a:xfrm>
-            <a:off x="381300" y="685800"/>
+            <a:off x="381000" y="685800"/>
             <a:ext cx="6096000" cy="3429000"/>
           </a:xfrm>
           <a:custGeom>
+            <a:avLst/>
+            <a:gdLst/>
+            <a:ahLst/>
+            <a:cxnLst/>
+            <a:rect l="0" t="0" r="0" b="0"/>
             <a:pathLst>
-              <a:path extrusionOk="0" h="120000" w="120000">
+              <a:path w="120000" h="120000" extrusionOk="0">
                 <a:moveTo>
                   <a:pt x="0" y="0"/>
                 </a:moveTo>
@@ -888,9 +1032,11 @@
       <p:sp>
         <p:nvSpPr>
           <p:cNvPr id="129" name="Shape 129"/>
-          <p:cNvSpPr txBox="1"/>
+          <p:cNvSpPr txBox="1">
+            <a:spLocks noGrp="1"/>
+          </p:cNvSpPr>
           <p:nvPr>
-            <p:ph idx="1" type="body"/>
+            <p:ph type="body" idx="1"/>
           </p:nvPr>
         </p:nvSpPr>
         <p:spPr>
@@ -903,12 +1049,12 @@
           </a:prstGeom>
         </p:spPr>
         <p:txBody>
-          <a:bodyPr anchorCtr="0" anchor="t" bIns="91425" lIns="91425" rIns="91425" wrap="square" tIns="91425">
+          <a:bodyPr wrap="square" lIns="91425" tIns="91425" rIns="91425" bIns="91425" anchor="t" anchorCtr="0">
             <a:noAutofit/>
           </a:bodyPr>
           <a:lstStyle/>
           <a:p>
-            <a:pPr indent="0" lvl="0" marL="0" rtl="0">
+            <a:pPr marL="0" lvl="0" indent="0" rtl="0">
               <a:spcBef>
                 <a:spcPts val="0"/>
               </a:spcBef>
@@ -917,9 +1063,6 @@
               </a:spcAft>
               <a:buNone/>
             </a:pPr>
-            <a:r>
-              <a:t/>
-            </a:r>
             <a:endParaRPr/>
           </a:p>
         </p:txBody>
@@ -933,11 +1076,11 @@
 </file>
 
 <file path=ppt/notesSlides/notesSlide14.xml><?xml version="1.0" encoding="utf-8"?>
-<p:notes xmlns:a="http://schemas.openxmlformats.org/drawingml/2006/main" xmlns:r="http://schemas.openxmlformats.org/officeDocument/2006/relationships" xmlns:mc="http://schemas.openxmlformats.org/markup-compatibility/2006" xmlns:mv="urn:schemas-microsoft-com:mac:vml" xmlns:p="http://schemas.openxmlformats.org/presentationml/2006/main" xmlns:c="http://schemas.openxmlformats.org/drawingml/2006/chart" xmlns:dgm="http://schemas.openxmlformats.org/drawingml/2006/diagram" xmlns:o="urn:schemas-microsoft-com:office:office" xmlns:v="urn:schemas-microsoft-com:vml" xmlns:pvml="urn:schemas-microsoft-com:office:powerpoint" xmlns:com="http://schemas.openxmlformats.org/drawingml/2006/compatibility" xmlns:p14="http://schemas.microsoft.com/office/powerpoint/2010/main" xmlns:p15="http://schemas.microsoft.com/office/powerpoint/2012/main" showMasterPhAnim="0" showMasterSp="0">
+<p:notes xmlns:a="http://schemas.openxmlformats.org/drawingml/2006/main" xmlns:r="http://schemas.openxmlformats.org/officeDocument/2006/relationships" xmlns:p="http://schemas.openxmlformats.org/presentationml/2006/main" showMasterSp="0" showMasterPhAnim="0">
   <p:cSld>
     <p:spTree>
       <p:nvGrpSpPr>
-        <p:cNvPr id="133" name="Shape 133"/>
+        <p:cNvPr id="1" name="Shape 133"/>
         <p:cNvGrpSpPr/>
         <p:nvPr/>
       </p:nvGrpSpPr>
@@ -952,19 +1095,26 @@
       <p:sp>
         <p:nvSpPr>
           <p:cNvPr id="134" name="Shape 134"/>
-          <p:cNvSpPr/>
+          <p:cNvSpPr>
+            <a:spLocks noGrp="1" noRot="1" noChangeAspect="1"/>
+          </p:cNvSpPr>
           <p:nvPr>
-            <p:ph idx="2" type="sldImg"/>
+            <p:ph type="sldImg" idx="2"/>
           </p:nvPr>
         </p:nvSpPr>
         <p:spPr>
           <a:xfrm>
-            <a:off x="381300" y="685800"/>
+            <a:off x="381000" y="685800"/>
             <a:ext cx="6096000" cy="3429000"/>
           </a:xfrm>
           <a:custGeom>
+            <a:avLst/>
+            <a:gdLst/>
+            <a:ahLst/>
+            <a:cxnLst/>
+            <a:rect l="0" t="0" r="0" b="0"/>
             <a:pathLst>
-              <a:path extrusionOk="0" h="120000" w="120000">
+              <a:path w="120000" h="120000" extrusionOk="0">
                 <a:moveTo>
                   <a:pt x="0" y="0"/>
                 </a:moveTo>
@@ -986,9 +1136,11 @@
       <p:sp>
         <p:nvSpPr>
           <p:cNvPr id="135" name="Shape 135"/>
-          <p:cNvSpPr txBox="1"/>
+          <p:cNvSpPr txBox="1">
+            <a:spLocks noGrp="1"/>
+          </p:cNvSpPr>
           <p:nvPr>
-            <p:ph idx="1" type="body"/>
+            <p:ph type="body" idx="1"/>
           </p:nvPr>
         </p:nvSpPr>
         <p:spPr>
@@ -1001,12 +1153,12 @@
           </a:prstGeom>
         </p:spPr>
         <p:txBody>
-          <a:bodyPr anchorCtr="0" anchor="t" bIns="91425" lIns="91425" rIns="91425" wrap="square" tIns="91425">
+          <a:bodyPr wrap="square" lIns="91425" tIns="91425" rIns="91425" bIns="91425" anchor="t" anchorCtr="0">
             <a:noAutofit/>
           </a:bodyPr>
           <a:lstStyle/>
           <a:p>
-            <a:pPr indent="0" lvl="0" marL="0" rtl="0">
+            <a:pPr marL="0" lvl="0" indent="0" rtl="0">
               <a:spcBef>
                 <a:spcPts val="0"/>
               </a:spcBef>
@@ -1015,9 +1167,6 @@
               </a:spcAft>
               <a:buNone/>
             </a:pPr>
-            <a:r>
-              <a:t/>
-            </a:r>
             <a:endParaRPr/>
           </a:p>
         </p:txBody>
@@ -1031,11 +1180,11 @@
 </file>
 
 <file path=ppt/notesSlides/notesSlide15.xml><?xml version="1.0" encoding="utf-8"?>
-<p:notes xmlns:a="http://schemas.openxmlformats.org/drawingml/2006/main" xmlns:r="http://schemas.openxmlformats.org/officeDocument/2006/relationships" xmlns:mc="http://schemas.openxmlformats.org/markup-compatibility/2006" xmlns:mv="urn:schemas-microsoft-com:mac:vml" xmlns:p="http://schemas.openxmlformats.org/presentationml/2006/main" xmlns:c="http://schemas.openxmlformats.org/drawingml/2006/chart" xmlns:dgm="http://schemas.openxmlformats.org/drawingml/2006/diagram" xmlns:o="urn:schemas-microsoft-com:office:office" xmlns:v="urn:schemas-microsoft-com:vml" xmlns:pvml="urn:schemas-microsoft-com:office:powerpoint" xmlns:com="http://schemas.openxmlformats.org/drawingml/2006/compatibility" xmlns:p14="http://schemas.microsoft.com/office/powerpoint/2010/main" xmlns:p15="http://schemas.microsoft.com/office/powerpoint/2012/main" showMasterPhAnim="0" showMasterSp="0">
+<p:notes xmlns:a="http://schemas.openxmlformats.org/drawingml/2006/main" xmlns:r="http://schemas.openxmlformats.org/officeDocument/2006/relationships" xmlns:p="http://schemas.openxmlformats.org/presentationml/2006/main" showMasterSp="0" showMasterPhAnim="0">
   <p:cSld>
     <p:spTree>
       <p:nvGrpSpPr>
-        <p:cNvPr id="139" name="Shape 139"/>
+        <p:cNvPr id="1" name="Shape 139"/>
         <p:cNvGrpSpPr/>
         <p:nvPr/>
       </p:nvGrpSpPr>
@@ -1050,19 +1199,26 @@
       <p:sp>
         <p:nvSpPr>
           <p:cNvPr id="140" name="Shape 140"/>
-          <p:cNvSpPr/>
+          <p:cNvSpPr>
+            <a:spLocks noGrp="1" noRot="1" noChangeAspect="1"/>
+          </p:cNvSpPr>
           <p:nvPr>
-            <p:ph idx="2" type="sldImg"/>
+            <p:ph type="sldImg" idx="2"/>
           </p:nvPr>
         </p:nvSpPr>
         <p:spPr>
           <a:xfrm>
-            <a:off x="381300" y="685800"/>
+            <a:off x="381000" y="685800"/>
             <a:ext cx="6096000" cy="3429000"/>
           </a:xfrm>
           <a:custGeom>
+            <a:avLst/>
+            <a:gdLst/>
+            <a:ahLst/>
+            <a:cxnLst/>
+            <a:rect l="0" t="0" r="0" b="0"/>
             <a:pathLst>
-              <a:path extrusionOk="0" h="120000" w="120000">
+              <a:path w="120000" h="120000" extrusionOk="0">
                 <a:moveTo>
                   <a:pt x="0" y="0"/>
                 </a:moveTo>
@@ -1084,9 +1240,11 @@
       <p:sp>
         <p:nvSpPr>
           <p:cNvPr id="141" name="Shape 141"/>
-          <p:cNvSpPr txBox="1"/>
+          <p:cNvSpPr txBox="1">
+            <a:spLocks noGrp="1"/>
+          </p:cNvSpPr>
           <p:nvPr>
-            <p:ph idx="1" type="body"/>
+            <p:ph type="body" idx="1"/>
           </p:nvPr>
         </p:nvSpPr>
         <p:spPr>
@@ -1099,12 +1257,12 @@
           </a:prstGeom>
         </p:spPr>
         <p:txBody>
-          <a:bodyPr anchorCtr="0" anchor="t" bIns="91425" lIns="91425" rIns="91425" wrap="square" tIns="91425">
+          <a:bodyPr wrap="square" lIns="91425" tIns="91425" rIns="91425" bIns="91425" anchor="t" anchorCtr="0">
             <a:noAutofit/>
           </a:bodyPr>
           <a:lstStyle/>
           <a:p>
-            <a:pPr indent="0" lvl="0" marL="0" rtl="0">
+            <a:pPr marL="0" lvl="0" indent="0" rtl="0">
               <a:spcBef>
                 <a:spcPts val="0"/>
               </a:spcBef>
@@ -1113,9 +1271,6 @@
               </a:spcAft>
               <a:buNone/>
             </a:pPr>
-            <a:r>
-              <a:t/>
-            </a:r>
             <a:endParaRPr/>
           </a:p>
         </p:txBody>
@@ -1129,11 +1284,11 @@
 </file>
 
 <file path=ppt/notesSlides/notesSlide16.xml><?xml version="1.0" encoding="utf-8"?>
-<p:notes xmlns:a="http://schemas.openxmlformats.org/drawingml/2006/main" xmlns:r="http://schemas.openxmlformats.org/officeDocument/2006/relationships" xmlns:mc="http://schemas.openxmlformats.org/markup-compatibility/2006" xmlns:mv="urn:schemas-microsoft-com:mac:vml" xmlns:p="http://schemas.openxmlformats.org/presentationml/2006/main" xmlns:c="http://schemas.openxmlformats.org/drawingml/2006/chart" xmlns:dgm="http://schemas.openxmlformats.org/drawingml/2006/diagram" xmlns:o="urn:schemas-microsoft-com:office:office" xmlns:v="urn:schemas-microsoft-com:vml" xmlns:pvml="urn:schemas-microsoft-com:office:powerpoint" xmlns:com="http://schemas.openxmlformats.org/drawingml/2006/compatibility" xmlns:p14="http://schemas.microsoft.com/office/powerpoint/2010/main" xmlns:p15="http://schemas.microsoft.com/office/powerpoint/2012/main" showMasterPhAnim="0" showMasterSp="0">
+<p:notes xmlns:a="http://schemas.openxmlformats.org/drawingml/2006/main" xmlns:r="http://schemas.openxmlformats.org/officeDocument/2006/relationships" xmlns:p="http://schemas.openxmlformats.org/presentationml/2006/main" showMasterSp="0" showMasterPhAnim="0">
   <p:cSld>
     <p:spTree>
       <p:nvGrpSpPr>
-        <p:cNvPr id="145" name="Shape 145"/>
+        <p:cNvPr id="1" name="Shape 145"/>
         <p:cNvGrpSpPr/>
         <p:nvPr/>
       </p:nvGrpSpPr>
@@ -1148,19 +1303,26 @@
       <p:sp>
         <p:nvSpPr>
           <p:cNvPr id="146" name="Shape 146"/>
-          <p:cNvSpPr/>
+          <p:cNvSpPr>
+            <a:spLocks noGrp="1" noRot="1" noChangeAspect="1"/>
+          </p:cNvSpPr>
           <p:nvPr>
-            <p:ph idx="2" type="sldImg"/>
+            <p:ph type="sldImg" idx="2"/>
           </p:nvPr>
         </p:nvSpPr>
         <p:spPr>
           <a:xfrm>
-            <a:off x="381300" y="685800"/>
+            <a:off x="381000" y="685800"/>
             <a:ext cx="6096000" cy="3429000"/>
           </a:xfrm>
           <a:custGeom>
+            <a:avLst/>
+            <a:gdLst/>
+            <a:ahLst/>
+            <a:cxnLst/>
+            <a:rect l="0" t="0" r="0" b="0"/>
             <a:pathLst>
-              <a:path extrusionOk="0" h="120000" w="120000">
+              <a:path w="120000" h="120000" extrusionOk="0">
                 <a:moveTo>
                   <a:pt x="0" y="0"/>
                 </a:moveTo>
@@ -1182,9 +1344,11 @@
       <p:sp>
         <p:nvSpPr>
           <p:cNvPr id="147" name="Shape 147"/>
-          <p:cNvSpPr txBox="1"/>
+          <p:cNvSpPr txBox="1">
+            <a:spLocks noGrp="1"/>
+          </p:cNvSpPr>
           <p:nvPr>
-            <p:ph idx="1" type="body"/>
+            <p:ph type="body" idx="1"/>
           </p:nvPr>
         </p:nvSpPr>
         <p:spPr>
@@ -1197,12 +1361,12 @@
           </a:prstGeom>
         </p:spPr>
         <p:txBody>
-          <a:bodyPr anchorCtr="0" anchor="t" bIns="91425" lIns="91425" rIns="91425" wrap="square" tIns="91425">
+          <a:bodyPr wrap="square" lIns="91425" tIns="91425" rIns="91425" bIns="91425" anchor="t" anchorCtr="0">
             <a:noAutofit/>
           </a:bodyPr>
           <a:lstStyle/>
           <a:p>
-            <a:pPr indent="0" lvl="0" marL="0" rtl="0">
+            <a:pPr marL="0" lvl="0" indent="0" rtl="0">
               <a:spcBef>
                 <a:spcPts val="0"/>
               </a:spcBef>
@@ -1211,9 +1375,6 @@
               </a:spcAft>
               <a:buNone/>
             </a:pPr>
-            <a:r>
-              <a:t/>
-            </a:r>
             <a:endParaRPr/>
           </a:p>
         </p:txBody>
@@ -1227,11 +1388,11 @@
 </file>
 
 <file path=ppt/notesSlides/notesSlide2.xml><?xml version="1.0" encoding="utf-8"?>
-<p:notes xmlns:a="http://schemas.openxmlformats.org/drawingml/2006/main" xmlns:r="http://schemas.openxmlformats.org/officeDocument/2006/relationships" xmlns:mc="http://schemas.openxmlformats.org/markup-compatibility/2006" xmlns:mv="urn:schemas-microsoft-com:mac:vml" xmlns:p="http://schemas.openxmlformats.org/presentationml/2006/main" xmlns:c="http://schemas.openxmlformats.org/drawingml/2006/chart" xmlns:dgm="http://schemas.openxmlformats.org/drawingml/2006/diagram" xmlns:o="urn:schemas-microsoft-com:office:office" xmlns:v="urn:schemas-microsoft-com:vml" xmlns:pvml="urn:schemas-microsoft-com:office:powerpoint" xmlns:com="http://schemas.openxmlformats.org/drawingml/2006/compatibility" xmlns:p14="http://schemas.microsoft.com/office/powerpoint/2010/main" xmlns:p15="http://schemas.microsoft.com/office/powerpoint/2012/main" showMasterPhAnim="0" showMasterSp="0">
+<p:notes xmlns:a="http://schemas.openxmlformats.org/drawingml/2006/main" xmlns:r="http://schemas.openxmlformats.org/officeDocument/2006/relationships" xmlns:p="http://schemas.openxmlformats.org/presentationml/2006/main" showMasterSp="0" showMasterPhAnim="0">
   <p:cSld>
     <p:spTree>
       <p:nvGrpSpPr>
-        <p:cNvPr id="60" name="Shape 60"/>
+        <p:cNvPr id="1" name="Shape 60"/>
         <p:cNvGrpSpPr/>
         <p:nvPr/>
       </p:nvGrpSpPr>
@@ -1246,19 +1407,26 @@
       <p:sp>
         <p:nvSpPr>
           <p:cNvPr id="61" name="Shape 61"/>
-          <p:cNvSpPr/>
+          <p:cNvSpPr>
+            <a:spLocks noGrp="1" noRot="1" noChangeAspect="1"/>
+          </p:cNvSpPr>
           <p:nvPr>
-            <p:ph idx="2" type="sldImg"/>
+            <p:ph type="sldImg" idx="2"/>
           </p:nvPr>
         </p:nvSpPr>
         <p:spPr>
           <a:xfrm>
-            <a:off x="381300" y="685800"/>
+            <a:off x="381000" y="685800"/>
             <a:ext cx="6096000" cy="3429000"/>
           </a:xfrm>
           <a:custGeom>
+            <a:avLst/>
+            <a:gdLst/>
+            <a:ahLst/>
+            <a:cxnLst/>
+            <a:rect l="0" t="0" r="0" b="0"/>
             <a:pathLst>
-              <a:path extrusionOk="0" h="120000" w="120000">
+              <a:path w="120000" h="120000" extrusionOk="0">
                 <a:moveTo>
                   <a:pt x="0" y="0"/>
                 </a:moveTo>
@@ -1280,9 +1448,11 @@
       <p:sp>
         <p:nvSpPr>
           <p:cNvPr id="62" name="Shape 62"/>
-          <p:cNvSpPr txBox="1"/>
+          <p:cNvSpPr txBox="1">
+            <a:spLocks noGrp="1"/>
+          </p:cNvSpPr>
           <p:nvPr>
-            <p:ph idx="1" type="body"/>
+            <p:ph type="body" idx="1"/>
           </p:nvPr>
         </p:nvSpPr>
         <p:spPr>
@@ -1295,12 +1465,12 @@
           </a:prstGeom>
         </p:spPr>
         <p:txBody>
-          <a:bodyPr anchorCtr="0" anchor="t" bIns="91425" lIns="91425" rIns="91425" wrap="square" tIns="91425">
+          <a:bodyPr wrap="square" lIns="91425" tIns="91425" rIns="91425" bIns="91425" anchor="t" anchorCtr="0">
             <a:noAutofit/>
           </a:bodyPr>
           <a:lstStyle/>
           <a:p>
-            <a:pPr indent="0" lvl="0" marL="0">
+            <a:pPr marL="0" lvl="0" indent="0">
               <a:spcBef>
                 <a:spcPts val="0"/>
               </a:spcBef>
@@ -1309,9 +1479,6 @@
               </a:spcAft>
               <a:buNone/>
             </a:pPr>
-            <a:r>
-              <a:t/>
-            </a:r>
             <a:endParaRPr/>
           </a:p>
         </p:txBody>
@@ -1325,11 +1492,11 @@
 </file>
 
 <file path=ppt/notesSlides/notesSlide3.xml><?xml version="1.0" encoding="utf-8"?>
-<p:notes xmlns:a="http://schemas.openxmlformats.org/drawingml/2006/main" xmlns:r="http://schemas.openxmlformats.org/officeDocument/2006/relationships" xmlns:mc="http://schemas.openxmlformats.org/markup-compatibility/2006" xmlns:mv="urn:schemas-microsoft-com:mac:vml" xmlns:p="http://schemas.openxmlformats.org/presentationml/2006/main" xmlns:c="http://schemas.openxmlformats.org/drawingml/2006/chart" xmlns:dgm="http://schemas.openxmlformats.org/drawingml/2006/diagram" xmlns:o="urn:schemas-microsoft-com:office:office" xmlns:v="urn:schemas-microsoft-com:vml" xmlns:pvml="urn:schemas-microsoft-com:office:powerpoint" xmlns:com="http://schemas.openxmlformats.org/drawingml/2006/compatibility" xmlns:p14="http://schemas.microsoft.com/office/powerpoint/2010/main" xmlns:p15="http://schemas.microsoft.com/office/powerpoint/2012/main" showMasterPhAnim="0" showMasterSp="0">
+<p:notes xmlns:a="http://schemas.openxmlformats.org/drawingml/2006/main" xmlns:r="http://schemas.openxmlformats.org/officeDocument/2006/relationships" xmlns:p="http://schemas.openxmlformats.org/presentationml/2006/main" showMasterSp="0" showMasterPhAnim="0">
   <p:cSld>
     <p:spTree>
       <p:nvGrpSpPr>
-        <p:cNvPr id="65" name="Shape 65"/>
+        <p:cNvPr id="1" name="Shape 65"/>
         <p:cNvGrpSpPr/>
         <p:nvPr/>
       </p:nvGrpSpPr>
@@ -1344,19 +1511,26 @@
       <p:sp>
         <p:nvSpPr>
           <p:cNvPr id="66" name="Shape 66"/>
-          <p:cNvSpPr/>
+          <p:cNvSpPr>
+            <a:spLocks noGrp="1" noRot="1" noChangeAspect="1"/>
+          </p:cNvSpPr>
           <p:nvPr>
-            <p:ph idx="2" type="sldImg"/>
+            <p:ph type="sldImg" idx="2"/>
           </p:nvPr>
         </p:nvSpPr>
         <p:spPr>
           <a:xfrm>
-            <a:off x="381300" y="685800"/>
+            <a:off x="381000" y="685800"/>
             <a:ext cx="6096000" cy="3429000"/>
           </a:xfrm>
           <a:custGeom>
+            <a:avLst/>
+            <a:gdLst/>
+            <a:ahLst/>
+            <a:cxnLst/>
+            <a:rect l="0" t="0" r="0" b="0"/>
             <a:pathLst>
-              <a:path extrusionOk="0" h="120000" w="120000">
+              <a:path w="120000" h="120000" extrusionOk="0">
                 <a:moveTo>
                   <a:pt x="0" y="0"/>
                 </a:moveTo>
@@ -1378,9 +1552,11 @@
       <p:sp>
         <p:nvSpPr>
           <p:cNvPr id="67" name="Shape 67"/>
-          <p:cNvSpPr txBox="1"/>
+          <p:cNvSpPr txBox="1">
+            <a:spLocks noGrp="1"/>
+          </p:cNvSpPr>
           <p:nvPr>
-            <p:ph idx="1" type="body"/>
+            <p:ph type="body" idx="1"/>
           </p:nvPr>
         </p:nvSpPr>
         <p:spPr>
@@ -1393,12 +1569,12 @@
           </a:prstGeom>
         </p:spPr>
         <p:txBody>
-          <a:bodyPr anchorCtr="0" anchor="t" bIns="91425" lIns="91425" rIns="91425" wrap="square" tIns="91425">
+          <a:bodyPr wrap="square" lIns="91425" tIns="91425" rIns="91425" bIns="91425" anchor="t" anchorCtr="0">
             <a:noAutofit/>
           </a:bodyPr>
           <a:lstStyle/>
           <a:p>
-            <a:pPr indent="0" lvl="0" marL="0" rtl="0">
+            <a:pPr marL="0" lvl="0" indent="0" rtl="0">
               <a:spcBef>
                 <a:spcPts val="0"/>
               </a:spcBef>
@@ -1407,9 +1583,6 @@
               </a:spcAft>
               <a:buNone/>
             </a:pPr>
-            <a:r>
-              <a:t/>
-            </a:r>
             <a:endParaRPr/>
           </a:p>
         </p:txBody>
@@ -1423,11 +1596,11 @@
 </file>
 
 <file path=ppt/notesSlides/notesSlide4.xml><?xml version="1.0" encoding="utf-8"?>
-<p:notes xmlns:a="http://schemas.openxmlformats.org/drawingml/2006/main" xmlns:r="http://schemas.openxmlformats.org/officeDocument/2006/relationships" xmlns:mc="http://schemas.openxmlformats.org/markup-compatibility/2006" xmlns:mv="urn:schemas-microsoft-com:mac:vml" xmlns:p="http://schemas.openxmlformats.org/presentationml/2006/main" xmlns:c="http://schemas.openxmlformats.org/drawingml/2006/chart" xmlns:dgm="http://schemas.openxmlformats.org/drawingml/2006/diagram" xmlns:o="urn:schemas-microsoft-com:office:office" xmlns:v="urn:schemas-microsoft-com:vml" xmlns:pvml="urn:schemas-microsoft-com:office:powerpoint" xmlns:com="http://schemas.openxmlformats.org/drawingml/2006/compatibility" xmlns:p14="http://schemas.microsoft.com/office/powerpoint/2010/main" xmlns:p15="http://schemas.microsoft.com/office/powerpoint/2012/main" showMasterPhAnim="0" showMasterSp="0">
+<p:notes xmlns:a="http://schemas.openxmlformats.org/drawingml/2006/main" xmlns:r="http://schemas.openxmlformats.org/officeDocument/2006/relationships" xmlns:p="http://schemas.openxmlformats.org/presentationml/2006/main" showMasterSp="0" showMasterPhAnim="0">
   <p:cSld>
     <p:spTree>
       <p:nvGrpSpPr>
-        <p:cNvPr id="71" name="Shape 71"/>
+        <p:cNvPr id="1" name="Shape 71"/>
         <p:cNvGrpSpPr/>
         <p:nvPr/>
       </p:nvGrpSpPr>
@@ -1442,19 +1615,26 @@
       <p:sp>
         <p:nvSpPr>
           <p:cNvPr id="72" name="Shape 72"/>
-          <p:cNvSpPr/>
+          <p:cNvSpPr>
+            <a:spLocks noGrp="1" noRot="1" noChangeAspect="1"/>
+          </p:cNvSpPr>
           <p:nvPr>
-            <p:ph idx="2" type="sldImg"/>
+            <p:ph type="sldImg" idx="2"/>
           </p:nvPr>
         </p:nvSpPr>
         <p:spPr>
           <a:xfrm>
-            <a:off x="381300" y="685800"/>
+            <a:off x="381000" y="685800"/>
             <a:ext cx="6096000" cy="3429000"/>
           </a:xfrm>
           <a:custGeom>
+            <a:avLst/>
+            <a:gdLst/>
+            <a:ahLst/>
+            <a:cxnLst/>
+            <a:rect l="0" t="0" r="0" b="0"/>
             <a:pathLst>
-              <a:path extrusionOk="0" h="120000" w="120000">
+              <a:path w="120000" h="120000" extrusionOk="0">
                 <a:moveTo>
                   <a:pt x="0" y="0"/>
                 </a:moveTo>
@@ -1476,9 +1656,11 @@
       <p:sp>
         <p:nvSpPr>
           <p:cNvPr id="73" name="Shape 73"/>
-          <p:cNvSpPr txBox="1"/>
+          <p:cNvSpPr txBox="1">
+            <a:spLocks noGrp="1"/>
+          </p:cNvSpPr>
           <p:nvPr>
-            <p:ph idx="1" type="body"/>
+            <p:ph type="body" idx="1"/>
           </p:nvPr>
         </p:nvSpPr>
         <p:spPr>
@@ -1491,12 +1673,12 @@
           </a:prstGeom>
         </p:spPr>
         <p:txBody>
-          <a:bodyPr anchorCtr="0" anchor="t" bIns="91425" lIns="91425" rIns="91425" wrap="square" tIns="91425">
+          <a:bodyPr wrap="square" lIns="91425" tIns="91425" rIns="91425" bIns="91425" anchor="t" anchorCtr="0">
             <a:noAutofit/>
           </a:bodyPr>
           <a:lstStyle/>
           <a:p>
-            <a:pPr indent="0" lvl="0" marL="0" rtl="0">
+            <a:pPr marL="0" lvl="0" indent="0" rtl="0">
               <a:spcBef>
                 <a:spcPts val="0"/>
               </a:spcBef>
@@ -1505,9 +1687,6 @@
               </a:spcAft>
               <a:buNone/>
             </a:pPr>
-            <a:r>
-              <a:t/>
-            </a:r>
             <a:endParaRPr/>
           </a:p>
         </p:txBody>
@@ -1521,11 +1700,11 @@
 </file>
 
 <file path=ppt/notesSlides/notesSlide5.xml><?xml version="1.0" encoding="utf-8"?>
-<p:notes xmlns:a="http://schemas.openxmlformats.org/drawingml/2006/main" xmlns:r="http://schemas.openxmlformats.org/officeDocument/2006/relationships" xmlns:mc="http://schemas.openxmlformats.org/markup-compatibility/2006" xmlns:mv="urn:schemas-microsoft-com:mac:vml" xmlns:p="http://schemas.openxmlformats.org/presentationml/2006/main" xmlns:c="http://schemas.openxmlformats.org/drawingml/2006/chart" xmlns:dgm="http://schemas.openxmlformats.org/drawingml/2006/diagram" xmlns:o="urn:schemas-microsoft-com:office:office" xmlns:v="urn:schemas-microsoft-com:vml" xmlns:pvml="urn:schemas-microsoft-com:office:powerpoint" xmlns:com="http://schemas.openxmlformats.org/drawingml/2006/compatibility" xmlns:p14="http://schemas.microsoft.com/office/powerpoint/2010/main" xmlns:p15="http://schemas.microsoft.com/office/powerpoint/2012/main" showMasterPhAnim="0" showMasterSp="0">
+<p:notes xmlns:a="http://schemas.openxmlformats.org/drawingml/2006/main" xmlns:r="http://schemas.openxmlformats.org/officeDocument/2006/relationships" xmlns:p="http://schemas.openxmlformats.org/presentationml/2006/main" showMasterSp="0" showMasterPhAnim="0">
   <p:cSld>
     <p:spTree>
       <p:nvGrpSpPr>
-        <p:cNvPr id="77" name="Shape 77"/>
+        <p:cNvPr id="1" name="Shape 77"/>
         <p:cNvGrpSpPr/>
         <p:nvPr/>
       </p:nvGrpSpPr>
@@ -1540,19 +1719,26 @@
       <p:sp>
         <p:nvSpPr>
           <p:cNvPr id="78" name="Shape 78"/>
-          <p:cNvSpPr/>
+          <p:cNvSpPr>
+            <a:spLocks noGrp="1" noRot="1" noChangeAspect="1"/>
+          </p:cNvSpPr>
           <p:nvPr>
-            <p:ph idx="2" type="sldImg"/>
+            <p:ph type="sldImg" idx="2"/>
           </p:nvPr>
         </p:nvSpPr>
         <p:spPr>
           <a:xfrm>
-            <a:off x="381300" y="685800"/>
+            <a:off x="381000" y="685800"/>
             <a:ext cx="6096000" cy="3429000"/>
           </a:xfrm>
           <a:custGeom>
+            <a:avLst/>
+            <a:gdLst/>
+            <a:ahLst/>
+            <a:cxnLst/>
+            <a:rect l="0" t="0" r="0" b="0"/>
             <a:pathLst>
-              <a:path extrusionOk="0" h="120000" w="120000">
+              <a:path w="120000" h="120000" extrusionOk="0">
                 <a:moveTo>
                   <a:pt x="0" y="0"/>
                 </a:moveTo>
@@ -1574,9 +1760,11 @@
       <p:sp>
         <p:nvSpPr>
           <p:cNvPr id="79" name="Shape 79"/>
-          <p:cNvSpPr txBox="1"/>
+          <p:cNvSpPr txBox="1">
+            <a:spLocks noGrp="1"/>
+          </p:cNvSpPr>
           <p:nvPr>
-            <p:ph idx="1" type="body"/>
+            <p:ph type="body" idx="1"/>
           </p:nvPr>
         </p:nvSpPr>
         <p:spPr>
@@ -1589,12 +1777,12 @@
           </a:prstGeom>
         </p:spPr>
         <p:txBody>
-          <a:bodyPr anchorCtr="0" anchor="t" bIns="91425" lIns="91425" rIns="91425" wrap="square" tIns="91425">
+          <a:bodyPr wrap="square" lIns="91425" tIns="91425" rIns="91425" bIns="91425" anchor="t" anchorCtr="0">
             <a:noAutofit/>
           </a:bodyPr>
           <a:lstStyle/>
           <a:p>
-            <a:pPr indent="0" lvl="0" marL="0">
+            <a:pPr marL="0" lvl="0" indent="0">
               <a:spcBef>
                 <a:spcPts val="0"/>
               </a:spcBef>
@@ -1603,9 +1791,6 @@
               </a:spcAft>
               <a:buNone/>
             </a:pPr>
-            <a:r>
-              <a:t/>
-            </a:r>
             <a:endParaRPr/>
           </a:p>
         </p:txBody>
@@ -1619,11 +1804,11 @@
 </file>
 
 <file path=ppt/notesSlides/notesSlide6.xml><?xml version="1.0" encoding="utf-8"?>
-<p:notes xmlns:a="http://schemas.openxmlformats.org/drawingml/2006/main" xmlns:r="http://schemas.openxmlformats.org/officeDocument/2006/relationships" xmlns:mc="http://schemas.openxmlformats.org/markup-compatibility/2006" xmlns:mv="urn:schemas-microsoft-com:mac:vml" xmlns:p="http://schemas.openxmlformats.org/presentationml/2006/main" xmlns:c="http://schemas.openxmlformats.org/drawingml/2006/chart" xmlns:dgm="http://schemas.openxmlformats.org/drawingml/2006/diagram" xmlns:o="urn:schemas-microsoft-com:office:office" xmlns:v="urn:schemas-microsoft-com:vml" xmlns:pvml="urn:schemas-microsoft-com:office:powerpoint" xmlns:com="http://schemas.openxmlformats.org/drawingml/2006/compatibility" xmlns:p14="http://schemas.microsoft.com/office/powerpoint/2010/main" xmlns:p15="http://schemas.microsoft.com/office/powerpoint/2012/main" showMasterPhAnim="0" showMasterSp="0">
+<p:notes xmlns:a="http://schemas.openxmlformats.org/drawingml/2006/main" xmlns:r="http://schemas.openxmlformats.org/officeDocument/2006/relationships" xmlns:p="http://schemas.openxmlformats.org/presentationml/2006/main" showMasterSp="0" showMasterPhAnim="0">
   <p:cSld>
     <p:spTree>
       <p:nvGrpSpPr>
-        <p:cNvPr id="85" name="Shape 85"/>
+        <p:cNvPr id="1" name="Shape 85"/>
         <p:cNvGrpSpPr/>
         <p:nvPr/>
       </p:nvGrpSpPr>
@@ -1638,19 +1823,26 @@
       <p:sp>
         <p:nvSpPr>
           <p:cNvPr id="86" name="Shape 86"/>
-          <p:cNvSpPr/>
+          <p:cNvSpPr>
+            <a:spLocks noGrp="1" noRot="1" noChangeAspect="1"/>
+          </p:cNvSpPr>
           <p:nvPr>
-            <p:ph idx="2" type="sldImg"/>
+            <p:ph type="sldImg" idx="2"/>
           </p:nvPr>
         </p:nvSpPr>
         <p:spPr>
           <a:xfrm>
-            <a:off x="381300" y="685800"/>
+            <a:off x="381000" y="685800"/>
             <a:ext cx="6096000" cy="3429000"/>
           </a:xfrm>
           <a:custGeom>
+            <a:avLst/>
+            <a:gdLst/>
+            <a:ahLst/>
+            <a:cxnLst/>
+            <a:rect l="0" t="0" r="0" b="0"/>
             <a:pathLst>
-              <a:path extrusionOk="0" h="120000" w="120000">
+              <a:path w="120000" h="120000" extrusionOk="0">
                 <a:moveTo>
                   <a:pt x="0" y="0"/>
                 </a:moveTo>
@@ -1672,9 +1864,11 @@
       <p:sp>
         <p:nvSpPr>
           <p:cNvPr id="87" name="Shape 87"/>
-          <p:cNvSpPr txBox="1"/>
+          <p:cNvSpPr txBox="1">
+            <a:spLocks noGrp="1"/>
+          </p:cNvSpPr>
           <p:nvPr>
-            <p:ph idx="1" type="body"/>
+            <p:ph type="body" idx="1"/>
           </p:nvPr>
         </p:nvSpPr>
         <p:spPr>
@@ -1687,12 +1881,12 @@
           </a:prstGeom>
         </p:spPr>
         <p:txBody>
-          <a:bodyPr anchorCtr="0" anchor="t" bIns="91425" lIns="91425" rIns="91425" wrap="square" tIns="91425">
+          <a:bodyPr wrap="square" lIns="91425" tIns="91425" rIns="91425" bIns="91425" anchor="t" anchorCtr="0">
             <a:noAutofit/>
           </a:bodyPr>
           <a:lstStyle/>
           <a:p>
-            <a:pPr indent="0" lvl="0" marL="0" rtl="0">
+            <a:pPr marL="0" lvl="0" indent="0" rtl="0">
               <a:spcBef>
                 <a:spcPts val="0"/>
               </a:spcBef>
@@ -1701,9 +1895,6 @@
               </a:spcAft>
               <a:buNone/>
             </a:pPr>
-            <a:r>
-              <a:t/>
-            </a:r>
             <a:endParaRPr/>
           </a:p>
         </p:txBody>
@@ -1717,11 +1908,11 @@
 </file>
 
 <file path=ppt/notesSlides/notesSlide7.xml><?xml version="1.0" encoding="utf-8"?>
-<p:notes xmlns:a="http://schemas.openxmlformats.org/drawingml/2006/main" xmlns:r="http://schemas.openxmlformats.org/officeDocument/2006/relationships" xmlns:mc="http://schemas.openxmlformats.org/markup-compatibility/2006" xmlns:mv="urn:schemas-microsoft-com:mac:vml" xmlns:p="http://schemas.openxmlformats.org/presentationml/2006/main" xmlns:c="http://schemas.openxmlformats.org/drawingml/2006/chart" xmlns:dgm="http://schemas.openxmlformats.org/drawingml/2006/diagram" xmlns:o="urn:schemas-microsoft-com:office:office" xmlns:v="urn:schemas-microsoft-com:vml" xmlns:pvml="urn:schemas-microsoft-com:office:powerpoint" xmlns:com="http://schemas.openxmlformats.org/drawingml/2006/compatibility" xmlns:p14="http://schemas.microsoft.com/office/powerpoint/2010/main" xmlns:p15="http://schemas.microsoft.com/office/powerpoint/2012/main" showMasterPhAnim="0" showMasterSp="0">
+<p:notes xmlns:a="http://schemas.openxmlformats.org/drawingml/2006/main" xmlns:r="http://schemas.openxmlformats.org/officeDocument/2006/relationships" xmlns:p="http://schemas.openxmlformats.org/presentationml/2006/main" showMasterSp="0" showMasterPhAnim="0">
   <p:cSld>
     <p:spTree>
       <p:nvGrpSpPr>
-        <p:cNvPr id="91" name="Shape 91"/>
+        <p:cNvPr id="1" name="Shape 91"/>
         <p:cNvGrpSpPr/>
         <p:nvPr/>
       </p:nvGrpSpPr>
@@ -1736,19 +1927,26 @@
       <p:sp>
         <p:nvSpPr>
           <p:cNvPr id="92" name="Shape 92"/>
-          <p:cNvSpPr/>
+          <p:cNvSpPr>
+            <a:spLocks noGrp="1" noRot="1" noChangeAspect="1"/>
+          </p:cNvSpPr>
           <p:nvPr>
-            <p:ph idx="2" type="sldImg"/>
+            <p:ph type="sldImg" idx="2"/>
           </p:nvPr>
         </p:nvSpPr>
         <p:spPr>
           <a:xfrm>
-            <a:off x="381300" y="685800"/>
+            <a:off x="381000" y="685800"/>
             <a:ext cx="6096000" cy="3429000"/>
           </a:xfrm>
           <a:custGeom>
+            <a:avLst/>
+            <a:gdLst/>
+            <a:ahLst/>
+            <a:cxnLst/>
+            <a:rect l="0" t="0" r="0" b="0"/>
             <a:pathLst>
-              <a:path extrusionOk="0" h="120000" w="120000">
+              <a:path w="120000" h="120000" extrusionOk="0">
                 <a:moveTo>
                   <a:pt x="0" y="0"/>
                 </a:moveTo>
@@ -1770,9 +1968,11 @@
       <p:sp>
         <p:nvSpPr>
           <p:cNvPr id="93" name="Shape 93"/>
-          <p:cNvSpPr txBox="1"/>
+          <p:cNvSpPr txBox="1">
+            <a:spLocks noGrp="1"/>
+          </p:cNvSpPr>
           <p:nvPr>
-            <p:ph idx="1" type="body"/>
+            <p:ph type="body" idx="1"/>
           </p:nvPr>
         </p:nvSpPr>
         <p:spPr>
@@ -1785,12 +1985,12 @@
           </a:prstGeom>
         </p:spPr>
         <p:txBody>
-          <a:bodyPr anchorCtr="0" anchor="t" bIns="91425" lIns="91425" rIns="91425" wrap="square" tIns="91425">
+          <a:bodyPr wrap="square" lIns="91425" tIns="91425" rIns="91425" bIns="91425" anchor="t" anchorCtr="0">
             <a:noAutofit/>
           </a:bodyPr>
           <a:lstStyle/>
           <a:p>
-            <a:pPr indent="0" lvl="0" marL="0" rtl="0">
+            <a:pPr marL="0" lvl="0" indent="0" rtl="0">
               <a:spcBef>
                 <a:spcPts val="0"/>
               </a:spcBef>
@@ -1799,9 +1999,6 @@
               </a:spcAft>
               <a:buNone/>
             </a:pPr>
-            <a:r>
-              <a:t/>
-            </a:r>
             <a:endParaRPr/>
           </a:p>
         </p:txBody>
@@ -1815,11 +2012,11 @@
 </file>
 
 <file path=ppt/notesSlides/notesSlide8.xml><?xml version="1.0" encoding="utf-8"?>
-<p:notes xmlns:a="http://schemas.openxmlformats.org/drawingml/2006/main" xmlns:r="http://schemas.openxmlformats.org/officeDocument/2006/relationships" xmlns:mc="http://schemas.openxmlformats.org/markup-compatibility/2006" xmlns:mv="urn:schemas-microsoft-com:mac:vml" xmlns:p="http://schemas.openxmlformats.org/presentationml/2006/main" xmlns:c="http://schemas.openxmlformats.org/drawingml/2006/chart" xmlns:dgm="http://schemas.openxmlformats.org/drawingml/2006/diagram" xmlns:o="urn:schemas-microsoft-com:office:office" xmlns:v="urn:schemas-microsoft-com:vml" xmlns:pvml="urn:schemas-microsoft-com:office:powerpoint" xmlns:com="http://schemas.openxmlformats.org/drawingml/2006/compatibility" xmlns:p14="http://schemas.microsoft.com/office/powerpoint/2010/main" xmlns:p15="http://schemas.microsoft.com/office/powerpoint/2012/main" showMasterPhAnim="0" showMasterSp="0">
+<p:notes xmlns:a="http://schemas.openxmlformats.org/drawingml/2006/main" xmlns:r="http://schemas.openxmlformats.org/officeDocument/2006/relationships" xmlns:p="http://schemas.openxmlformats.org/presentationml/2006/main" showMasterSp="0" showMasterPhAnim="0">
   <p:cSld>
     <p:spTree>
       <p:nvGrpSpPr>
-        <p:cNvPr id="97" name="Shape 97"/>
+        <p:cNvPr id="1" name="Shape 97"/>
         <p:cNvGrpSpPr/>
         <p:nvPr/>
       </p:nvGrpSpPr>
@@ -1834,19 +2031,26 @@
       <p:sp>
         <p:nvSpPr>
           <p:cNvPr id="98" name="Shape 98"/>
-          <p:cNvSpPr/>
+          <p:cNvSpPr>
+            <a:spLocks noGrp="1" noRot="1" noChangeAspect="1"/>
+          </p:cNvSpPr>
           <p:nvPr>
-            <p:ph idx="2" type="sldImg"/>
+            <p:ph type="sldImg" idx="2"/>
           </p:nvPr>
         </p:nvSpPr>
         <p:spPr>
           <a:xfrm>
-            <a:off x="381300" y="685800"/>
+            <a:off x="381000" y="685800"/>
             <a:ext cx="6096000" cy="3429000"/>
           </a:xfrm>
           <a:custGeom>
+            <a:avLst/>
+            <a:gdLst/>
+            <a:ahLst/>
+            <a:cxnLst/>
+            <a:rect l="0" t="0" r="0" b="0"/>
             <a:pathLst>
-              <a:path extrusionOk="0" h="120000" w="120000">
+              <a:path w="120000" h="120000" extrusionOk="0">
                 <a:moveTo>
                   <a:pt x="0" y="0"/>
                 </a:moveTo>
@@ -1868,9 +2072,11 @@
       <p:sp>
         <p:nvSpPr>
           <p:cNvPr id="99" name="Shape 99"/>
-          <p:cNvSpPr txBox="1"/>
+          <p:cNvSpPr txBox="1">
+            <a:spLocks noGrp="1"/>
+          </p:cNvSpPr>
           <p:nvPr>
-            <p:ph idx="1" type="body"/>
+            <p:ph type="body" idx="1"/>
           </p:nvPr>
         </p:nvSpPr>
         <p:spPr>
@@ -1883,12 +2089,12 @@
           </a:prstGeom>
         </p:spPr>
         <p:txBody>
-          <a:bodyPr anchorCtr="0" anchor="t" bIns="91425" lIns="91425" rIns="91425" wrap="square" tIns="91425">
+          <a:bodyPr wrap="square" lIns="91425" tIns="91425" rIns="91425" bIns="91425" anchor="t" anchorCtr="0">
             <a:noAutofit/>
           </a:bodyPr>
           <a:lstStyle/>
           <a:p>
-            <a:pPr indent="0" lvl="0" marL="0" rtl="0">
+            <a:pPr marL="0" lvl="0" indent="0" rtl="0">
               <a:spcBef>
                 <a:spcPts val="0"/>
               </a:spcBef>
@@ -1897,9 +2103,6 @@
               </a:spcAft>
               <a:buNone/>
             </a:pPr>
-            <a:r>
-              <a:t/>
-            </a:r>
             <a:endParaRPr/>
           </a:p>
         </p:txBody>
@@ -1913,11 +2116,11 @@
 </file>
 
 <file path=ppt/notesSlides/notesSlide9.xml><?xml version="1.0" encoding="utf-8"?>
-<p:notes xmlns:a="http://schemas.openxmlformats.org/drawingml/2006/main" xmlns:r="http://schemas.openxmlformats.org/officeDocument/2006/relationships" xmlns:mc="http://schemas.openxmlformats.org/markup-compatibility/2006" xmlns:mv="urn:schemas-microsoft-com:mac:vml" xmlns:p="http://schemas.openxmlformats.org/presentationml/2006/main" xmlns:c="http://schemas.openxmlformats.org/drawingml/2006/chart" xmlns:dgm="http://schemas.openxmlformats.org/drawingml/2006/diagram" xmlns:o="urn:schemas-microsoft-com:office:office" xmlns:v="urn:schemas-microsoft-com:vml" xmlns:pvml="urn:schemas-microsoft-com:office:powerpoint" xmlns:com="http://schemas.openxmlformats.org/drawingml/2006/compatibility" xmlns:p14="http://schemas.microsoft.com/office/powerpoint/2010/main" xmlns:p15="http://schemas.microsoft.com/office/powerpoint/2012/main" showMasterPhAnim="0" showMasterSp="0">
+<p:notes xmlns:a="http://schemas.openxmlformats.org/drawingml/2006/main" xmlns:r="http://schemas.openxmlformats.org/officeDocument/2006/relationships" xmlns:p="http://schemas.openxmlformats.org/presentationml/2006/main" showMasterSp="0" showMasterPhAnim="0">
   <p:cSld>
     <p:spTree>
       <p:nvGrpSpPr>
-        <p:cNvPr id="103" name="Shape 103"/>
+        <p:cNvPr id="1" name="Shape 103"/>
         <p:cNvGrpSpPr/>
         <p:nvPr/>
       </p:nvGrpSpPr>
@@ -1932,19 +2135,26 @@
       <p:sp>
         <p:nvSpPr>
           <p:cNvPr id="104" name="Shape 104"/>
-          <p:cNvSpPr/>
+          <p:cNvSpPr>
+            <a:spLocks noGrp="1" noRot="1" noChangeAspect="1"/>
+          </p:cNvSpPr>
           <p:nvPr>
-            <p:ph idx="2" type="sldImg"/>
+            <p:ph type="sldImg" idx="2"/>
           </p:nvPr>
         </p:nvSpPr>
         <p:spPr>
           <a:xfrm>
-            <a:off x="381300" y="685800"/>
+            <a:off x="381000" y="685800"/>
             <a:ext cx="6096000" cy="3429000"/>
           </a:xfrm>
           <a:custGeom>
+            <a:avLst/>
+            <a:gdLst/>
+            <a:ahLst/>
+            <a:cxnLst/>
+            <a:rect l="0" t="0" r="0" b="0"/>
             <a:pathLst>
-              <a:path extrusionOk="0" h="120000" w="120000">
+              <a:path w="120000" h="120000" extrusionOk="0">
                 <a:moveTo>
                   <a:pt x="0" y="0"/>
                 </a:moveTo>
@@ -1966,9 +2176,11 @@
       <p:sp>
         <p:nvSpPr>
           <p:cNvPr id="105" name="Shape 105"/>
-          <p:cNvSpPr txBox="1"/>
+          <p:cNvSpPr txBox="1">
+            <a:spLocks noGrp="1"/>
+          </p:cNvSpPr>
           <p:nvPr>
-            <p:ph idx="1" type="body"/>
+            <p:ph type="body" idx="1"/>
           </p:nvPr>
         </p:nvSpPr>
         <p:spPr>
@@ -1981,12 +2193,12 @@
           </a:prstGeom>
         </p:spPr>
         <p:txBody>
-          <a:bodyPr anchorCtr="0" anchor="t" bIns="91425" lIns="91425" rIns="91425" wrap="square" tIns="91425">
+          <a:bodyPr wrap="square" lIns="91425" tIns="91425" rIns="91425" bIns="91425" anchor="t" anchorCtr="0">
             <a:noAutofit/>
           </a:bodyPr>
           <a:lstStyle/>
           <a:p>
-            <a:pPr indent="0" lvl="0" marL="0" rtl="0">
+            <a:pPr marL="0" lvl="0" indent="0" rtl="0">
               <a:spcBef>
                 <a:spcPts val="0"/>
               </a:spcBef>
@@ -1995,9 +2207,6 @@
               </a:spcAft>
               <a:buNone/>
             </a:pPr>
-            <a:r>
-              <a:t/>
-            </a:r>
             <a:endParaRPr/>
           </a:p>
         </p:txBody>
@@ -2011,11 +2220,11 @@
 </file>
 
 <file path=ppt/slideLayouts/slideLayout1.xml><?xml version="1.0" encoding="utf-8"?>
-<p:sldLayout xmlns:a="http://schemas.openxmlformats.org/drawingml/2006/main" xmlns:r="http://schemas.openxmlformats.org/officeDocument/2006/relationships" xmlns:mc="http://schemas.openxmlformats.org/markup-compatibility/2006" xmlns:mv="urn:schemas-microsoft-com:mac:vml" xmlns:p="http://schemas.openxmlformats.org/presentationml/2006/main" xmlns:c="http://schemas.openxmlformats.org/drawingml/2006/chart" xmlns:dgm="http://schemas.openxmlformats.org/drawingml/2006/diagram" xmlns:o="urn:schemas-microsoft-com:office:office" xmlns:v="urn:schemas-microsoft-com:vml" xmlns:pvml="urn:schemas-microsoft-com:office:powerpoint" xmlns:com="http://schemas.openxmlformats.org/drawingml/2006/compatibility" xmlns:p14="http://schemas.microsoft.com/office/powerpoint/2010/main" xmlns:p15="http://schemas.microsoft.com/office/powerpoint/2012/main" type="title">
+<p:sldLayout xmlns:a="http://schemas.openxmlformats.org/drawingml/2006/main" xmlns:r="http://schemas.openxmlformats.org/officeDocument/2006/relationships" xmlns:p="http://schemas.openxmlformats.org/presentationml/2006/main" type="title">
   <p:cSld name="Title slide">
     <p:spTree>
       <p:nvGrpSpPr>
-        <p:cNvPr id="9" name="Shape 9"/>
+        <p:cNvPr id="1" name="Shape 9"/>
         <p:cNvGrpSpPr/>
         <p:nvPr/>
       </p:nvGrpSpPr>
@@ -2049,12 +2258,12 @@
           </a:ln>
         </p:spPr>
         <p:txBody>
-          <a:bodyPr anchorCtr="0" anchor="ctr" bIns="91425" lIns="91425" rIns="91425" wrap="square" tIns="91425">
+          <a:bodyPr wrap="square" lIns="91425" tIns="91425" rIns="91425" bIns="91425" anchor="ctr" anchorCtr="0">
             <a:noAutofit/>
           </a:bodyPr>
           <a:lstStyle/>
           <a:p>
-            <a:pPr indent="0" lvl="0" marL="0">
+            <a:pPr marL="0" lvl="0" indent="0">
               <a:spcBef>
                 <a:spcPts val="0"/>
               </a:spcBef>
@@ -2063,9 +2272,6 @@
               </a:spcAft>
               <a:buNone/>
             </a:pPr>
-            <a:r>
-              <a:t/>
-            </a:r>
             <a:endParaRPr/>
           </a:p>
         </p:txBody>
@@ -2085,23 +2291,23 @@
             <a:avLst/>
           </a:prstGeom>
           <a:noFill/>
-          <a:ln cap="flat" cmpd="sng" w="28575">
+          <a:ln w="28575" cap="flat" cmpd="sng">
             <a:solidFill>
               <a:schemeClr val="lt1"/>
             </a:solidFill>
             <a:prstDash val="solid"/>
             <a:miter lim="8000"/>
-            <a:headEnd len="med" w="med" type="none"/>
-            <a:tailEnd len="med" w="med" type="none"/>
+            <a:headEnd type="none" w="med" len="med"/>
+            <a:tailEnd type="none" w="med" len="med"/>
           </a:ln>
         </p:spPr>
         <p:txBody>
-          <a:bodyPr anchorCtr="0" anchor="ctr" bIns="91425" lIns="91425" rIns="91425" wrap="square" tIns="91425">
+          <a:bodyPr wrap="square" lIns="91425" tIns="91425" rIns="91425" bIns="91425" anchor="ctr" anchorCtr="0">
             <a:noAutofit/>
           </a:bodyPr>
           <a:lstStyle/>
           <a:p>
-            <a:pPr indent="0" lvl="0" marL="0">
+            <a:pPr marL="0" lvl="0" indent="0">
               <a:spcBef>
                 <a:spcPts val="0"/>
               </a:spcBef>
@@ -2110,9 +2316,6 @@
               </a:spcAft>
               <a:buNone/>
             </a:pPr>
-            <a:r>
-              <a:t/>
-            </a:r>
             <a:endParaRPr/>
           </a:p>
         </p:txBody>
@@ -2120,7 +2323,9 @@
       <p:sp>
         <p:nvSpPr>
           <p:cNvPr id="12" name="Shape 12"/>
-          <p:cNvSpPr txBox="1"/>
+          <p:cNvSpPr txBox="1">
+            <a:spLocks noGrp="1"/>
+          </p:cNvSpPr>
           <p:nvPr>
             <p:ph type="ctrTitle"/>
           </p:nvPr>
@@ -2135,7 +2340,7 @@
           </a:prstGeom>
         </p:spPr>
         <p:txBody>
-          <a:bodyPr anchorCtr="0" anchor="ctr" bIns="91425" lIns="91425" rIns="91425" wrap="square" tIns="91425"/>
+          <a:bodyPr wrap="square" lIns="91425" tIns="91425" rIns="91425" bIns="91425" anchor="ctr" anchorCtr="0"/>
           <a:lstStyle>
             <a:lvl1pPr lvl="0" algn="ctr">
               <a:spcBef>
@@ -2345,15 +2550,19 @@
               </a:defRPr>
             </a:lvl9pPr>
           </a:lstStyle>
-          <a:p/>
+          <a:p>
+            <a:endParaRPr/>
+          </a:p>
         </p:txBody>
       </p:sp>
       <p:sp>
         <p:nvSpPr>
           <p:cNvPr id="13" name="Shape 13"/>
-          <p:cNvSpPr txBox="1"/>
+          <p:cNvSpPr txBox="1">
+            <a:spLocks noGrp="1"/>
+          </p:cNvSpPr>
           <p:nvPr>
-            <p:ph idx="1" type="subTitle"/>
+            <p:ph type="subTitle" idx="1"/>
           </p:nvPr>
         </p:nvSpPr>
         <p:spPr>
@@ -2366,7 +2575,7 @@
           </a:prstGeom>
         </p:spPr>
         <p:txBody>
-          <a:bodyPr anchorCtr="0" anchor="b" bIns="91425" lIns="91425" rIns="91425" wrap="square" tIns="91425"/>
+          <a:bodyPr wrap="square" lIns="91425" tIns="91425" rIns="91425" bIns="91425" anchor="b" anchorCtr="0"/>
           <a:lstStyle>
             <a:lvl1pPr lvl="0" algn="ctr">
               <a:lnSpc>
@@ -2410,7 +2619,7 @@
               <a:buSzPts val="1800"/>
               <a:buFont typeface="Playfair Display"/>
               <a:buNone/>
-              <a:defRPr b="1" sz="1800">
+              <a:defRPr sz="1800" b="1">
                 <a:solidFill>
                   <a:schemeClr val="lt1"/>
                 </a:solidFill>
@@ -2436,7 +2645,7 @@
               <a:buSzPts val="1800"/>
               <a:buFont typeface="Playfair Display"/>
               <a:buNone/>
-              <a:defRPr b="1" sz="1800">
+              <a:defRPr sz="1800" b="1">
                 <a:solidFill>
                   <a:schemeClr val="lt1"/>
                 </a:solidFill>
@@ -2462,7 +2671,7 @@
               <a:buSzPts val="1800"/>
               <a:buFont typeface="Playfair Display"/>
               <a:buNone/>
-              <a:defRPr b="1" sz="1800">
+              <a:defRPr sz="1800" b="1">
                 <a:solidFill>
                   <a:schemeClr val="lt1"/>
                 </a:solidFill>
@@ -2488,7 +2697,7 @@
               <a:buSzPts val="1800"/>
               <a:buFont typeface="Playfair Display"/>
               <a:buNone/>
-              <a:defRPr b="1" sz="1800">
+              <a:defRPr sz="1800" b="1">
                 <a:solidFill>
                   <a:schemeClr val="lt1"/>
                 </a:solidFill>
@@ -2514,7 +2723,7 @@
               <a:buSzPts val="1800"/>
               <a:buFont typeface="Playfair Display"/>
               <a:buNone/>
-              <a:defRPr b="1" sz="1800">
+              <a:defRPr sz="1800" b="1">
                 <a:solidFill>
                   <a:schemeClr val="lt1"/>
                 </a:solidFill>
@@ -2540,7 +2749,7 @@
               <a:buSzPts val="1800"/>
               <a:buFont typeface="Playfair Display"/>
               <a:buNone/>
-              <a:defRPr b="1" sz="1800">
+              <a:defRPr sz="1800" b="1">
                 <a:solidFill>
                   <a:schemeClr val="lt1"/>
                 </a:solidFill>
@@ -2566,7 +2775,7 @@
               <a:buSzPts val="1800"/>
               <a:buFont typeface="Playfair Display"/>
               <a:buNone/>
-              <a:defRPr b="1" sz="1800">
+              <a:defRPr sz="1800" b="1">
                 <a:solidFill>
                   <a:schemeClr val="lt1"/>
                 </a:solidFill>
@@ -2592,7 +2801,7 @@
               <a:buSzPts val="1800"/>
               <a:buFont typeface="Playfair Display"/>
               <a:buNone/>
-              <a:defRPr b="1" sz="1800">
+              <a:defRPr sz="1800" b="1">
                 <a:solidFill>
                   <a:schemeClr val="lt1"/>
                 </a:solidFill>
@@ -2603,15 +2812,19 @@
               </a:defRPr>
             </a:lvl9pPr>
           </a:lstStyle>
-          <a:p/>
+          <a:p>
+            <a:endParaRPr/>
+          </a:p>
         </p:txBody>
       </p:sp>
       <p:sp>
         <p:nvSpPr>
           <p:cNvPr id="14" name="Shape 14"/>
-          <p:cNvSpPr txBox="1"/>
+          <p:cNvSpPr txBox="1">
+            <a:spLocks noGrp="1"/>
+          </p:cNvSpPr>
           <p:nvPr>
-            <p:ph idx="12" type="sldNum"/>
+            <p:ph type="sldNum" idx="12"/>
           </p:nvPr>
         </p:nvSpPr>
         <p:spPr>
@@ -2624,12 +2837,12 @@
           </a:prstGeom>
         </p:spPr>
         <p:txBody>
-          <a:bodyPr anchorCtr="0" anchor="ctr" bIns="91425" lIns="91425" rIns="91425" wrap="square" tIns="91425">
+          <a:bodyPr wrap="square" lIns="91425" tIns="91425" rIns="91425" bIns="91425" anchor="ctr" anchorCtr="0">
             <a:noAutofit/>
           </a:bodyPr>
           <a:lstStyle/>
           <a:p>
-            <a:pPr indent="0" lvl="0" marL="0">
+            <a:pPr marL="0" lvl="0" indent="0">
               <a:spcBef>
                 <a:spcPts val="0"/>
               </a:spcBef>
@@ -2651,15 +2864,23 @@
   <p:clrMapOvr>
     <a:masterClrMapping/>
   </p:clrMapOvr>
+  <mc:AlternateContent xmlns:mc="http://schemas.openxmlformats.org/markup-compatibility/2006">
+    <mc:Choice xmlns:p14="http://schemas.microsoft.com/office/powerpoint/2010/main" Requires="p14">
+      <p:transition spd="slow" p14:dur="2000" advTm="10000"/>
+    </mc:Choice>
+    <mc:Fallback>
+      <p:transition spd="slow" advTm="10000"/>
+    </mc:Fallback>
+  </mc:AlternateContent>
 </p:sldLayout>
 </file>
 
 <file path=ppt/slideLayouts/slideLayout10.xml><?xml version="1.0" encoding="utf-8"?>
-<p:sldLayout xmlns:a="http://schemas.openxmlformats.org/drawingml/2006/main" xmlns:r="http://schemas.openxmlformats.org/officeDocument/2006/relationships" xmlns:mc="http://schemas.openxmlformats.org/markup-compatibility/2006" xmlns:mv="urn:schemas-microsoft-com:mac:vml" xmlns:p="http://schemas.openxmlformats.org/presentationml/2006/main" xmlns:c="http://schemas.openxmlformats.org/drawingml/2006/chart" xmlns:dgm="http://schemas.openxmlformats.org/drawingml/2006/diagram" xmlns:o="urn:schemas-microsoft-com:office:office" xmlns:v="urn:schemas-microsoft-com:vml" xmlns:pvml="urn:schemas-microsoft-com:office:powerpoint" xmlns:com="http://schemas.openxmlformats.org/drawingml/2006/compatibility" xmlns:p14="http://schemas.microsoft.com/office/powerpoint/2010/main" xmlns:p15="http://schemas.microsoft.com/office/powerpoint/2012/main">
+<p:sldLayout xmlns:a="http://schemas.openxmlformats.org/drawingml/2006/main" xmlns:r="http://schemas.openxmlformats.org/officeDocument/2006/relationships" xmlns:p="http://schemas.openxmlformats.org/presentationml/2006/main">
   <p:cSld name="Big number">
     <p:spTree>
       <p:nvGrpSpPr>
-        <p:cNvPr id="48" name="Shape 48"/>
+        <p:cNvPr id="1" name="Shape 48"/>
         <p:cNvGrpSpPr/>
         <p:nvPr/>
       </p:nvGrpSpPr>
@@ -2693,12 +2914,12 @@
           </a:ln>
         </p:spPr>
         <p:txBody>
-          <a:bodyPr anchorCtr="0" anchor="ctr" bIns="91425" lIns="91425" rIns="91425" wrap="square" tIns="91425">
+          <a:bodyPr wrap="square" lIns="91425" tIns="91425" rIns="91425" bIns="91425" anchor="ctr" anchorCtr="0">
             <a:noAutofit/>
           </a:bodyPr>
           <a:lstStyle/>
           <a:p>
-            <a:pPr indent="0" lvl="0" marL="0">
+            <a:pPr marL="0" lvl="0" indent="0">
               <a:spcBef>
                 <a:spcPts val="0"/>
               </a:spcBef>
@@ -2707,9 +2928,6 @@
               </a:spcAft>
               <a:buNone/>
             </a:pPr>
-            <a:r>
-              <a:t/>
-            </a:r>
             <a:endParaRPr/>
           </a:p>
         </p:txBody>
@@ -2717,7 +2935,9 @@
       <p:sp>
         <p:nvSpPr>
           <p:cNvPr id="50" name="Shape 50"/>
-          <p:cNvSpPr txBox="1"/>
+          <p:cNvSpPr txBox="1">
+            <a:spLocks noGrp="1"/>
+          </p:cNvSpPr>
           <p:nvPr>
             <p:ph type="title"/>
           </p:nvPr>
@@ -2732,7 +2952,7 @@
           </a:prstGeom>
         </p:spPr>
         <p:txBody>
-          <a:bodyPr anchorCtr="0" anchor="b" bIns="91425" lIns="91425" rIns="91425" wrap="square" tIns="91425"/>
+          <a:bodyPr wrap="square" lIns="91425" tIns="91425" rIns="91425" bIns="91425" anchor="b" anchorCtr="0"/>
           <a:lstStyle>
             <a:lvl1pPr lvl="0" algn="ctr">
               <a:spcBef>
@@ -2888,15 +3108,19 @@
               </a:defRPr>
             </a:lvl9pPr>
           </a:lstStyle>
-          <a:p/>
+          <a:p>
+            <a:endParaRPr/>
+          </a:p>
         </p:txBody>
       </p:sp>
       <p:sp>
         <p:nvSpPr>
           <p:cNvPr id="51" name="Shape 51"/>
-          <p:cNvSpPr txBox="1"/>
+          <p:cNvSpPr txBox="1">
+            <a:spLocks noGrp="1"/>
+          </p:cNvSpPr>
           <p:nvPr>
-            <p:ph idx="1" type="body"/>
+            <p:ph type="body" idx="1"/>
           </p:nvPr>
         </p:nvSpPr>
         <p:spPr>
@@ -2909,9 +3133,9 @@
           </a:prstGeom>
         </p:spPr>
         <p:txBody>
-          <a:bodyPr anchorCtr="0" anchor="t" bIns="91425" lIns="91425" rIns="91425" wrap="square" tIns="91425"/>
+          <a:bodyPr wrap="square" lIns="91425" tIns="91425" rIns="91425" bIns="91425" anchor="t" anchorCtr="0"/>
           <a:lstStyle>
-            <a:lvl1pPr indent="-342900" lvl="0" marL="457200" algn="ctr">
+            <a:lvl1pPr marL="457200" lvl="0" indent="-342900" algn="ctr">
               <a:spcBef>
                 <a:spcPts val="0"/>
               </a:spcBef>
@@ -2922,7 +3146,7 @@
               <a:buChar char="●"/>
               <a:defRPr/>
             </a:lvl1pPr>
-            <a:lvl2pPr indent="-317500" lvl="1" marL="914400" algn="ctr">
+            <a:lvl2pPr marL="914400" lvl="1" indent="-317500" algn="ctr">
               <a:spcBef>
                 <a:spcPts val="1600"/>
               </a:spcBef>
@@ -2933,7 +3157,7 @@
               <a:buChar char="○"/>
               <a:defRPr/>
             </a:lvl2pPr>
-            <a:lvl3pPr indent="-317500" lvl="2" marL="1371600" algn="ctr">
+            <a:lvl3pPr marL="1371600" lvl="2" indent="-317500" algn="ctr">
               <a:spcBef>
                 <a:spcPts val="1600"/>
               </a:spcBef>
@@ -2944,7 +3168,7 @@
               <a:buChar char="■"/>
               <a:defRPr/>
             </a:lvl3pPr>
-            <a:lvl4pPr indent="-317500" lvl="3" marL="1828800" algn="ctr">
+            <a:lvl4pPr marL="1828800" lvl="3" indent="-317500" algn="ctr">
               <a:spcBef>
                 <a:spcPts val="1600"/>
               </a:spcBef>
@@ -2955,7 +3179,7 @@
               <a:buChar char="●"/>
               <a:defRPr/>
             </a:lvl4pPr>
-            <a:lvl5pPr indent="-317500" lvl="4" marL="2286000" algn="ctr">
+            <a:lvl5pPr marL="2286000" lvl="4" indent="-317500" algn="ctr">
               <a:spcBef>
                 <a:spcPts val="1600"/>
               </a:spcBef>
@@ -2966,7 +3190,7 @@
               <a:buChar char="○"/>
               <a:defRPr/>
             </a:lvl5pPr>
-            <a:lvl6pPr indent="-317500" lvl="5" marL="2743200" algn="ctr">
+            <a:lvl6pPr marL="2743200" lvl="5" indent="-317500" algn="ctr">
               <a:spcBef>
                 <a:spcPts val="1600"/>
               </a:spcBef>
@@ -2977,7 +3201,7 @@
               <a:buChar char="■"/>
               <a:defRPr/>
             </a:lvl6pPr>
-            <a:lvl7pPr indent="-317500" lvl="6" marL="3200400" algn="ctr">
+            <a:lvl7pPr marL="3200400" lvl="6" indent="-317500" algn="ctr">
               <a:spcBef>
                 <a:spcPts val="1600"/>
               </a:spcBef>
@@ -2988,7 +3212,7 @@
               <a:buChar char="●"/>
               <a:defRPr/>
             </a:lvl7pPr>
-            <a:lvl8pPr indent="-317500" lvl="7" marL="3657600" algn="ctr">
+            <a:lvl8pPr marL="3657600" lvl="7" indent="-317500" algn="ctr">
               <a:spcBef>
                 <a:spcPts val="1600"/>
               </a:spcBef>
@@ -2999,7 +3223,7 @@
               <a:buChar char="○"/>
               <a:defRPr/>
             </a:lvl8pPr>
-            <a:lvl9pPr indent="-317500" lvl="8" marL="4114800" algn="ctr">
+            <a:lvl9pPr marL="4114800" lvl="8" indent="-317500" algn="ctr">
               <a:spcBef>
                 <a:spcPts val="1600"/>
               </a:spcBef>
@@ -3011,15 +3235,19 @@
               <a:defRPr/>
             </a:lvl9pPr>
           </a:lstStyle>
-          <a:p/>
+          <a:p>
+            <a:endParaRPr/>
+          </a:p>
         </p:txBody>
       </p:sp>
       <p:sp>
         <p:nvSpPr>
           <p:cNvPr id="52" name="Shape 52"/>
-          <p:cNvSpPr txBox="1"/>
+          <p:cNvSpPr txBox="1">
+            <a:spLocks noGrp="1"/>
+          </p:cNvSpPr>
           <p:nvPr>
-            <p:ph idx="12" type="sldNum"/>
+            <p:ph type="sldNum" idx="12"/>
           </p:nvPr>
         </p:nvSpPr>
         <p:spPr>
@@ -3032,12 +3260,12 @@
           </a:prstGeom>
         </p:spPr>
         <p:txBody>
-          <a:bodyPr anchorCtr="0" anchor="ctr" bIns="91425" lIns="91425" rIns="91425" wrap="square" tIns="91425">
+          <a:bodyPr wrap="square" lIns="91425" tIns="91425" rIns="91425" bIns="91425" anchor="ctr" anchorCtr="0">
             <a:noAutofit/>
           </a:bodyPr>
           <a:lstStyle/>
           <a:p>
-            <a:pPr indent="0" lvl="0" marL="0">
+            <a:pPr marL="0" lvl="0" indent="0">
               <a:spcBef>
                 <a:spcPts val="0"/>
               </a:spcBef>
@@ -3059,15 +3287,23 @@
   <p:clrMapOvr>
     <a:masterClrMapping/>
   </p:clrMapOvr>
+  <mc:AlternateContent xmlns:mc="http://schemas.openxmlformats.org/markup-compatibility/2006">
+    <mc:Choice xmlns:p14="http://schemas.microsoft.com/office/powerpoint/2010/main" Requires="p14">
+      <p:transition spd="slow" p14:dur="2000" advTm="10000"/>
+    </mc:Choice>
+    <mc:Fallback>
+      <p:transition spd="slow" advTm="10000"/>
+    </mc:Fallback>
+  </mc:AlternateContent>
 </p:sldLayout>
 </file>
 
 <file path=ppt/slideLayouts/slideLayout11.xml><?xml version="1.0" encoding="utf-8"?>
-<p:sldLayout xmlns:a="http://schemas.openxmlformats.org/drawingml/2006/main" xmlns:r="http://schemas.openxmlformats.org/officeDocument/2006/relationships" xmlns:mc="http://schemas.openxmlformats.org/markup-compatibility/2006" xmlns:mv="urn:schemas-microsoft-com:mac:vml" xmlns:p="http://schemas.openxmlformats.org/presentationml/2006/main" xmlns:c="http://schemas.openxmlformats.org/drawingml/2006/chart" xmlns:dgm="http://schemas.openxmlformats.org/drawingml/2006/diagram" xmlns:o="urn:schemas-microsoft-com:office:office" xmlns:v="urn:schemas-microsoft-com:vml" xmlns:pvml="urn:schemas-microsoft-com:office:powerpoint" xmlns:com="http://schemas.openxmlformats.org/drawingml/2006/compatibility" xmlns:p14="http://schemas.microsoft.com/office/powerpoint/2010/main" xmlns:p15="http://schemas.microsoft.com/office/powerpoint/2012/main" type="blank">
+<p:sldLayout xmlns:a="http://schemas.openxmlformats.org/drawingml/2006/main" xmlns:r="http://schemas.openxmlformats.org/officeDocument/2006/relationships" xmlns:p="http://schemas.openxmlformats.org/presentationml/2006/main" type="blank">
   <p:cSld name="Blank">
     <p:spTree>
       <p:nvGrpSpPr>
-        <p:cNvPr id="53" name="Shape 53"/>
+        <p:cNvPr id="1" name="Shape 53"/>
         <p:cNvGrpSpPr/>
         <p:nvPr/>
       </p:nvGrpSpPr>
@@ -3082,9 +3318,11 @@
       <p:sp>
         <p:nvSpPr>
           <p:cNvPr id="54" name="Shape 54"/>
-          <p:cNvSpPr txBox="1"/>
+          <p:cNvSpPr txBox="1">
+            <a:spLocks noGrp="1"/>
+          </p:cNvSpPr>
           <p:nvPr>
-            <p:ph idx="12" type="sldNum"/>
+            <p:ph type="sldNum" idx="12"/>
           </p:nvPr>
         </p:nvSpPr>
         <p:spPr>
@@ -3097,12 +3335,12 @@
           </a:prstGeom>
         </p:spPr>
         <p:txBody>
-          <a:bodyPr anchorCtr="0" anchor="ctr" bIns="91425" lIns="91425" rIns="91425" wrap="square" tIns="91425">
+          <a:bodyPr wrap="square" lIns="91425" tIns="91425" rIns="91425" bIns="91425" anchor="ctr" anchorCtr="0">
             <a:noAutofit/>
           </a:bodyPr>
           <a:lstStyle/>
           <a:p>
-            <a:pPr indent="0" lvl="0" marL="0">
+            <a:pPr marL="0" lvl="0" indent="0">
               <a:spcBef>
                 <a:spcPts val="0"/>
               </a:spcBef>
@@ -3124,22 +3362,31 @@
   <p:clrMapOvr>
     <a:masterClrMapping/>
   </p:clrMapOvr>
+  <mc:AlternateContent xmlns:mc="http://schemas.openxmlformats.org/markup-compatibility/2006">
+    <mc:Choice xmlns:p14="http://schemas.microsoft.com/office/powerpoint/2010/main" Requires="p14">
+      <p:transition spd="slow" p14:dur="2000" advTm="10000"/>
+    </mc:Choice>
+    <mc:Fallback>
+      <p:transition spd="slow" advTm="10000"/>
+    </mc:Fallback>
+  </mc:AlternateContent>
 </p:sldLayout>
 </file>
 
 <file path=ppt/slideLayouts/slideLayout2.xml><?xml version="1.0" encoding="utf-8"?>
-<p:sldLayout xmlns:a="http://schemas.openxmlformats.org/drawingml/2006/main" xmlns:r="http://schemas.openxmlformats.org/officeDocument/2006/relationships" xmlns:mc="http://schemas.openxmlformats.org/markup-compatibility/2006" xmlns:mv="urn:schemas-microsoft-com:mac:vml" xmlns:p="http://schemas.openxmlformats.org/presentationml/2006/main" xmlns:c="http://schemas.openxmlformats.org/drawingml/2006/chart" xmlns:dgm="http://schemas.openxmlformats.org/drawingml/2006/diagram" xmlns:o="urn:schemas-microsoft-com:office:office" xmlns:v="urn:schemas-microsoft-com:vml" xmlns:pvml="urn:schemas-microsoft-com:office:powerpoint" xmlns:com="http://schemas.openxmlformats.org/drawingml/2006/compatibility" xmlns:p14="http://schemas.microsoft.com/office/powerpoint/2010/main" xmlns:p15="http://schemas.microsoft.com/office/powerpoint/2012/main" type="secHead">
+<p:sldLayout xmlns:a="http://schemas.openxmlformats.org/drawingml/2006/main" xmlns:r="http://schemas.openxmlformats.org/officeDocument/2006/relationships" xmlns:p="http://schemas.openxmlformats.org/presentationml/2006/main" type="secHead">
   <p:cSld name="Section header">
     <p:bg>
       <p:bgPr>
         <a:solidFill>
           <a:schemeClr val="dk1"/>
         </a:solidFill>
+        <a:effectLst/>
       </p:bgPr>
     </p:bg>
     <p:spTree>
       <p:nvGrpSpPr>
-        <p:cNvPr id="15" name="Shape 15"/>
+        <p:cNvPr id="1" name="Shape 15"/>
         <p:cNvGrpSpPr/>
         <p:nvPr/>
       </p:nvGrpSpPr>
@@ -3154,7 +3401,9 @@
       <p:sp>
         <p:nvSpPr>
           <p:cNvPr id="16" name="Shape 16"/>
-          <p:cNvSpPr txBox="1"/>
+          <p:cNvSpPr txBox="1">
+            <a:spLocks noGrp="1"/>
+          </p:cNvSpPr>
           <p:nvPr>
             <p:ph type="title"/>
           </p:nvPr>
@@ -3169,7 +3418,7 @@
           </a:prstGeom>
         </p:spPr>
         <p:txBody>
-          <a:bodyPr anchorCtr="0" anchor="ctr" bIns="91425" lIns="91425" rIns="91425" wrap="square" tIns="91425"/>
+          <a:bodyPr wrap="square" lIns="91425" tIns="91425" rIns="91425" bIns="91425" anchor="ctr" anchorCtr="0"/>
           <a:lstStyle>
             <a:lvl1pPr lvl="0" algn="ctr">
               <a:spcBef>
@@ -3184,7 +3433,7 @@
               <a:buSzPts val="4800"/>
               <a:buFont typeface="Lato"/>
               <a:buNone/>
-              <a:defRPr b="0" sz="4800">
+              <a:defRPr sz="4800" b="0">
                 <a:solidFill>
                   <a:schemeClr val="lt1"/>
                 </a:solidFill>
@@ -3207,7 +3456,7 @@
               <a:buSzPts val="4800"/>
               <a:buFont typeface="Lato"/>
               <a:buNone/>
-              <a:defRPr b="0" sz="4800">
+              <a:defRPr sz="4800" b="0">
                 <a:solidFill>
                   <a:schemeClr val="lt1"/>
                 </a:solidFill>
@@ -3230,7 +3479,7 @@
               <a:buSzPts val="4800"/>
               <a:buFont typeface="Lato"/>
               <a:buNone/>
-              <a:defRPr b="0" sz="4800">
+              <a:defRPr sz="4800" b="0">
                 <a:solidFill>
                   <a:schemeClr val="lt1"/>
                 </a:solidFill>
@@ -3253,7 +3502,7 @@
               <a:buSzPts val="4800"/>
               <a:buFont typeface="Lato"/>
               <a:buNone/>
-              <a:defRPr b="0" sz="4800">
+              <a:defRPr sz="4800" b="0">
                 <a:solidFill>
                   <a:schemeClr val="lt1"/>
                 </a:solidFill>
@@ -3276,7 +3525,7 @@
               <a:buSzPts val="4800"/>
               <a:buFont typeface="Lato"/>
               <a:buNone/>
-              <a:defRPr b="0" sz="4800">
+              <a:defRPr sz="4800" b="0">
                 <a:solidFill>
                   <a:schemeClr val="lt1"/>
                 </a:solidFill>
@@ -3299,7 +3548,7 @@
               <a:buSzPts val="4800"/>
               <a:buFont typeface="Lato"/>
               <a:buNone/>
-              <a:defRPr b="0" sz="4800">
+              <a:defRPr sz="4800" b="0">
                 <a:solidFill>
                   <a:schemeClr val="lt1"/>
                 </a:solidFill>
@@ -3322,7 +3571,7 @@
               <a:buSzPts val="4800"/>
               <a:buFont typeface="Lato"/>
               <a:buNone/>
-              <a:defRPr b="0" sz="4800">
+              <a:defRPr sz="4800" b="0">
                 <a:solidFill>
                   <a:schemeClr val="lt1"/>
                 </a:solidFill>
@@ -3345,7 +3594,7 @@
               <a:buSzPts val="4800"/>
               <a:buFont typeface="Lato"/>
               <a:buNone/>
-              <a:defRPr b="0" sz="4800">
+              <a:defRPr sz="4800" b="0">
                 <a:solidFill>
                   <a:schemeClr val="lt1"/>
                 </a:solidFill>
@@ -3368,7 +3617,7 @@
               <a:buSzPts val="4800"/>
               <a:buFont typeface="Lato"/>
               <a:buNone/>
-              <a:defRPr b="0" sz="4800">
+              <a:defRPr sz="4800" b="0">
                 <a:solidFill>
                   <a:schemeClr val="lt1"/>
                 </a:solidFill>
@@ -3379,15 +3628,19 @@
               </a:defRPr>
             </a:lvl9pPr>
           </a:lstStyle>
-          <a:p/>
+          <a:p>
+            <a:endParaRPr/>
+          </a:p>
         </p:txBody>
       </p:sp>
       <p:sp>
         <p:nvSpPr>
           <p:cNvPr id="17" name="Shape 17"/>
-          <p:cNvSpPr txBox="1"/>
+          <p:cNvSpPr txBox="1">
+            <a:spLocks noGrp="1"/>
+          </p:cNvSpPr>
           <p:nvPr>
-            <p:ph idx="12" type="sldNum"/>
+            <p:ph type="sldNum" idx="12"/>
           </p:nvPr>
         </p:nvSpPr>
         <p:spPr>
@@ -3400,12 +3653,12 @@
           </a:prstGeom>
         </p:spPr>
         <p:txBody>
-          <a:bodyPr anchorCtr="0" anchor="ctr" bIns="91425" lIns="91425" rIns="91425" wrap="square" tIns="91425">
+          <a:bodyPr wrap="square" lIns="91425" tIns="91425" rIns="91425" bIns="91425" anchor="ctr" anchorCtr="0">
             <a:noAutofit/>
           </a:bodyPr>
           <a:lstStyle/>
           <a:p>
-            <a:pPr indent="0" lvl="0" marL="0">
+            <a:pPr marL="0" lvl="0" indent="0">
               <a:spcBef>
                 <a:spcPts val="0"/>
               </a:spcBef>
@@ -3435,15 +3688,23 @@
   <p:clrMapOvr>
     <a:masterClrMapping/>
   </p:clrMapOvr>
+  <mc:AlternateContent xmlns:mc="http://schemas.openxmlformats.org/markup-compatibility/2006">
+    <mc:Choice xmlns:p14="http://schemas.microsoft.com/office/powerpoint/2010/main" Requires="p14">
+      <p:transition spd="slow" p14:dur="2000" advTm="10000"/>
+    </mc:Choice>
+    <mc:Fallback>
+      <p:transition spd="slow" advTm="10000"/>
+    </mc:Fallback>
+  </mc:AlternateContent>
 </p:sldLayout>
 </file>
 
 <file path=ppt/slideLayouts/slideLayout3.xml><?xml version="1.0" encoding="utf-8"?>
-<p:sldLayout xmlns:a="http://schemas.openxmlformats.org/drawingml/2006/main" xmlns:r="http://schemas.openxmlformats.org/officeDocument/2006/relationships" xmlns:mc="http://schemas.openxmlformats.org/markup-compatibility/2006" xmlns:mv="urn:schemas-microsoft-com:mac:vml" xmlns:p="http://schemas.openxmlformats.org/presentationml/2006/main" xmlns:c="http://schemas.openxmlformats.org/drawingml/2006/chart" xmlns:dgm="http://schemas.openxmlformats.org/drawingml/2006/diagram" xmlns:o="urn:schemas-microsoft-com:office:office" xmlns:v="urn:schemas-microsoft-com:vml" xmlns:pvml="urn:schemas-microsoft-com:office:powerpoint" xmlns:com="http://schemas.openxmlformats.org/drawingml/2006/compatibility" xmlns:p14="http://schemas.microsoft.com/office/powerpoint/2010/main" xmlns:p15="http://schemas.microsoft.com/office/powerpoint/2012/main" type="tx">
+<p:sldLayout xmlns:a="http://schemas.openxmlformats.org/drawingml/2006/main" xmlns:r="http://schemas.openxmlformats.org/officeDocument/2006/relationships" xmlns:p="http://schemas.openxmlformats.org/presentationml/2006/main" type="tx">
   <p:cSld name="Title and body">
     <p:spTree>
       <p:nvGrpSpPr>
-        <p:cNvPr id="18" name="Shape 18"/>
+        <p:cNvPr id="1" name="Shape 18"/>
         <p:cNvGrpSpPr/>
         <p:nvPr/>
       </p:nvGrpSpPr>
@@ -3477,12 +3738,12 @@
           </a:ln>
         </p:spPr>
         <p:txBody>
-          <a:bodyPr anchorCtr="0" anchor="ctr" bIns="91425" lIns="91425" rIns="91425" wrap="square" tIns="91425">
+          <a:bodyPr wrap="square" lIns="91425" tIns="91425" rIns="91425" bIns="91425" anchor="ctr" anchorCtr="0">
             <a:noAutofit/>
           </a:bodyPr>
           <a:lstStyle/>
           <a:p>
-            <a:pPr indent="0" lvl="0" marL="0">
+            <a:pPr marL="0" lvl="0" indent="0">
               <a:spcBef>
                 <a:spcPts val="0"/>
               </a:spcBef>
@@ -3491,9 +3752,6 @@
               </a:spcAft>
               <a:buNone/>
             </a:pPr>
-            <a:r>
-              <a:t/>
-            </a:r>
             <a:endParaRPr/>
           </a:p>
         </p:txBody>
@@ -3501,7 +3759,9 @@
       <p:sp>
         <p:nvSpPr>
           <p:cNvPr id="20" name="Shape 20"/>
-          <p:cNvSpPr txBox="1"/>
+          <p:cNvSpPr txBox="1">
+            <a:spLocks noGrp="1"/>
+          </p:cNvSpPr>
           <p:nvPr>
             <p:ph type="title"/>
           </p:nvPr>
@@ -3516,7 +3776,7 @@
           </a:prstGeom>
         </p:spPr>
         <p:txBody>
-          <a:bodyPr anchorCtr="0" anchor="t" bIns="91425" lIns="91425" rIns="91425" wrap="square" tIns="91425"/>
+          <a:bodyPr wrap="square" lIns="91425" tIns="91425" rIns="91425" bIns="91425" anchor="t" anchorCtr="0"/>
           <a:lstStyle>
             <a:lvl1pPr lvl="0">
               <a:spcBef>
@@ -3618,15 +3878,19 @@
               <a:defRPr sz="4800"/>
             </a:lvl9pPr>
           </a:lstStyle>
-          <a:p/>
+          <a:p>
+            <a:endParaRPr/>
+          </a:p>
         </p:txBody>
       </p:sp>
       <p:sp>
         <p:nvSpPr>
           <p:cNvPr id="21" name="Shape 21"/>
-          <p:cNvSpPr txBox="1"/>
+          <p:cNvSpPr txBox="1">
+            <a:spLocks noGrp="1"/>
+          </p:cNvSpPr>
           <p:nvPr>
-            <p:ph idx="1" type="body"/>
+            <p:ph type="body" idx="1"/>
           </p:nvPr>
         </p:nvSpPr>
         <p:spPr>
@@ -3639,9 +3903,9 @@
           </a:prstGeom>
         </p:spPr>
         <p:txBody>
-          <a:bodyPr anchorCtr="0" anchor="t" bIns="91425" lIns="91425" rIns="91425" wrap="square" tIns="91425"/>
+          <a:bodyPr wrap="square" lIns="91425" tIns="91425" rIns="91425" bIns="91425" anchor="t" anchorCtr="0"/>
           <a:lstStyle>
-            <a:lvl1pPr indent="-482600" lvl="0" marL="457200">
+            <a:lvl1pPr marL="457200" lvl="0" indent="-482600">
               <a:spcBef>
                 <a:spcPts val="0"/>
               </a:spcBef>
@@ -3652,7 +3916,7 @@
               <a:buChar char="●"/>
               <a:defRPr sz="4000"/>
             </a:lvl1pPr>
-            <a:lvl2pPr indent="-317500" lvl="1" marL="914400">
+            <a:lvl2pPr marL="914400" lvl="1" indent="-317500">
               <a:spcBef>
                 <a:spcPts val="1600"/>
               </a:spcBef>
@@ -3663,7 +3927,7 @@
               <a:buChar char="○"/>
               <a:defRPr/>
             </a:lvl2pPr>
-            <a:lvl3pPr indent="-317500" lvl="2" marL="1371600">
+            <a:lvl3pPr marL="1371600" lvl="2" indent="-317500">
               <a:spcBef>
                 <a:spcPts val="1600"/>
               </a:spcBef>
@@ -3674,7 +3938,7 @@
               <a:buChar char="■"/>
               <a:defRPr/>
             </a:lvl3pPr>
-            <a:lvl4pPr indent="-317500" lvl="3" marL="1828800">
+            <a:lvl4pPr marL="1828800" lvl="3" indent="-317500">
               <a:spcBef>
                 <a:spcPts val="1600"/>
               </a:spcBef>
@@ -3685,7 +3949,7 @@
               <a:buChar char="●"/>
               <a:defRPr/>
             </a:lvl4pPr>
-            <a:lvl5pPr indent="-317500" lvl="4" marL="2286000">
+            <a:lvl5pPr marL="2286000" lvl="4" indent="-317500">
               <a:spcBef>
                 <a:spcPts val="1600"/>
               </a:spcBef>
@@ -3696,7 +3960,7 @@
               <a:buChar char="○"/>
               <a:defRPr/>
             </a:lvl5pPr>
-            <a:lvl6pPr indent="-317500" lvl="5" marL="2743200">
+            <a:lvl6pPr marL="2743200" lvl="5" indent="-317500">
               <a:spcBef>
                 <a:spcPts val="1600"/>
               </a:spcBef>
@@ -3707,7 +3971,7 @@
               <a:buChar char="■"/>
               <a:defRPr/>
             </a:lvl6pPr>
-            <a:lvl7pPr indent="-317500" lvl="6" marL="3200400">
+            <a:lvl7pPr marL="3200400" lvl="6" indent="-317500">
               <a:spcBef>
                 <a:spcPts val="1600"/>
               </a:spcBef>
@@ -3718,7 +3982,7 @@
               <a:buChar char="●"/>
               <a:defRPr/>
             </a:lvl7pPr>
-            <a:lvl8pPr indent="-317500" lvl="7" marL="3657600">
+            <a:lvl8pPr marL="3657600" lvl="7" indent="-317500">
               <a:spcBef>
                 <a:spcPts val="1600"/>
               </a:spcBef>
@@ -3729,7 +3993,7 @@
               <a:buChar char="○"/>
               <a:defRPr/>
             </a:lvl8pPr>
-            <a:lvl9pPr indent="-317500" lvl="8" marL="4114800">
+            <a:lvl9pPr marL="4114800" lvl="8" indent="-317500">
               <a:spcBef>
                 <a:spcPts val="1600"/>
               </a:spcBef>
@@ -3741,15 +4005,19 @@
               <a:defRPr/>
             </a:lvl9pPr>
           </a:lstStyle>
-          <a:p/>
+          <a:p>
+            <a:endParaRPr/>
+          </a:p>
         </p:txBody>
       </p:sp>
       <p:sp>
         <p:nvSpPr>
           <p:cNvPr id="22" name="Shape 22"/>
-          <p:cNvSpPr txBox="1"/>
+          <p:cNvSpPr txBox="1">
+            <a:spLocks noGrp="1"/>
+          </p:cNvSpPr>
           <p:nvPr>
-            <p:ph idx="12" type="sldNum"/>
+            <p:ph type="sldNum" idx="12"/>
           </p:nvPr>
         </p:nvSpPr>
         <p:spPr>
@@ -3762,12 +4030,12 @@
           </a:prstGeom>
         </p:spPr>
         <p:txBody>
-          <a:bodyPr anchorCtr="0" anchor="ctr" bIns="91425" lIns="91425" rIns="91425" wrap="square" tIns="91425">
+          <a:bodyPr wrap="square" lIns="91425" tIns="91425" rIns="91425" bIns="91425" anchor="ctr" anchorCtr="0">
             <a:noAutofit/>
           </a:bodyPr>
           <a:lstStyle/>
           <a:p>
-            <a:pPr indent="0" lvl="0" marL="0">
+            <a:pPr marL="0" lvl="0" indent="0">
               <a:spcBef>
                 <a:spcPts val="0"/>
               </a:spcBef>
@@ -3789,15 +4057,23 @@
   <p:clrMapOvr>
     <a:masterClrMapping/>
   </p:clrMapOvr>
+  <mc:AlternateContent xmlns:mc="http://schemas.openxmlformats.org/markup-compatibility/2006">
+    <mc:Choice xmlns:p14="http://schemas.microsoft.com/office/powerpoint/2010/main" Requires="p14">
+      <p:transition spd="slow" p14:dur="2000" advTm="10000"/>
+    </mc:Choice>
+    <mc:Fallback>
+      <p:transition spd="slow" advTm="10000"/>
+    </mc:Fallback>
+  </mc:AlternateContent>
 </p:sldLayout>
 </file>
 
 <file path=ppt/slideLayouts/slideLayout4.xml><?xml version="1.0" encoding="utf-8"?>
-<p:sldLayout xmlns:a="http://schemas.openxmlformats.org/drawingml/2006/main" xmlns:r="http://schemas.openxmlformats.org/officeDocument/2006/relationships" xmlns:mc="http://schemas.openxmlformats.org/markup-compatibility/2006" xmlns:mv="urn:schemas-microsoft-com:mac:vml" xmlns:p="http://schemas.openxmlformats.org/presentationml/2006/main" xmlns:c="http://schemas.openxmlformats.org/drawingml/2006/chart" xmlns:dgm="http://schemas.openxmlformats.org/drawingml/2006/diagram" xmlns:o="urn:schemas-microsoft-com:office:office" xmlns:v="urn:schemas-microsoft-com:vml" xmlns:pvml="urn:schemas-microsoft-com:office:powerpoint" xmlns:com="http://schemas.openxmlformats.org/drawingml/2006/compatibility" xmlns:p14="http://schemas.microsoft.com/office/powerpoint/2010/main" xmlns:p15="http://schemas.microsoft.com/office/powerpoint/2012/main" type="twoColTx">
+<p:sldLayout xmlns:a="http://schemas.openxmlformats.org/drawingml/2006/main" xmlns:r="http://schemas.openxmlformats.org/officeDocument/2006/relationships" xmlns:p="http://schemas.openxmlformats.org/presentationml/2006/main" type="twoColTx">
   <p:cSld name="Title and two columns">
     <p:spTree>
       <p:nvGrpSpPr>
-        <p:cNvPr id="23" name="Shape 23"/>
+        <p:cNvPr id="1" name="Shape 23"/>
         <p:cNvGrpSpPr/>
         <p:nvPr/>
       </p:nvGrpSpPr>
@@ -3812,7 +4088,9 @@
       <p:sp>
         <p:nvSpPr>
           <p:cNvPr id="24" name="Shape 24"/>
-          <p:cNvSpPr txBox="1"/>
+          <p:cNvSpPr txBox="1">
+            <a:spLocks noGrp="1"/>
+          </p:cNvSpPr>
           <p:nvPr>
             <p:ph type="title"/>
           </p:nvPr>
@@ -3827,7 +4105,7 @@
           </a:prstGeom>
         </p:spPr>
         <p:txBody>
-          <a:bodyPr anchorCtr="0" anchor="t" bIns="91425" lIns="91425" rIns="91425" wrap="square" tIns="91425"/>
+          <a:bodyPr wrap="square" lIns="91425" tIns="91425" rIns="91425" bIns="91425" anchor="t" anchorCtr="0"/>
           <a:lstStyle>
             <a:lvl1pPr lvl="0">
               <a:spcBef>
@@ -3929,15 +4207,19 @@
               <a:defRPr/>
             </a:lvl9pPr>
           </a:lstStyle>
-          <a:p/>
+          <a:p>
+            <a:endParaRPr/>
+          </a:p>
         </p:txBody>
       </p:sp>
       <p:sp>
         <p:nvSpPr>
           <p:cNvPr id="25" name="Shape 25"/>
-          <p:cNvSpPr txBox="1"/>
+          <p:cNvSpPr txBox="1">
+            <a:spLocks noGrp="1"/>
+          </p:cNvSpPr>
           <p:nvPr>
-            <p:ph idx="1" type="body"/>
+            <p:ph type="body" idx="1"/>
           </p:nvPr>
         </p:nvSpPr>
         <p:spPr>
@@ -3950,9 +4232,9 @@
           </a:prstGeom>
         </p:spPr>
         <p:txBody>
-          <a:bodyPr anchorCtr="0" anchor="t" bIns="91425" lIns="91425" rIns="91425" wrap="square" tIns="91425"/>
+          <a:bodyPr wrap="square" lIns="91425" tIns="91425" rIns="91425" bIns="91425" anchor="t" anchorCtr="0"/>
           <a:lstStyle>
-            <a:lvl1pPr indent="-317500" lvl="0" marL="457200">
+            <a:lvl1pPr marL="457200" lvl="0" indent="-317500">
               <a:spcBef>
                 <a:spcPts val="0"/>
               </a:spcBef>
@@ -3963,7 +4245,7 @@
               <a:buChar char="●"/>
               <a:defRPr sz="1400"/>
             </a:lvl1pPr>
-            <a:lvl2pPr indent="-304800" lvl="1" marL="914400">
+            <a:lvl2pPr marL="914400" lvl="1" indent="-304800">
               <a:spcBef>
                 <a:spcPts val="1600"/>
               </a:spcBef>
@@ -3974,7 +4256,7 @@
               <a:buChar char="○"/>
               <a:defRPr sz="1200"/>
             </a:lvl2pPr>
-            <a:lvl3pPr indent="-304800" lvl="2" marL="1371600">
+            <a:lvl3pPr marL="1371600" lvl="2" indent="-304800">
               <a:spcBef>
                 <a:spcPts val="1600"/>
               </a:spcBef>
@@ -3985,7 +4267,7 @@
               <a:buChar char="■"/>
               <a:defRPr sz="1200"/>
             </a:lvl3pPr>
-            <a:lvl4pPr indent="-304800" lvl="3" marL="1828800">
+            <a:lvl4pPr marL="1828800" lvl="3" indent="-304800">
               <a:spcBef>
                 <a:spcPts val="1600"/>
               </a:spcBef>
@@ -3996,7 +4278,7 @@
               <a:buChar char="●"/>
               <a:defRPr sz="1200"/>
             </a:lvl4pPr>
-            <a:lvl5pPr indent="-304800" lvl="4" marL="2286000">
+            <a:lvl5pPr marL="2286000" lvl="4" indent="-304800">
               <a:spcBef>
                 <a:spcPts val="1600"/>
               </a:spcBef>
@@ -4007,7 +4289,7 @@
               <a:buChar char="○"/>
               <a:defRPr sz="1200"/>
             </a:lvl5pPr>
-            <a:lvl6pPr indent="-304800" lvl="5" marL="2743200">
+            <a:lvl6pPr marL="2743200" lvl="5" indent="-304800">
               <a:spcBef>
                 <a:spcPts val="1600"/>
               </a:spcBef>
@@ -4018,7 +4300,7 @@
               <a:buChar char="■"/>
               <a:defRPr sz="1200"/>
             </a:lvl6pPr>
-            <a:lvl7pPr indent="-304800" lvl="6" marL="3200400">
+            <a:lvl7pPr marL="3200400" lvl="6" indent="-304800">
               <a:spcBef>
                 <a:spcPts val="1600"/>
               </a:spcBef>
@@ -4029,7 +4311,7 @@
               <a:buChar char="●"/>
               <a:defRPr sz="1200"/>
             </a:lvl7pPr>
-            <a:lvl8pPr indent="-304800" lvl="7" marL="3657600">
+            <a:lvl8pPr marL="3657600" lvl="7" indent="-304800">
               <a:spcBef>
                 <a:spcPts val="1600"/>
               </a:spcBef>
@@ -4040,7 +4322,7 @@
               <a:buChar char="○"/>
               <a:defRPr sz="1200"/>
             </a:lvl8pPr>
-            <a:lvl9pPr indent="-304800" lvl="8" marL="4114800">
+            <a:lvl9pPr marL="4114800" lvl="8" indent="-304800">
               <a:spcBef>
                 <a:spcPts val="1600"/>
               </a:spcBef>
@@ -4052,15 +4334,19 @@
               <a:defRPr sz="1200"/>
             </a:lvl9pPr>
           </a:lstStyle>
-          <a:p/>
+          <a:p>
+            <a:endParaRPr/>
+          </a:p>
         </p:txBody>
       </p:sp>
       <p:sp>
         <p:nvSpPr>
           <p:cNvPr id="26" name="Shape 26"/>
-          <p:cNvSpPr txBox="1"/>
+          <p:cNvSpPr txBox="1">
+            <a:spLocks noGrp="1"/>
+          </p:cNvSpPr>
           <p:nvPr>
-            <p:ph idx="2" type="body"/>
+            <p:ph type="body" idx="2"/>
           </p:nvPr>
         </p:nvSpPr>
         <p:spPr>
@@ -4073,9 +4359,9 @@
           </a:prstGeom>
         </p:spPr>
         <p:txBody>
-          <a:bodyPr anchorCtr="0" anchor="t" bIns="91425" lIns="91425" rIns="91425" wrap="square" tIns="91425"/>
+          <a:bodyPr wrap="square" lIns="91425" tIns="91425" rIns="91425" bIns="91425" anchor="t" anchorCtr="0"/>
           <a:lstStyle>
-            <a:lvl1pPr indent="-317500" lvl="0" marL="457200">
+            <a:lvl1pPr marL="457200" lvl="0" indent="-317500">
               <a:spcBef>
                 <a:spcPts val="0"/>
               </a:spcBef>
@@ -4086,7 +4372,7 @@
               <a:buChar char="●"/>
               <a:defRPr sz="1400"/>
             </a:lvl1pPr>
-            <a:lvl2pPr indent="-304800" lvl="1" marL="914400">
+            <a:lvl2pPr marL="914400" lvl="1" indent="-304800">
               <a:spcBef>
                 <a:spcPts val="1600"/>
               </a:spcBef>
@@ -4097,7 +4383,7 @@
               <a:buChar char="○"/>
               <a:defRPr sz="1200"/>
             </a:lvl2pPr>
-            <a:lvl3pPr indent="-304800" lvl="2" marL="1371600">
+            <a:lvl3pPr marL="1371600" lvl="2" indent="-304800">
               <a:spcBef>
                 <a:spcPts val="1600"/>
               </a:spcBef>
@@ -4108,7 +4394,7 @@
               <a:buChar char="■"/>
               <a:defRPr sz="1200"/>
             </a:lvl3pPr>
-            <a:lvl4pPr indent="-304800" lvl="3" marL="1828800">
+            <a:lvl4pPr marL="1828800" lvl="3" indent="-304800">
               <a:spcBef>
                 <a:spcPts val="1600"/>
               </a:spcBef>
@@ -4119,7 +4405,7 @@
               <a:buChar char="●"/>
               <a:defRPr sz="1200"/>
             </a:lvl4pPr>
-            <a:lvl5pPr indent="-304800" lvl="4" marL="2286000">
+            <a:lvl5pPr marL="2286000" lvl="4" indent="-304800">
               <a:spcBef>
                 <a:spcPts val="1600"/>
               </a:spcBef>
@@ -4130,7 +4416,7 @@
               <a:buChar char="○"/>
               <a:defRPr sz="1200"/>
             </a:lvl5pPr>
-            <a:lvl6pPr indent="-304800" lvl="5" marL="2743200">
+            <a:lvl6pPr marL="2743200" lvl="5" indent="-304800">
               <a:spcBef>
                 <a:spcPts val="1600"/>
               </a:spcBef>
@@ -4141,7 +4427,7 @@
               <a:buChar char="■"/>
               <a:defRPr sz="1200"/>
             </a:lvl6pPr>
-            <a:lvl7pPr indent="-304800" lvl="6" marL="3200400">
+            <a:lvl7pPr marL="3200400" lvl="6" indent="-304800">
               <a:spcBef>
                 <a:spcPts val="1600"/>
               </a:spcBef>
@@ -4152,7 +4438,7 @@
               <a:buChar char="●"/>
               <a:defRPr sz="1200"/>
             </a:lvl7pPr>
-            <a:lvl8pPr indent="-304800" lvl="7" marL="3657600">
+            <a:lvl8pPr marL="3657600" lvl="7" indent="-304800">
               <a:spcBef>
                 <a:spcPts val="1600"/>
               </a:spcBef>
@@ -4163,7 +4449,7 @@
               <a:buChar char="○"/>
               <a:defRPr sz="1200"/>
             </a:lvl8pPr>
-            <a:lvl9pPr indent="-304800" lvl="8" marL="4114800">
+            <a:lvl9pPr marL="4114800" lvl="8" indent="-304800">
               <a:spcBef>
                 <a:spcPts val="1600"/>
               </a:spcBef>
@@ -4175,15 +4461,19 @@
               <a:defRPr sz="1200"/>
             </a:lvl9pPr>
           </a:lstStyle>
-          <a:p/>
+          <a:p>
+            <a:endParaRPr/>
+          </a:p>
         </p:txBody>
       </p:sp>
       <p:sp>
         <p:nvSpPr>
           <p:cNvPr id="27" name="Shape 27"/>
-          <p:cNvSpPr txBox="1"/>
+          <p:cNvSpPr txBox="1">
+            <a:spLocks noGrp="1"/>
+          </p:cNvSpPr>
           <p:nvPr>
-            <p:ph idx="12" type="sldNum"/>
+            <p:ph type="sldNum" idx="12"/>
           </p:nvPr>
         </p:nvSpPr>
         <p:spPr>
@@ -4196,12 +4486,12 @@
           </a:prstGeom>
         </p:spPr>
         <p:txBody>
-          <a:bodyPr anchorCtr="0" anchor="ctr" bIns="91425" lIns="91425" rIns="91425" wrap="square" tIns="91425">
+          <a:bodyPr wrap="square" lIns="91425" tIns="91425" rIns="91425" bIns="91425" anchor="ctr" anchorCtr="0">
             <a:noAutofit/>
           </a:bodyPr>
           <a:lstStyle/>
           <a:p>
-            <a:pPr indent="0" lvl="0" marL="0">
+            <a:pPr marL="0" lvl="0" indent="0">
               <a:spcBef>
                 <a:spcPts val="0"/>
               </a:spcBef>
@@ -4223,15 +4513,23 @@
   <p:clrMapOvr>
     <a:masterClrMapping/>
   </p:clrMapOvr>
+  <mc:AlternateContent xmlns:mc="http://schemas.openxmlformats.org/markup-compatibility/2006">
+    <mc:Choice xmlns:p14="http://schemas.microsoft.com/office/powerpoint/2010/main" Requires="p14">
+      <p:transition spd="slow" p14:dur="2000" advTm="10000"/>
+    </mc:Choice>
+    <mc:Fallback>
+      <p:transition spd="slow" advTm="10000"/>
+    </mc:Fallback>
+  </mc:AlternateContent>
 </p:sldLayout>
 </file>
 
 <file path=ppt/slideLayouts/slideLayout5.xml><?xml version="1.0" encoding="utf-8"?>
-<p:sldLayout xmlns:a="http://schemas.openxmlformats.org/drawingml/2006/main" xmlns:r="http://schemas.openxmlformats.org/officeDocument/2006/relationships" xmlns:mc="http://schemas.openxmlformats.org/markup-compatibility/2006" xmlns:mv="urn:schemas-microsoft-com:mac:vml" xmlns:p="http://schemas.openxmlformats.org/presentationml/2006/main" xmlns:c="http://schemas.openxmlformats.org/drawingml/2006/chart" xmlns:dgm="http://schemas.openxmlformats.org/drawingml/2006/diagram" xmlns:o="urn:schemas-microsoft-com:office:office" xmlns:v="urn:schemas-microsoft-com:vml" xmlns:pvml="urn:schemas-microsoft-com:office:powerpoint" xmlns:com="http://schemas.openxmlformats.org/drawingml/2006/compatibility" xmlns:p14="http://schemas.microsoft.com/office/powerpoint/2010/main" xmlns:p15="http://schemas.microsoft.com/office/powerpoint/2012/main" type="titleOnly">
+<p:sldLayout xmlns:a="http://schemas.openxmlformats.org/drawingml/2006/main" xmlns:r="http://schemas.openxmlformats.org/officeDocument/2006/relationships" xmlns:p="http://schemas.openxmlformats.org/presentationml/2006/main" type="titleOnly">
   <p:cSld name="Title only">
     <p:spTree>
       <p:nvGrpSpPr>
-        <p:cNvPr id="28" name="Shape 28"/>
+        <p:cNvPr id="1" name="Shape 28"/>
         <p:cNvGrpSpPr/>
         <p:nvPr/>
       </p:nvGrpSpPr>
@@ -4246,7 +4544,9 @@
       <p:sp>
         <p:nvSpPr>
           <p:cNvPr id="29" name="Shape 29"/>
-          <p:cNvSpPr txBox="1"/>
+          <p:cNvSpPr txBox="1">
+            <a:spLocks noGrp="1"/>
+          </p:cNvSpPr>
           <p:nvPr>
             <p:ph type="title"/>
           </p:nvPr>
@@ -4261,7 +4561,7 @@
           </a:prstGeom>
         </p:spPr>
         <p:txBody>
-          <a:bodyPr anchorCtr="0" anchor="t" bIns="91425" lIns="91425" rIns="91425" wrap="square" tIns="91425"/>
+          <a:bodyPr wrap="square" lIns="91425" tIns="91425" rIns="91425" bIns="91425" anchor="t" anchorCtr="0"/>
           <a:lstStyle>
             <a:lvl1pPr lvl="0">
               <a:spcBef>
@@ -4363,15 +4663,19 @@
               <a:defRPr/>
             </a:lvl9pPr>
           </a:lstStyle>
-          <a:p/>
+          <a:p>
+            <a:endParaRPr/>
+          </a:p>
         </p:txBody>
       </p:sp>
       <p:sp>
         <p:nvSpPr>
           <p:cNvPr id="30" name="Shape 30"/>
-          <p:cNvSpPr txBox="1"/>
+          <p:cNvSpPr txBox="1">
+            <a:spLocks noGrp="1"/>
+          </p:cNvSpPr>
           <p:nvPr>
-            <p:ph idx="12" type="sldNum"/>
+            <p:ph type="sldNum" idx="12"/>
           </p:nvPr>
         </p:nvSpPr>
         <p:spPr>
@@ -4384,12 +4688,12 @@
           </a:prstGeom>
         </p:spPr>
         <p:txBody>
-          <a:bodyPr anchorCtr="0" anchor="ctr" bIns="91425" lIns="91425" rIns="91425" wrap="square" tIns="91425">
+          <a:bodyPr wrap="square" lIns="91425" tIns="91425" rIns="91425" bIns="91425" anchor="ctr" anchorCtr="0">
             <a:noAutofit/>
           </a:bodyPr>
           <a:lstStyle/>
           <a:p>
-            <a:pPr indent="0" lvl="0" marL="0">
+            <a:pPr marL="0" lvl="0" indent="0">
               <a:spcBef>
                 <a:spcPts val="0"/>
               </a:spcBef>
@@ -4411,15 +4715,23 @@
   <p:clrMapOvr>
     <a:masterClrMapping/>
   </p:clrMapOvr>
+  <mc:AlternateContent xmlns:mc="http://schemas.openxmlformats.org/markup-compatibility/2006">
+    <mc:Choice xmlns:p14="http://schemas.microsoft.com/office/powerpoint/2010/main" Requires="p14">
+      <p:transition spd="slow" p14:dur="2000" advTm="10000"/>
+    </mc:Choice>
+    <mc:Fallback>
+      <p:transition spd="slow" advTm="10000"/>
+    </mc:Fallback>
+  </mc:AlternateContent>
 </p:sldLayout>
 </file>
 
 <file path=ppt/slideLayouts/slideLayout6.xml><?xml version="1.0" encoding="utf-8"?>
-<p:sldLayout xmlns:a="http://schemas.openxmlformats.org/drawingml/2006/main" xmlns:r="http://schemas.openxmlformats.org/officeDocument/2006/relationships" xmlns:mc="http://schemas.openxmlformats.org/markup-compatibility/2006" xmlns:mv="urn:schemas-microsoft-com:mac:vml" xmlns:p="http://schemas.openxmlformats.org/presentationml/2006/main" xmlns:c="http://schemas.openxmlformats.org/drawingml/2006/chart" xmlns:dgm="http://schemas.openxmlformats.org/drawingml/2006/diagram" xmlns:o="urn:schemas-microsoft-com:office:office" xmlns:v="urn:schemas-microsoft-com:vml" xmlns:pvml="urn:schemas-microsoft-com:office:powerpoint" xmlns:com="http://schemas.openxmlformats.org/drawingml/2006/compatibility" xmlns:p14="http://schemas.microsoft.com/office/powerpoint/2010/main" xmlns:p15="http://schemas.microsoft.com/office/powerpoint/2012/main">
+<p:sldLayout xmlns:a="http://schemas.openxmlformats.org/drawingml/2006/main" xmlns:r="http://schemas.openxmlformats.org/officeDocument/2006/relationships" xmlns:p="http://schemas.openxmlformats.org/presentationml/2006/main">
   <p:cSld name="One column text">
     <p:spTree>
       <p:nvGrpSpPr>
-        <p:cNvPr id="31" name="Shape 31"/>
+        <p:cNvPr id="1" name="Shape 31"/>
         <p:cNvGrpSpPr/>
         <p:nvPr/>
       </p:nvGrpSpPr>
@@ -4434,7 +4746,9 @@
       <p:sp>
         <p:nvSpPr>
           <p:cNvPr id="32" name="Shape 32"/>
-          <p:cNvSpPr txBox="1"/>
+          <p:cNvSpPr txBox="1">
+            <a:spLocks noGrp="1"/>
+          </p:cNvSpPr>
           <p:nvPr>
             <p:ph type="title"/>
           </p:nvPr>
@@ -4449,7 +4763,7 @@
           </a:prstGeom>
         </p:spPr>
         <p:txBody>
-          <a:bodyPr anchorCtr="0" anchor="b" bIns="91425" lIns="91425" rIns="91425" wrap="square" tIns="91425"/>
+          <a:bodyPr wrap="square" lIns="91425" tIns="91425" rIns="91425" bIns="91425" anchor="b" anchorCtr="0"/>
           <a:lstStyle>
             <a:lvl1pPr lvl="0">
               <a:spcBef>
@@ -4551,15 +4865,19 @@
               <a:defRPr sz="2400"/>
             </a:lvl9pPr>
           </a:lstStyle>
-          <a:p/>
+          <a:p>
+            <a:endParaRPr/>
+          </a:p>
         </p:txBody>
       </p:sp>
       <p:sp>
         <p:nvSpPr>
           <p:cNvPr id="33" name="Shape 33"/>
-          <p:cNvSpPr txBox="1"/>
+          <p:cNvSpPr txBox="1">
+            <a:spLocks noGrp="1"/>
+          </p:cNvSpPr>
           <p:nvPr>
-            <p:ph idx="1" type="body"/>
+            <p:ph type="body" idx="1"/>
           </p:nvPr>
         </p:nvSpPr>
         <p:spPr>
@@ -4572,9 +4890,9 @@
           </a:prstGeom>
         </p:spPr>
         <p:txBody>
-          <a:bodyPr anchorCtr="0" anchor="t" bIns="91425" lIns="91425" rIns="91425" wrap="square" tIns="91425"/>
+          <a:bodyPr wrap="square" lIns="91425" tIns="91425" rIns="91425" bIns="91425" anchor="t" anchorCtr="0"/>
           <a:lstStyle>
-            <a:lvl1pPr indent="-304800" lvl="0" marL="457200">
+            <a:lvl1pPr marL="457200" lvl="0" indent="-304800">
               <a:spcBef>
                 <a:spcPts val="0"/>
               </a:spcBef>
@@ -4585,7 +4903,7 @@
               <a:buChar char="●"/>
               <a:defRPr sz="1200"/>
             </a:lvl1pPr>
-            <a:lvl2pPr indent="-304800" lvl="1" marL="914400">
+            <a:lvl2pPr marL="914400" lvl="1" indent="-304800">
               <a:spcBef>
                 <a:spcPts val="1600"/>
               </a:spcBef>
@@ -4596,7 +4914,7 @@
               <a:buChar char="○"/>
               <a:defRPr sz="1200"/>
             </a:lvl2pPr>
-            <a:lvl3pPr indent="-304800" lvl="2" marL="1371600">
+            <a:lvl3pPr marL="1371600" lvl="2" indent="-304800">
               <a:spcBef>
                 <a:spcPts val="1600"/>
               </a:spcBef>
@@ -4607,7 +4925,7 @@
               <a:buChar char="■"/>
               <a:defRPr sz="1200"/>
             </a:lvl3pPr>
-            <a:lvl4pPr indent="-304800" lvl="3" marL="1828800">
+            <a:lvl4pPr marL="1828800" lvl="3" indent="-304800">
               <a:spcBef>
                 <a:spcPts val="1600"/>
               </a:spcBef>
@@ -4618,7 +4936,7 @@
               <a:buChar char="●"/>
               <a:defRPr sz="1200"/>
             </a:lvl4pPr>
-            <a:lvl5pPr indent="-304800" lvl="4" marL="2286000">
+            <a:lvl5pPr marL="2286000" lvl="4" indent="-304800">
               <a:spcBef>
                 <a:spcPts val="1600"/>
               </a:spcBef>
@@ -4629,7 +4947,7 @@
               <a:buChar char="○"/>
               <a:defRPr sz="1200"/>
             </a:lvl5pPr>
-            <a:lvl6pPr indent="-304800" lvl="5" marL="2743200">
+            <a:lvl6pPr marL="2743200" lvl="5" indent="-304800">
               <a:spcBef>
                 <a:spcPts val="1600"/>
               </a:spcBef>
@@ -4640,7 +4958,7 @@
               <a:buChar char="■"/>
               <a:defRPr sz="1200"/>
             </a:lvl6pPr>
-            <a:lvl7pPr indent="-304800" lvl="6" marL="3200400">
+            <a:lvl7pPr marL="3200400" lvl="6" indent="-304800">
               <a:spcBef>
                 <a:spcPts val="1600"/>
               </a:spcBef>
@@ -4651,7 +4969,7 @@
               <a:buChar char="●"/>
               <a:defRPr sz="1200"/>
             </a:lvl7pPr>
-            <a:lvl8pPr indent="-304800" lvl="7" marL="3657600">
+            <a:lvl8pPr marL="3657600" lvl="7" indent="-304800">
               <a:spcBef>
                 <a:spcPts val="1600"/>
               </a:spcBef>
@@ -4662,7 +4980,7 @@
               <a:buChar char="○"/>
               <a:defRPr sz="1200"/>
             </a:lvl8pPr>
-            <a:lvl9pPr indent="-304800" lvl="8" marL="4114800">
+            <a:lvl9pPr marL="4114800" lvl="8" indent="-304800">
               <a:spcBef>
                 <a:spcPts val="1600"/>
               </a:spcBef>
@@ -4674,15 +4992,19 @@
               <a:defRPr sz="1200"/>
             </a:lvl9pPr>
           </a:lstStyle>
-          <a:p/>
+          <a:p>
+            <a:endParaRPr/>
+          </a:p>
         </p:txBody>
       </p:sp>
       <p:sp>
         <p:nvSpPr>
           <p:cNvPr id="34" name="Shape 34"/>
-          <p:cNvSpPr txBox="1"/>
+          <p:cNvSpPr txBox="1">
+            <a:spLocks noGrp="1"/>
+          </p:cNvSpPr>
           <p:nvPr>
-            <p:ph idx="12" type="sldNum"/>
+            <p:ph type="sldNum" idx="12"/>
           </p:nvPr>
         </p:nvSpPr>
         <p:spPr>
@@ -4695,12 +5017,12 @@
           </a:prstGeom>
         </p:spPr>
         <p:txBody>
-          <a:bodyPr anchorCtr="0" anchor="ctr" bIns="91425" lIns="91425" rIns="91425" wrap="square" tIns="91425">
+          <a:bodyPr wrap="square" lIns="91425" tIns="91425" rIns="91425" bIns="91425" anchor="ctr" anchorCtr="0">
             <a:noAutofit/>
           </a:bodyPr>
           <a:lstStyle/>
           <a:p>
-            <a:pPr indent="0" lvl="0" marL="0">
+            <a:pPr marL="0" lvl="0" indent="0">
               <a:spcBef>
                 <a:spcPts val="0"/>
               </a:spcBef>
@@ -4722,22 +5044,31 @@
   <p:clrMapOvr>
     <a:masterClrMapping/>
   </p:clrMapOvr>
+  <mc:AlternateContent xmlns:mc="http://schemas.openxmlformats.org/markup-compatibility/2006">
+    <mc:Choice xmlns:p14="http://schemas.microsoft.com/office/powerpoint/2010/main" Requires="p14">
+      <p:transition spd="slow" p14:dur="2000" advTm="10000"/>
+    </mc:Choice>
+    <mc:Fallback>
+      <p:transition spd="slow" advTm="10000"/>
+    </mc:Fallback>
+  </mc:AlternateContent>
 </p:sldLayout>
 </file>
 
 <file path=ppt/slideLayouts/slideLayout7.xml><?xml version="1.0" encoding="utf-8"?>
-<p:sldLayout xmlns:a="http://schemas.openxmlformats.org/drawingml/2006/main" xmlns:r="http://schemas.openxmlformats.org/officeDocument/2006/relationships" xmlns:mc="http://schemas.openxmlformats.org/markup-compatibility/2006" xmlns:mv="urn:schemas-microsoft-com:mac:vml" xmlns:p="http://schemas.openxmlformats.org/presentationml/2006/main" xmlns:c="http://schemas.openxmlformats.org/drawingml/2006/chart" xmlns:dgm="http://schemas.openxmlformats.org/drawingml/2006/diagram" xmlns:o="urn:schemas-microsoft-com:office:office" xmlns:v="urn:schemas-microsoft-com:vml" xmlns:pvml="urn:schemas-microsoft-com:office:powerpoint" xmlns:com="http://schemas.openxmlformats.org/drawingml/2006/compatibility" xmlns:p14="http://schemas.microsoft.com/office/powerpoint/2010/main" xmlns:p15="http://schemas.microsoft.com/office/powerpoint/2012/main">
+<p:sldLayout xmlns:a="http://schemas.openxmlformats.org/drawingml/2006/main" xmlns:r="http://schemas.openxmlformats.org/officeDocument/2006/relationships" xmlns:p="http://schemas.openxmlformats.org/presentationml/2006/main">
   <p:cSld name="Main point">
     <p:bg>
       <p:bgPr>
         <a:solidFill>
           <a:schemeClr val="dk2"/>
         </a:solidFill>
+        <a:effectLst/>
       </p:bgPr>
     </p:bg>
     <p:spTree>
       <p:nvGrpSpPr>
-        <p:cNvPr id="35" name="Shape 35"/>
+        <p:cNvPr id="1" name="Shape 35"/>
         <p:cNvGrpSpPr/>
         <p:nvPr/>
       </p:nvGrpSpPr>
@@ -4752,7 +5083,9 @@
       <p:sp>
         <p:nvSpPr>
           <p:cNvPr id="36" name="Shape 36"/>
-          <p:cNvSpPr txBox="1"/>
+          <p:cNvSpPr txBox="1">
+            <a:spLocks noGrp="1"/>
+          </p:cNvSpPr>
           <p:nvPr>
             <p:ph type="title"/>
           </p:nvPr>
@@ -4767,7 +5100,7 @@
           </a:prstGeom>
         </p:spPr>
         <p:txBody>
-          <a:bodyPr anchorCtr="0" anchor="ctr" bIns="91425" lIns="91425" rIns="91425" wrap="square" tIns="91425"/>
+          <a:bodyPr wrap="square" lIns="91425" tIns="91425" rIns="91425" bIns="91425" anchor="ctr" anchorCtr="0"/>
           <a:lstStyle>
             <a:lvl1pPr lvl="0">
               <a:spcBef>
@@ -4782,7 +5115,7 @@
               <a:buSzPts val="4800"/>
               <a:buFont typeface="Lato"/>
               <a:buNone/>
-              <a:defRPr b="0" sz="4800">
+              <a:defRPr sz="4800" b="0">
                 <a:solidFill>
                   <a:schemeClr val="lt1"/>
                 </a:solidFill>
@@ -4805,7 +5138,7 @@
               <a:buSzPts val="4800"/>
               <a:buFont typeface="Lato"/>
               <a:buNone/>
-              <a:defRPr b="0" sz="4800">
+              <a:defRPr sz="4800" b="0">
                 <a:solidFill>
                   <a:schemeClr val="lt1"/>
                 </a:solidFill>
@@ -4828,7 +5161,7 @@
               <a:buSzPts val="4800"/>
               <a:buFont typeface="Lato"/>
               <a:buNone/>
-              <a:defRPr b="0" sz="4800">
+              <a:defRPr sz="4800" b="0">
                 <a:solidFill>
                   <a:schemeClr val="lt1"/>
                 </a:solidFill>
@@ -4851,7 +5184,7 @@
               <a:buSzPts val="4800"/>
               <a:buFont typeface="Lato"/>
               <a:buNone/>
-              <a:defRPr b="0" sz="4800">
+              <a:defRPr sz="4800" b="0">
                 <a:solidFill>
                   <a:schemeClr val="lt1"/>
                 </a:solidFill>
@@ -4874,7 +5207,7 @@
               <a:buSzPts val="4800"/>
               <a:buFont typeface="Lato"/>
               <a:buNone/>
-              <a:defRPr b="0" sz="4800">
+              <a:defRPr sz="4800" b="0">
                 <a:solidFill>
                   <a:schemeClr val="lt1"/>
                 </a:solidFill>
@@ -4897,7 +5230,7 @@
               <a:buSzPts val="4800"/>
               <a:buFont typeface="Lato"/>
               <a:buNone/>
-              <a:defRPr b="0" sz="4800">
+              <a:defRPr sz="4800" b="0">
                 <a:solidFill>
                   <a:schemeClr val="lt1"/>
                 </a:solidFill>
@@ -4920,7 +5253,7 @@
               <a:buSzPts val="4800"/>
               <a:buFont typeface="Lato"/>
               <a:buNone/>
-              <a:defRPr b="0" sz="4800">
+              <a:defRPr sz="4800" b="0">
                 <a:solidFill>
                   <a:schemeClr val="lt1"/>
                 </a:solidFill>
@@ -4943,7 +5276,7 @@
               <a:buSzPts val="4800"/>
               <a:buFont typeface="Lato"/>
               <a:buNone/>
-              <a:defRPr b="0" sz="4800">
+              <a:defRPr sz="4800" b="0">
                 <a:solidFill>
                   <a:schemeClr val="lt1"/>
                 </a:solidFill>
@@ -4966,7 +5299,7 @@
               <a:buSzPts val="4800"/>
               <a:buFont typeface="Lato"/>
               <a:buNone/>
-              <a:defRPr b="0" sz="4800">
+              <a:defRPr sz="4800" b="0">
                 <a:solidFill>
                   <a:schemeClr val="lt1"/>
                 </a:solidFill>
@@ -4977,15 +5310,19 @@
               </a:defRPr>
             </a:lvl9pPr>
           </a:lstStyle>
-          <a:p/>
+          <a:p>
+            <a:endParaRPr/>
+          </a:p>
         </p:txBody>
       </p:sp>
       <p:sp>
         <p:nvSpPr>
           <p:cNvPr id="37" name="Shape 37"/>
-          <p:cNvSpPr txBox="1"/>
+          <p:cNvSpPr txBox="1">
+            <a:spLocks noGrp="1"/>
+          </p:cNvSpPr>
           <p:nvPr>
-            <p:ph idx="12" type="sldNum"/>
+            <p:ph type="sldNum" idx="12"/>
           </p:nvPr>
         </p:nvSpPr>
         <p:spPr>
@@ -4998,12 +5335,12 @@
           </a:prstGeom>
         </p:spPr>
         <p:txBody>
-          <a:bodyPr anchorCtr="0" anchor="ctr" bIns="91425" lIns="91425" rIns="91425" wrap="square" tIns="91425">
+          <a:bodyPr wrap="square" lIns="91425" tIns="91425" rIns="91425" bIns="91425" anchor="ctr" anchorCtr="0">
             <a:noAutofit/>
           </a:bodyPr>
           <a:lstStyle/>
           <a:p>
-            <a:pPr indent="0" lvl="0" marL="0">
+            <a:pPr marL="0" lvl="0" indent="0">
               <a:spcBef>
                 <a:spcPts val="0"/>
               </a:spcBef>
@@ -5033,15 +5370,23 @@
   <p:clrMapOvr>
     <a:masterClrMapping/>
   </p:clrMapOvr>
+  <mc:AlternateContent xmlns:mc="http://schemas.openxmlformats.org/markup-compatibility/2006">
+    <mc:Choice xmlns:p14="http://schemas.microsoft.com/office/powerpoint/2010/main" Requires="p14">
+      <p:transition spd="slow" p14:dur="2000" advTm="10000"/>
+    </mc:Choice>
+    <mc:Fallback>
+      <p:transition spd="slow" advTm="10000"/>
+    </mc:Fallback>
+  </mc:AlternateContent>
 </p:sldLayout>
 </file>
 
 <file path=ppt/slideLayouts/slideLayout8.xml><?xml version="1.0" encoding="utf-8"?>
-<p:sldLayout xmlns:a="http://schemas.openxmlformats.org/drawingml/2006/main" xmlns:r="http://schemas.openxmlformats.org/officeDocument/2006/relationships" xmlns:mc="http://schemas.openxmlformats.org/markup-compatibility/2006" xmlns:mv="urn:schemas-microsoft-com:mac:vml" xmlns:p="http://schemas.openxmlformats.org/presentationml/2006/main" xmlns:c="http://schemas.openxmlformats.org/drawingml/2006/chart" xmlns:dgm="http://schemas.openxmlformats.org/drawingml/2006/diagram" xmlns:o="urn:schemas-microsoft-com:office:office" xmlns:v="urn:schemas-microsoft-com:vml" xmlns:pvml="urn:schemas-microsoft-com:office:powerpoint" xmlns:com="http://schemas.openxmlformats.org/drawingml/2006/compatibility" xmlns:p14="http://schemas.microsoft.com/office/powerpoint/2010/main" xmlns:p15="http://schemas.microsoft.com/office/powerpoint/2012/main">
+<p:sldLayout xmlns:a="http://schemas.openxmlformats.org/drawingml/2006/main" xmlns:r="http://schemas.openxmlformats.org/officeDocument/2006/relationships" xmlns:p="http://schemas.openxmlformats.org/presentationml/2006/main">
   <p:cSld name="Section title and description">
     <p:spTree>
       <p:nvGrpSpPr>
-        <p:cNvPr id="38" name="Shape 38"/>
+        <p:cNvPr id="1" name="Shape 38"/>
         <p:cNvGrpSpPr/>
         <p:nvPr/>
       </p:nvGrpSpPr>
@@ -5075,12 +5420,12 @@
           </a:ln>
         </p:spPr>
         <p:txBody>
-          <a:bodyPr anchorCtr="0" anchor="ctr" bIns="91425" lIns="91425" rIns="91425" wrap="square" tIns="91425">
+          <a:bodyPr wrap="square" lIns="91425" tIns="91425" rIns="91425" bIns="91425" anchor="ctr" anchorCtr="0">
             <a:noAutofit/>
           </a:bodyPr>
           <a:lstStyle/>
           <a:p>
-            <a:pPr indent="0" lvl="0" marL="0">
+            <a:pPr marL="0" lvl="0" indent="0">
               <a:spcBef>
                 <a:spcPts val="0"/>
               </a:spcBef>
@@ -5089,9 +5434,6 @@
               </a:spcAft>
               <a:buNone/>
             </a:pPr>
-            <a:r>
-              <a:t/>
-            </a:r>
             <a:endParaRPr/>
           </a:p>
         </p:txBody>
@@ -5111,21 +5453,23 @@
             <a:avLst/>
           </a:prstGeom>
           <a:noFill/>
-          <a:ln cap="flat" cmpd="sng" w="19050">
+          <a:ln w="19050" cap="flat" cmpd="sng">
             <a:solidFill>
               <a:schemeClr val="lt1"/>
             </a:solidFill>
             <a:prstDash val="solid"/>
             <a:round/>
-            <a:headEnd len="med" w="med" type="none"/>
-            <a:tailEnd len="med" w="med" type="none"/>
+            <a:headEnd type="none" w="med" len="med"/>
+            <a:tailEnd type="none" w="med" len="med"/>
           </a:ln>
         </p:spPr>
       </p:cxnSp>
       <p:sp>
         <p:nvSpPr>
           <p:cNvPr id="41" name="Shape 41"/>
-          <p:cNvSpPr txBox="1"/>
+          <p:cNvSpPr txBox="1">
+            <a:spLocks noGrp="1"/>
+          </p:cNvSpPr>
           <p:nvPr>
             <p:ph type="title"/>
           </p:nvPr>
@@ -5140,7 +5484,7 @@
           </a:prstGeom>
         </p:spPr>
         <p:txBody>
-          <a:bodyPr anchorCtr="0" anchor="b" bIns="91425" lIns="91425" rIns="91425" wrap="square" tIns="91425"/>
+          <a:bodyPr wrap="square" lIns="91425" tIns="91425" rIns="91425" bIns="91425" anchor="b" anchorCtr="0"/>
           <a:lstStyle>
             <a:lvl1pPr lvl="0" algn="ctr">
               <a:spcBef>
@@ -5242,15 +5586,19 @@
               <a:defRPr sz="4200"/>
             </a:lvl9pPr>
           </a:lstStyle>
-          <a:p/>
+          <a:p>
+            <a:endParaRPr/>
+          </a:p>
         </p:txBody>
       </p:sp>
       <p:sp>
         <p:nvSpPr>
           <p:cNvPr id="42" name="Shape 42"/>
-          <p:cNvSpPr txBox="1"/>
+          <p:cNvSpPr txBox="1">
+            <a:spLocks noGrp="1"/>
+          </p:cNvSpPr>
           <p:nvPr>
-            <p:ph idx="1" type="subTitle"/>
+            <p:ph type="subTitle" idx="1"/>
           </p:nvPr>
         </p:nvSpPr>
         <p:spPr>
@@ -5263,7 +5611,7 @@
           </a:prstGeom>
         </p:spPr>
         <p:txBody>
-          <a:bodyPr anchorCtr="0" anchor="t" bIns="91425" lIns="91425" rIns="91425" wrap="square" tIns="91425"/>
+          <a:bodyPr wrap="square" lIns="91425" tIns="91425" rIns="91425" bIns="91425" anchor="t" anchorCtr="0"/>
           <a:lstStyle>
             <a:lvl1pPr lvl="0" algn="ctr">
               <a:lnSpc>
@@ -5392,15 +5740,19 @@
               <a:defRPr sz="2100"/>
             </a:lvl9pPr>
           </a:lstStyle>
-          <a:p/>
+          <a:p>
+            <a:endParaRPr/>
+          </a:p>
         </p:txBody>
       </p:sp>
       <p:sp>
         <p:nvSpPr>
           <p:cNvPr id="43" name="Shape 43"/>
-          <p:cNvSpPr txBox="1"/>
+          <p:cNvSpPr txBox="1">
+            <a:spLocks noGrp="1"/>
+          </p:cNvSpPr>
           <p:nvPr>
-            <p:ph idx="2" type="body"/>
+            <p:ph type="body" idx="2"/>
           </p:nvPr>
         </p:nvSpPr>
         <p:spPr>
@@ -5413,9 +5765,9 @@
           </a:prstGeom>
         </p:spPr>
         <p:txBody>
-          <a:bodyPr anchorCtr="0" anchor="ctr" bIns="91425" lIns="91425" rIns="91425" wrap="square" tIns="91425"/>
+          <a:bodyPr wrap="square" lIns="91425" tIns="91425" rIns="91425" bIns="91425" anchor="ctr" anchorCtr="0"/>
           <a:lstStyle>
-            <a:lvl1pPr indent="-342900" lvl="0" marL="457200">
+            <a:lvl1pPr marL="457200" lvl="0" indent="-342900">
               <a:spcBef>
                 <a:spcPts val="0"/>
               </a:spcBef>
@@ -5433,7 +5785,7 @@
                 </a:solidFill>
               </a:defRPr>
             </a:lvl1pPr>
-            <a:lvl2pPr indent="-317500" lvl="1" marL="914400">
+            <a:lvl2pPr marL="914400" lvl="1" indent="-317500">
               <a:spcBef>
                 <a:spcPts val="1600"/>
               </a:spcBef>
@@ -5451,7 +5803,7 @@
                 </a:solidFill>
               </a:defRPr>
             </a:lvl2pPr>
-            <a:lvl3pPr indent="-317500" lvl="2" marL="1371600">
+            <a:lvl3pPr marL="1371600" lvl="2" indent="-317500">
               <a:spcBef>
                 <a:spcPts val="1600"/>
               </a:spcBef>
@@ -5469,7 +5821,7 @@
                 </a:solidFill>
               </a:defRPr>
             </a:lvl3pPr>
-            <a:lvl4pPr indent="-317500" lvl="3" marL="1828800">
+            <a:lvl4pPr marL="1828800" lvl="3" indent="-317500">
               <a:spcBef>
                 <a:spcPts val="1600"/>
               </a:spcBef>
@@ -5487,7 +5839,7 @@
                 </a:solidFill>
               </a:defRPr>
             </a:lvl4pPr>
-            <a:lvl5pPr indent="-317500" lvl="4" marL="2286000">
+            <a:lvl5pPr marL="2286000" lvl="4" indent="-317500">
               <a:spcBef>
                 <a:spcPts val="1600"/>
               </a:spcBef>
@@ -5505,7 +5857,7 @@
                 </a:solidFill>
               </a:defRPr>
             </a:lvl5pPr>
-            <a:lvl6pPr indent="-317500" lvl="5" marL="2743200">
+            <a:lvl6pPr marL="2743200" lvl="5" indent="-317500">
               <a:spcBef>
                 <a:spcPts val="1600"/>
               </a:spcBef>
@@ -5523,7 +5875,7 @@
                 </a:solidFill>
               </a:defRPr>
             </a:lvl6pPr>
-            <a:lvl7pPr indent="-317500" lvl="6" marL="3200400">
+            <a:lvl7pPr marL="3200400" lvl="6" indent="-317500">
               <a:spcBef>
                 <a:spcPts val="1600"/>
               </a:spcBef>
@@ -5541,7 +5893,7 @@
                 </a:solidFill>
               </a:defRPr>
             </a:lvl7pPr>
-            <a:lvl8pPr indent="-317500" lvl="7" marL="3657600">
+            <a:lvl8pPr marL="3657600" lvl="7" indent="-317500">
               <a:spcBef>
                 <a:spcPts val="1600"/>
               </a:spcBef>
@@ -5559,7 +5911,7 @@
                 </a:solidFill>
               </a:defRPr>
             </a:lvl8pPr>
-            <a:lvl9pPr indent="-317500" lvl="8" marL="4114800">
+            <a:lvl9pPr marL="4114800" lvl="8" indent="-317500">
               <a:spcBef>
                 <a:spcPts val="1600"/>
               </a:spcBef>
@@ -5578,15 +5930,19 @@
               </a:defRPr>
             </a:lvl9pPr>
           </a:lstStyle>
-          <a:p/>
+          <a:p>
+            <a:endParaRPr/>
+          </a:p>
         </p:txBody>
       </p:sp>
       <p:sp>
         <p:nvSpPr>
           <p:cNvPr id="44" name="Shape 44"/>
-          <p:cNvSpPr txBox="1"/>
+          <p:cNvSpPr txBox="1">
+            <a:spLocks noGrp="1"/>
+          </p:cNvSpPr>
           <p:nvPr>
-            <p:ph idx="12" type="sldNum"/>
+            <p:ph type="sldNum" idx="12"/>
           </p:nvPr>
         </p:nvSpPr>
         <p:spPr>
@@ -5599,12 +5955,12 @@
           </a:prstGeom>
         </p:spPr>
         <p:txBody>
-          <a:bodyPr anchorCtr="0" anchor="ctr" bIns="91425" lIns="91425" rIns="91425" wrap="square" tIns="91425">
+          <a:bodyPr wrap="square" lIns="91425" tIns="91425" rIns="91425" bIns="91425" anchor="ctr" anchorCtr="0">
             <a:noAutofit/>
           </a:bodyPr>
           <a:lstStyle/>
           <a:p>
-            <a:pPr indent="0" lvl="0" marL="0">
+            <a:pPr marL="0" lvl="0" indent="0">
               <a:spcBef>
                 <a:spcPts val="0"/>
               </a:spcBef>
@@ -5634,15 +5990,23 @@
   <p:clrMapOvr>
     <a:masterClrMapping/>
   </p:clrMapOvr>
+  <mc:AlternateContent xmlns:mc="http://schemas.openxmlformats.org/markup-compatibility/2006">
+    <mc:Choice xmlns:p14="http://schemas.microsoft.com/office/powerpoint/2010/main" Requires="p14">
+      <p:transition spd="slow" p14:dur="2000" advTm="10000"/>
+    </mc:Choice>
+    <mc:Fallback>
+      <p:transition spd="slow" advTm="10000"/>
+    </mc:Fallback>
+  </mc:AlternateContent>
 </p:sldLayout>
 </file>
 
 <file path=ppt/slideLayouts/slideLayout9.xml><?xml version="1.0" encoding="utf-8"?>
-<p:sldLayout xmlns:a="http://schemas.openxmlformats.org/drawingml/2006/main" xmlns:r="http://schemas.openxmlformats.org/officeDocument/2006/relationships" xmlns:mc="http://schemas.openxmlformats.org/markup-compatibility/2006" xmlns:mv="urn:schemas-microsoft-com:mac:vml" xmlns:p="http://schemas.openxmlformats.org/presentationml/2006/main" xmlns:c="http://schemas.openxmlformats.org/drawingml/2006/chart" xmlns:dgm="http://schemas.openxmlformats.org/drawingml/2006/diagram" xmlns:o="urn:schemas-microsoft-com:office:office" xmlns:v="urn:schemas-microsoft-com:vml" xmlns:pvml="urn:schemas-microsoft-com:office:powerpoint" xmlns:com="http://schemas.openxmlformats.org/drawingml/2006/compatibility" xmlns:p14="http://schemas.microsoft.com/office/powerpoint/2010/main" xmlns:p15="http://schemas.microsoft.com/office/powerpoint/2012/main">
+<p:sldLayout xmlns:a="http://schemas.openxmlformats.org/drawingml/2006/main" xmlns:r="http://schemas.openxmlformats.org/officeDocument/2006/relationships" xmlns:p="http://schemas.openxmlformats.org/presentationml/2006/main">
   <p:cSld name="Caption">
     <p:spTree>
       <p:nvGrpSpPr>
-        <p:cNvPr id="45" name="Shape 45"/>
+        <p:cNvPr id="1" name="Shape 45"/>
         <p:cNvGrpSpPr/>
         <p:nvPr/>
       </p:nvGrpSpPr>
@@ -5657,9 +6021,11 @@
       <p:sp>
         <p:nvSpPr>
           <p:cNvPr id="46" name="Shape 46"/>
-          <p:cNvSpPr txBox="1"/>
+          <p:cNvSpPr txBox="1">
+            <a:spLocks noGrp="1"/>
+          </p:cNvSpPr>
           <p:nvPr>
-            <p:ph idx="1" type="body"/>
+            <p:ph type="body" idx="1"/>
           </p:nvPr>
         </p:nvSpPr>
         <p:spPr>
@@ -5672,9 +6038,9 @@
           </a:prstGeom>
         </p:spPr>
         <p:txBody>
-          <a:bodyPr anchorCtr="0" anchor="ctr" bIns="91425" lIns="91425" rIns="91425" wrap="square" tIns="91425"/>
+          <a:bodyPr wrap="square" lIns="91425" tIns="91425" rIns="91425" bIns="91425" anchor="ctr" anchorCtr="0"/>
           <a:lstStyle>
-            <a:lvl1pPr indent="-228600" lvl="0" marL="457200">
+            <a:lvl1pPr marL="457200" lvl="0" indent="-228600">
               <a:lnSpc>
                 <a:spcPct val="100000"/>
               </a:lnSpc>
@@ -5689,15 +6055,19 @@
               <a:defRPr/>
             </a:lvl1pPr>
           </a:lstStyle>
-          <a:p/>
+          <a:p>
+            <a:endParaRPr/>
+          </a:p>
         </p:txBody>
       </p:sp>
       <p:sp>
         <p:nvSpPr>
           <p:cNvPr id="47" name="Shape 47"/>
-          <p:cNvSpPr txBox="1"/>
+          <p:cNvSpPr txBox="1">
+            <a:spLocks noGrp="1"/>
+          </p:cNvSpPr>
           <p:nvPr>
-            <p:ph idx="12" type="sldNum"/>
+            <p:ph type="sldNum" idx="12"/>
           </p:nvPr>
         </p:nvSpPr>
         <p:spPr>
@@ -5710,12 +6080,12 @@
           </a:prstGeom>
         </p:spPr>
         <p:txBody>
-          <a:bodyPr anchorCtr="0" anchor="ctr" bIns="91425" lIns="91425" rIns="91425" wrap="square" tIns="91425">
+          <a:bodyPr wrap="square" lIns="91425" tIns="91425" rIns="91425" bIns="91425" anchor="ctr" anchorCtr="0">
             <a:noAutofit/>
           </a:bodyPr>
           <a:lstStyle/>
           <a:p>
-            <a:pPr indent="0" lvl="0" marL="0">
+            <a:pPr marL="0" lvl="0" indent="0">
               <a:spcBef>
                 <a:spcPts val="0"/>
               </a:spcBef>
@@ -5737,22 +6107,31 @@
   <p:clrMapOvr>
     <a:masterClrMapping/>
   </p:clrMapOvr>
+  <mc:AlternateContent xmlns:mc="http://schemas.openxmlformats.org/markup-compatibility/2006">
+    <mc:Choice xmlns:p14="http://schemas.microsoft.com/office/powerpoint/2010/main" Requires="p14">
+      <p:transition spd="slow" p14:dur="2000" advTm="10000"/>
+    </mc:Choice>
+    <mc:Fallback>
+      <p:transition spd="slow" advTm="10000"/>
+    </mc:Fallback>
+  </mc:AlternateContent>
 </p:sldLayout>
 </file>
 
 <file path=ppt/slideMasters/slideMaster1.xml><?xml version="1.0" encoding="utf-8"?>
-<p:sldMaster xmlns:a="http://schemas.openxmlformats.org/drawingml/2006/main" xmlns:r="http://schemas.openxmlformats.org/officeDocument/2006/relationships" xmlns:mc="http://schemas.openxmlformats.org/markup-compatibility/2006" xmlns:mv="urn:schemas-microsoft-com:mac:vml" xmlns:p="http://schemas.openxmlformats.org/presentationml/2006/main" xmlns:c="http://schemas.openxmlformats.org/drawingml/2006/chart" xmlns:dgm="http://schemas.openxmlformats.org/drawingml/2006/diagram" xmlns:o="urn:schemas-microsoft-com:office:office" xmlns:v="urn:schemas-microsoft-com:vml" xmlns:pvml="urn:schemas-microsoft-com:office:powerpoint" xmlns:com="http://schemas.openxmlformats.org/drawingml/2006/compatibility" xmlns:p14="http://schemas.microsoft.com/office/powerpoint/2010/main" xmlns:p15="http://schemas.microsoft.com/office/powerpoint/2012/main">
+<p:sldMaster xmlns:a="http://schemas.openxmlformats.org/drawingml/2006/main" xmlns:r="http://schemas.openxmlformats.org/officeDocument/2006/relationships" xmlns:p="http://schemas.openxmlformats.org/presentationml/2006/main">
   <p:cSld name="coral">
     <p:bg>
       <p:bgPr>
         <a:solidFill>
           <a:schemeClr val="lt1"/>
         </a:solidFill>
+        <a:effectLst/>
       </p:bgPr>
     </p:bg>
     <p:spTree>
       <p:nvGrpSpPr>
-        <p:cNvPr id="5" name="Shape 5"/>
+        <p:cNvPr id="1" name="Shape 5"/>
         <p:cNvGrpSpPr/>
         <p:nvPr/>
       </p:nvGrpSpPr>
@@ -5767,7 +6146,9 @@
       <p:sp>
         <p:nvSpPr>
           <p:cNvPr id="6" name="Shape 6"/>
-          <p:cNvSpPr txBox="1"/>
+          <p:cNvSpPr txBox="1">
+            <a:spLocks noGrp="1"/>
+          </p:cNvSpPr>
           <p:nvPr>
             <p:ph type="title"/>
           </p:nvPr>
@@ -5786,7 +6167,7 @@
           </a:ln>
         </p:spPr>
         <p:txBody>
-          <a:bodyPr anchorCtr="0" anchor="t" bIns="91425" lIns="91425" rIns="91425" wrap="square" tIns="91425"/>
+          <a:bodyPr wrap="square" lIns="91425" tIns="91425" rIns="91425" bIns="91425" anchor="t" anchorCtr="0"/>
           <a:lstStyle>
             <a:lvl1pPr lvl="0">
               <a:spcBef>
@@ -5801,7 +6182,7 @@
               <a:buSzPts val="3200"/>
               <a:buFont typeface="Playfair Display"/>
               <a:buNone/>
-              <a:defRPr b="1" sz="3200">
+              <a:defRPr sz="3200" b="1">
                 <a:solidFill>
                   <a:schemeClr val="dk1"/>
                 </a:solidFill>
@@ -5824,7 +6205,7 @@
               <a:buSzPts val="3200"/>
               <a:buFont typeface="Playfair Display"/>
               <a:buNone/>
-              <a:defRPr b="1" sz="3200">
+              <a:defRPr sz="3200" b="1">
                 <a:solidFill>
                   <a:schemeClr val="dk1"/>
                 </a:solidFill>
@@ -5847,7 +6228,7 @@
               <a:buSzPts val="3200"/>
               <a:buFont typeface="Playfair Display"/>
               <a:buNone/>
-              <a:defRPr b="1" sz="3200">
+              <a:defRPr sz="3200" b="1">
                 <a:solidFill>
                   <a:schemeClr val="dk1"/>
                 </a:solidFill>
@@ -5870,7 +6251,7 @@
               <a:buSzPts val="3200"/>
               <a:buFont typeface="Playfair Display"/>
               <a:buNone/>
-              <a:defRPr b="1" sz="3200">
+              <a:defRPr sz="3200" b="1">
                 <a:solidFill>
                   <a:schemeClr val="dk1"/>
                 </a:solidFill>
@@ -5893,7 +6274,7 @@
               <a:buSzPts val="3200"/>
               <a:buFont typeface="Playfair Display"/>
               <a:buNone/>
-              <a:defRPr b="1" sz="3200">
+              <a:defRPr sz="3200" b="1">
                 <a:solidFill>
                   <a:schemeClr val="dk1"/>
                 </a:solidFill>
@@ -5916,7 +6297,7 @@
               <a:buSzPts val="3200"/>
               <a:buFont typeface="Playfair Display"/>
               <a:buNone/>
-              <a:defRPr b="1" sz="3200">
+              <a:defRPr sz="3200" b="1">
                 <a:solidFill>
                   <a:schemeClr val="dk1"/>
                 </a:solidFill>
@@ -5939,7 +6320,7 @@
               <a:buSzPts val="3200"/>
               <a:buFont typeface="Playfair Display"/>
               <a:buNone/>
-              <a:defRPr b="1" sz="3200">
+              <a:defRPr sz="3200" b="1">
                 <a:solidFill>
                   <a:schemeClr val="dk1"/>
                 </a:solidFill>
@@ -5962,7 +6343,7 @@
               <a:buSzPts val="3200"/>
               <a:buFont typeface="Playfair Display"/>
               <a:buNone/>
-              <a:defRPr b="1" sz="3200">
+              <a:defRPr sz="3200" b="1">
                 <a:solidFill>
                   <a:schemeClr val="dk1"/>
                 </a:solidFill>
@@ -5985,7 +6366,7 @@
               <a:buSzPts val="3200"/>
               <a:buFont typeface="Playfair Display"/>
               <a:buNone/>
-              <a:defRPr b="1" sz="3200">
+              <a:defRPr sz="3200" b="1">
                 <a:solidFill>
                   <a:schemeClr val="dk1"/>
                 </a:solidFill>
@@ -5996,15 +6377,19 @@
               </a:defRPr>
             </a:lvl9pPr>
           </a:lstStyle>
-          <a:p/>
+          <a:p>
+            <a:endParaRPr/>
+          </a:p>
         </p:txBody>
       </p:sp>
       <p:sp>
         <p:nvSpPr>
           <p:cNvPr id="7" name="Shape 7"/>
-          <p:cNvSpPr txBox="1"/>
+          <p:cNvSpPr txBox="1">
+            <a:spLocks noGrp="1"/>
+          </p:cNvSpPr>
           <p:nvPr>
-            <p:ph idx="1" type="body"/>
+            <p:ph type="body" idx="1"/>
           </p:nvPr>
         </p:nvSpPr>
         <p:spPr>
@@ -6021,9 +6406,9 @@
           </a:ln>
         </p:spPr>
         <p:txBody>
-          <a:bodyPr anchorCtr="0" anchor="t" bIns="91425" lIns="91425" rIns="91425" wrap="square" tIns="91425"/>
+          <a:bodyPr wrap="square" lIns="91425" tIns="91425" rIns="91425" bIns="91425" anchor="t" anchorCtr="0"/>
           <a:lstStyle>
-            <a:lvl1pPr indent="-342900" lvl="0" marL="457200">
+            <a:lvl1pPr marL="457200" lvl="0" indent="-342900">
               <a:lnSpc>
                 <a:spcPct val="115000"/>
               </a:lnSpc>
@@ -6049,7 +6434,7 @@
                 <a:sym typeface="Lato"/>
               </a:defRPr>
             </a:lvl1pPr>
-            <a:lvl2pPr indent="-317500" lvl="1" marL="914400">
+            <a:lvl2pPr marL="914400" lvl="1" indent="-317500">
               <a:lnSpc>
                 <a:spcPct val="115000"/>
               </a:lnSpc>
@@ -6075,7 +6460,7 @@
                 <a:sym typeface="Lato"/>
               </a:defRPr>
             </a:lvl2pPr>
-            <a:lvl3pPr indent="-317500" lvl="2" marL="1371600">
+            <a:lvl3pPr marL="1371600" lvl="2" indent="-317500">
               <a:lnSpc>
                 <a:spcPct val="115000"/>
               </a:lnSpc>
@@ -6101,7 +6486,7 @@
                 <a:sym typeface="Lato"/>
               </a:defRPr>
             </a:lvl3pPr>
-            <a:lvl4pPr indent="-317500" lvl="3" marL="1828800">
+            <a:lvl4pPr marL="1828800" lvl="3" indent="-317500">
               <a:lnSpc>
                 <a:spcPct val="115000"/>
               </a:lnSpc>
@@ -6127,7 +6512,7 @@
                 <a:sym typeface="Lato"/>
               </a:defRPr>
             </a:lvl4pPr>
-            <a:lvl5pPr indent="-317500" lvl="4" marL="2286000">
+            <a:lvl5pPr marL="2286000" lvl="4" indent="-317500">
               <a:lnSpc>
                 <a:spcPct val="115000"/>
               </a:lnSpc>
@@ -6153,7 +6538,7 @@
                 <a:sym typeface="Lato"/>
               </a:defRPr>
             </a:lvl5pPr>
-            <a:lvl6pPr indent="-317500" lvl="5" marL="2743200">
+            <a:lvl6pPr marL="2743200" lvl="5" indent="-317500">
               <a:lnSpc>
                 <a:spcPct val="115000"/>
               </a:lnSpc>
@@ -6179,7 +6564,7 @@
                 <a:sym typeface="Lato"/>
               </a:defRPr>
             </a:lvl6pPr>
-            <a:lvl7pPr indent="-317500" lvl="6" marL="3200400">
+            <a:lvl7pPr marL="3200400" lvl="6" indent="-317500">
               <a:lnSpc>
                 <a:spcPct val="115000"/>
               </a:lnSpc>
@@ -6205,7 +6590,7 @@
                 <a:sym typeface="Lato"/>
               </a:defRPr>
             </a:lvl7pPr>
-            <a:lvl8pPr indent="-317500" lvl="7" marL="3657600">
+            <a:lvl8pPr marL="3657600" lvl="7" indent="-317500">
               <a:lnSpc>
                 <a:spcPct val="115000"/>
               </a:lnSpc>
@@ -6231,7 +6616,7 @@
                 <a:sym typeface="Lato"/>
               </a:defRPr>
             </a:lvl8pPr>
-            <a:lvl9pPr indent="-317500" lvl="8" marL="4114800">
+            <a:lvl9pPr marL="4114800" lvl="8" indent="-317500">
               <a:lnSpc>
                 <a:spcPct val="115000"/>
               </a:lnSpc>
@@ -6258,15 +6643,19 @@
               </a:defRPr>
             </a:lvl9pPr>
           </a:lstStyle>
-          <a:p/>
+          <a:p>
+            <a:endParaRPr/>
+          </a:p>
         </p:txBody>
       </p:sp>
       <p:sp>
         <p:nvSpPr>
           <p:cNvPr id="8" name="Shape 8"/>
-          <p:cNvSpPr txBox="1"/>
+          <p:cNvSpPr txBox="1">
+            <a:spLocks noGrp="1"/>
+          </p:cNvSpPr>
           <p:nvPr>
-            <p:ph idx="12" type="sldNum"/>
+            <p:ph type="sldNum" idx="12"/>
           </p:nvPr>
         </p:nvSpPr>
         <p:spPr>
@@ -6283,12 +6672,12 @@
           </a:ln>
         </p:spPr>
         <p:txBody>
-          <a:bodyPr anchorCtr="0" anchor="ctr" bIns="91425" lIns="91425" rIns="91425" wrap="square" tIns="91425">
+          <a:bodyPr wrap="square" lIns="91425" tIns="91425" rIns="91425" bIns="91425" anchor="ctr" anchorCtr="0">
             <a:noAutofit/>
           </a:bodyPr>
           <a:lstStyle/>
           <a:p>
-            <a:pPr indent="0" lvl="0" marL="0" algn="r">
+            <a:pPr marL="0" lvl="0" indent="0" algn="r">
               <a:spcBef>
                 <a:spcPts val="0"/>
               </a:spcBef>
@@ -6323,7 +6712,7 @@
       </p:sp>
     </p:spTree>
   </p:cSld>
-  <p:clrMap accent1="accent1" accent2="accent2" accent3="accent3" accent4="accent4" accent5="accent5" accent6="accent6" bg1="lt1" bg2="dk2" tx1="dk1" tx2="lt2" folHlink="folHlink" hlink="hlink"/>
+  <p:clrMap bg1="lt1" tx1="dk1" bg2="dk2" tx2="lt2" accent1="accent1" accent2="accent2" accent3="accent3" accent4="accent4" accent5="accent5" accent6="accent6" hlink="hlink" folHlink="folHlink"/>
   <p:sldLayoutIdLst>
     <p:sldLayoutId id="2147483648" r:id="rId1"/>
     <p:sldLayoutId id="2147483649" r:id="rId2"/>
@@ -6337,10 +6726,18 @@
     <p:sldLayoutId id="2147483657" r:id="rId10"/>
     <p:sldLayoutId id="2147483658" r:id="rId11"/>
   </p:sldLayoutIdLst>
-  <p:hf dt="0" ftr="0" hdr="0" sldNum="0"/>
+  <mc:AlternateContent xmlns:mc="http://schemas.openxmlformats.org/markup-compatibility/2006">
+    <mc:Choice xmlns:p14="http://schemas.microsoft.com/office/powerpoint/2010/main" Requires="p14">
+      <p:transition spd="slow" p14:dur="2000" advTm="10000"/>
+    </mc:Choice>
+    <mc:Fallback>
+      <p:transition spd="slow" advTm="10000"/>
+    </mc:Fallback>
+  </mc:AlternateContent>
+  <p:hf sldNum="0" hdr="0" ftr="0" dt="0"/>
   <p:txStyles>
     <p:titleStyle>
-      <a:defPPr lvl="0" marR="0" rtl="0" algn="l">
+      <a:defPPr marR="0" lvl="0" algn="l" rtl="0">
         <a:lnSpc>
           <a:spcPct val="100000"/>
         </a:lnSpc>
@@ -6351,7 +6748,7 @@
           <a:spcPts val="0"/>
         </a:spcAft>
       </a:defPPr>
-      <a:lvl1pPr lvl="0" marR="0" rtl="0" algn="l">
+      <a:lvl1pPr marR="0" lvl="0" algn="l" rtl="0">
         <a:lnSpc>
           <a:spcPct val="100000"/>
         </a:lnSpc>
@@ -6362,7 +6759,7 @@
           <a:spcPts val="0"/>
         </a:spcAft>
         <a:buNone/>
-        <a:defRPr b="0" i="0" sz="1400" u="none" cap="none" strike="noStrike">
+        <a:defRPr sz="1400" b="0" i="0" u="none" strike="noStrike" cap="none">
           <a:solidFill>
             <a:srgbClr val="000000"/>
           </a:solidFill>
@@ -6374,7 +6771,7 @@
       </a:lvl1pPr>
     </p:titleStyle>
     <p:bodyStyle>
-      <a:defPPr lvl="0" marR="0" rtl="0" algn="l">
+      <a:defPPr marR="0" lvl="0" algn="l" rtl="0">
         <a:lnSpc>
           <a:spcPct val="100000"/>
         </a:lnSpc>
@@ -6385,7 +6782,7 @@
           <a:spcPts val="0"/>
         </a:spcAft>
       </a:defPPr>
-      <a:lvl1pPr lvl="0" marR="0" rtl="0" algn="l">
+      <a:lvl1pPr marR="0" lvl="0" algn="l" rtl="0">
         <a:lnSpc>
           <a:spcPct val="100000"/>
         </a:lnSpc>
@@ -6396,7 +6793,7 @@
           <a:spcPts val="0"/>
         </a:spcAft>
         <a:buNone/>
-        <a:defRPr b="0" i="0" sz="1400" u="none" cap="none" strike="noStrike">
+        <a:defRPr sz="1400" b="0" i="0" u="none" strike="noStrike" cap="none">
           <a:solidFill>
             <a:srgbClr val="000000"/>
           </a:solidFill>
@@ -6406,7 +6803,7 @@
           <a:sym typeface="Arial"/>
         </a:defRPr>
       </a:lvl1pPr>
-      <a:lvl2pPr lvl="1" marR="0" rtl="0" algn="l">
+      <a:lvl2pPr marR="0" lvl="1" algn="l" rtl="0">
         <a:lnSpc>
           <a:spcPct val="100000"/>
         </a:lnSpc>
@@ -6417,7 +6814,7 @@
           <a:spcPts val="0"/>
         </a:spcAft>
         <a:buNone/>
-        <a:defRPr b="0" i="0" sz="1400" u="none" cap="none" strike="noStrike">
+        <a:defRPr sz="1400" b="0" i="0" u="none" strike="noStrike" cap="none">
           <a:solidFill>
             <a:srgbClr val="000000"/>
           </a:solidFill>
@@ -6427,7 +6824,7 @@
           <a:sym typeface="Arial"/>
         </a:defRPr>
       </a:lvl2pPr>
-      <a:lvl3pPr lvl="2" marR="0" rtl="0" algn="l">
+      <a:lvl3pPr marR="0" lvl="2" algn="l" rtl="0">
         <a:lnSpc>
           <a:spcPct val="100000"/>
         </a:lnSpc>
@@ -6438,7 +6835,7 @@
           <a:spcPts val="0"/>
         </a:spcAft>
         <a:buNone/>
-        <a:defRPr b="0" i="0" sz="1400" u="none" cap="none" strike="noStrike">
+        <a:defRPr sz="1400" b="0" i="0" u="none" strike="noStrike" cap="none">
           <a:solidFill>
             <a:srgbClr val="000000"/>
           </a:solidFill>
@@ -6448,7 +6845,7 @@
           <a:sym typeface="Arial"/>
         </a:defRPr>
       </a:lvl3pPr>
-      <a:lvl4pPr lvl="3" marR="0" rtl="0" algn="l">
+      <a:lvl4pPr marR="0" lvl="3" algn="l" rtl="0">
         <a:lnSpc>
           <a:spcPct val="100000"/>
         </a:lnSpc>
@@ -6459,7 +6856,7 @@
           <a:spcPts val="0"/>
         </a:spcAft>
         <a:buNone/>
-        <a:defRPr b="0" i="0" sz="1400" u="none" cap="none" strike="noStrike">
+        <a:defRPr sz="1400" b="0" i="0" u="none" strike="noStrike" cap="none">
           <a:solidFill>
             <a:srgbClr val="000000"/>
           </a:solidFill>
@@ -6469,7 +6866,7 @@
           <a:sym typeface="Arial"/>
         </a:defRPr>
       </a:lvl4pPr>
-      <a:lvl5pPr lvl="4" marR="0" rtl="0" algn="l">
+      <a:lvl5pPr marR="0" lvl="4" algn="l" rtl="0">
         <a:lnSpc>
           <a:spcPct val="100000"/>
         </a:lnSpc>
@@ -6480,7 +6877,7 @@
           <a:spcPts val="0"/>
         </a:spcAft>
         <a:buNone/>
-        <a:defRPr b="0" i="0" sz="1400" u="none" cap="none" strike="noStrike">
+        <a:defRPr sz="1400" b="0" i="0" u="none" strike="noStrike" cap="none">
           <a:solidFill>
             <a:srgbClr val="000000"/>
           </a:solidFill>
@@ -6490,7 +6887,7 @@
           <a:sym typeface="Arial"/>
         </a:defRPr>
       </a:lvl5pPr>
-      <a:lvl6pPr lvl="5" marR="0" rtl="0" algn="l">
+      <a:lvl6pPr marR="0" lvl="5" algn="l" rtl="0">
         <a:lnSpc>
           <a:spcPct val="100000"/>
         </a:lnSpc>
@@ -6501,7 +6898,7 @@
           <a:spcPts val="0"/>
         </a:spcAft>
         <a:buNone/>
-        <a:defRPr b="0" i="0" sz="1400" u="none" cap="none" strike="noStrike">
+        <a:defRPr sz="1400" b="0" i="0" u="none" strike="noStrike" cap="none">
           <a:solidFill>
             <a:srgbClr val="000000"/>
           </a:solidFill>
@@ -6511,7 +6908,7 @@
           <a:sym typeface="Arial"/>
         </a:defRPr>
       </a:lvl6pPr>
-      <a:lvl7pPr lvl="6" marR="0" rtl="0" algn="l">
+      <a:lvl7pPr marR="0" lvl="6" algn="l" rtl="0">
         <a:lnSpc>
           <a:spcPct val="100000"/>
         </a:lnSpc>
@@ -6522,7 +6919,7 @@
           <a:spcPts val="0"/>
         </a:spcAft>
         <a:buNone/>
-        <a:defRPr b="0" i="0" sz="1400" u="none" cap="none" strike="noStrike">
+        <a:defRPr sz="1400" b="0" i="0" u="none" strike="noStrike" cap="none">
           <a:solidFill>
             <a:srgbClr val="000000"/>
           </a:solidFill>
@@ -6532,7 +6929,7 @@
           <a:sym typeface="Arial"/>
         </a:defRPr>
       </a:lvl7pPr>
-      <a:lvl8pPr lvl="7" marR="0" rtl="0" algn="l">
+      <a:lvl8pPr marR="0" lvl="7" algn="l" rtl="0">
         <a:lnSpc>
           <a:spcPct val="100000"/>
         </a:lnSpc>
@@ -6543,7 +6940,7 @@
           <a:spcPts val="0"/>
         </a:spcAft>
         <a:buNone/>
-        <a:defRPr b="0" i="0" sz="1400" u="none" cap="none" strike="noStrike">
+        <a:defRPr sz="1400" b="0" i="0" u="none" strike="noStrike" cap="none">
           <a:solidFill>
             <a:srgbClr val="000000"/>
           </a:solidFill>
@@ -6553,7 +6950,7 @@
           <a:sym typeface="Arial"/>
         </a:defRPr>
       </a:lvl8pPr>
-      <a:lvl9pPr lvl="8" marR="0" rtl="0" algn="l">
+      <a:lvl9pPr marR="0" lvl="8" algn="l" rtl="0">
         <a:lnSpc>
           <a:spcPct val="100000"/>
         </a:lnSpc>
@@ -6564,7 +6961,7 @@
           <a:spcPts val="0"/>
         </a:spcAft>
         <a:buNone/>
-        <a:defRPr b="0" i="0" sz="1400" u="none" cap="none" strike="noStrike">
+        <a:defRPr sz="1400" b="0" i="0" u="none" strike="noStrike" cap="none">
           <a:solidFill>
             <a:srgbClr val="000000"/>
           </a:solidFill>
@@ -6576,7 +6973,7 @@
       </a:lvl9pPr>
     </p:bodyStyle>
     <p:otherStyle>
-      <a:defPPr lvl="0" marR="0" rtl="0" algn="l">
+      <a:defPPr marR="0" lvl="0" algn="l" rtl="0">
         <a:lnSpc>
           <a:spcPct val="100000"/>
         </a:lnSpc>
@@ -6587,7 +6984,7 @@
           <a:spcPts val="0"/>
         </a:spcAft>
       </a:defPPr>
-      <a:lvl1pPr lvl="0" marR="0" rtl="0" algn="l">
+      <a:lvl1pPr marR="0" lvl="0" algn="l" rtl="0">
         <a:lnSpc>
           <a:spcPct val="100000"/>
         </a:lnSpc>
@@ -6598,7 +6995,7 @@
           <a:spcPts val="0"/>
         </a:spcAft>
         <a:buNone/>
-        <a:defRPr b="0" i="0" sz="1400" u="none" cap="none" strike="noStrike">
+        <a:defRPr sz="1400" b="0" i="0" u="none" strike="noStrike" cap="none">
           <a:solidFill>
             <a:srgbClr val="000000"/>
           </a:solidFill>
@@ -6608,7 +7005,7 @@
           <a:sym typeface="Arial"/>
         </a:defRPr>
       </a:lvl1pPr>
-      <a:lvl2pPr lvl="1" marR="0" rtl="0" algn="l">
+      <a:lvl2pPr marR="0" lvl="1" algn="l" rtl="0">
         <a:lnSpc>
           <a:spcPct val="100000"/>
         </a:lnSpc>
@@ -6619,7 +7016,7 @@
           <a:spcPts val="0"/>
         </a:spcAft>
         <a:buNone/>
-        <a:defRPr b="0" i="0" sz="1400" u="none" cap="none" strike="noStrike">
+        <a:defRPr sz="1400" b="0" i="0" u="none" strike="noStrike" cap="none">
           <a:solidFill>
             <a:srgbClr val="000000"/>
           </a:solidFill>
@@ -6629,7 +7026,7 @@
           <a:sym typeface="Arial"/>
         </a:defRPr>
       </a:lvl2pPr>
-      <a:lvl3pPr lvl="2" marR="0" rtl="0" algn="l">
+      <a:lvl3pPr marR="0" lvl="2" algn="l" rtl="0">
         <a:lnSpc>
           <a:spcPct val="100000"/>
         </a:lnSpc>
@@ -6640,7 +7037,7 @@
           <a:spcPts val="0"/>
         </a:spcAft>
         <a:buNone/>
-        <a:defRPr b="0" i="0" sz="1400" u="none" cap="none" strike="noStrike">
+        <a:defRPr sz="1400" b="0" i="0" u="none" strike="noStrike" cap="none">
           <a:solidFill>
             <a:srgbClr val="000000"/>
           </a:solidFill>
@@ -6650,7 +7047,7 @@
           <a:sym typeface="Arial"/>
         </a:defRPr>
       </a:lvl3pPr>
-      <a:lvl4pPr lvl="3" marR="0" rtl="0" algn="l">
+      <a:lvl4pPr marR="0" lvl="3" algn="l" rtl="0">
         <a:lnSpc>
           <a:spcPct val="100000"/>
         </a:lnSpc>
@@ -6661,7 +7058,7 @@
           <a:spcPts val="0"/>
         </a:spcAft>
         <a:buNone/>
-        <a:defRPr b="0" i="0" sz="1400" u="none" cap="none" strike="noStrike">
+        <a:defRPr sz="1400" b="0" i="0" u="none" strike="noStrike" cap="none">
           <a:solidFill>
             <a:srgbClr val="000000"/>
           </a:solidFill>
@@ -6671,7 +7068,7 @@
           <a:sym typeface="Arial"/>
         </a:defRPr>
       </a:lvl4pPr>
-      <a:lvl5pPr lvl="4" marR="0" rtl="0" algn="l">
+      <a:lvl5pPr marR="0" lvl="4" algn="l" rtl="0">
         <a:lnSpc>
           <a:spcPct val="100000"/>
         </a:lnSpc>
@@ -6682,7 +7079,7 @@
           <a:spcPts val="0"/>
         </a:spcAft>
         <a:buNone/>
-        <a:defRPr b="0" i="0" sz="1400" u="none" cap="none" strike="noStrike">
+        <a:defRPr sz="1400" b="0" i="0" u="none" strike="noStrike" cap="none">
           <a:solidFill>
             <a:srgbClr val="000000"/>
           </a:solidFill>
@@ -6692,7 +7089,7 @@
           <a:sym typeface="Arial"/>
         </a:defRPr>
       </a:lvl5pPr>
-      <a:lvl6pPr lvl="5" marR="0" rtl="0" algn="l">
+      <a:lvl6pPr marR="0" lvl="5" algn="l" rtl="0">
         <a:lnSpc>
           <a:spcPct val="100000"/>
         </a:lnSpc>
@@ -6703,7 +7100,7 @@
           <a:spcPts val="0"/>
         </a:spcAft>
         <a:buNone/>
-        <a:defRPr b="0" i="0" sz="1400" u="none" cap="none" strike="noStrike">
+        <a:defRPr sz="1400" b="0" i="0" u="none" strike="noStrike" cap="none">
           <a:solidFill>
             <a:srgbClr val="000000"/>
           </a:solidFill>
@@ -6713,7 +7110,7 @@
           <a:sym typeface="Arial"/>
         </a:defRPr>
       </a:lvl6pPr>
-      <a:lvl7pPr lvl="6" marR="0" rtl="0" algn="l">
+      <a:lvl7pPr marR="0" lvl="6" algn="l" rtl="0">
         <a:lnSpc>
           <a:spcPct val="100000"/>
         </a:lnSpc>
@@ -6724,7 +7121,7 @@
           <a:spcPts val="0"/>
         </a:spcAft>
         <a:buNone/>
-        <a:defRPr b="0" i="0" sz="1400" u="none" cap="none" strike="noStrike">
+        <a:defRPr sz="1400" b="0" i="0" u="none" strike="noStrike" cap="none">
           <a:solidFill>
             <a:srgbClr val="000000"/>
           </a:solidFill>
@@ -6734,7 +7131,7 @@
           <a:sym typeface="Arial"/>
         </a:defRPr>
       </a:lvl7pPr>
-      <a:lvl8pPr lvl="7" marR="0" rtl="0" algn="l">
+      <a:lvl8pPr marR="0" lvl="7" algn="l" rtl="0">
         <a:lnSpc>
           <a:spcPct val="100000"/>
         </a:lnSpc>
@@ -6745,7 +7142,7 @@
           <a:spcPts val="0"/>
         </a:spcAft>
         <a:buNone/>
-        <a:defRPr b="0" i="0" sz="1400" u="none" cap="none" strike="noStrike">
+        <a:defRPr sz="1400" b="0" i="0" u="none" strike="noStrike" cap="none">
           <a:solidFill>
             <a:srgbClr val="000000"/>
           </a:solidFill>
@@ -6755,7 +7152,7 @@
           <a:sym typeface="Arial"/>
         </a:defRPr>
       </a:lvl8pPr>
-      <a:lvl9pPr lvl="8" marR="0" rtl="0" algn="l">
+      <a:lvl9pPr marR="0" lvl="8" algn="l" rtl="0">
         <a:lnSpc>
           <a:spcPct val="100000"/>
         </a:lnSpc>
@@ -6766,7 +7163,7 @@
           <a:spcPts val="0"/>
         </a:spcAft>
         <a:buNone/>
-        <a:defRPr b="0" i="0" sz="1400" u="none" cap="none" strike="noStrike">
+        <a:defRPr sz="1400" b="0" i="0" u="none" strike="noStrike" cap="none">
           <a:solidFill>
             <a:srgbClr val="000000"/>
           </a:solidFill>
@@ -6782,11 +7179,11 @@
 </file>
 
 <file path=ppt/slides/slide1.xml><?xml version="1.0" encoding="utf-8"?>
-<p:sld xmlns:a="http://schemas.openxmlformats.org/drawingml/2006/main" xmlns:r="http://schemas.openxmlformats.org/officeDocument/2006/relationships" xmlns:mc="http://schemas.openxmlformats.org/markup-compatibility/2006" xmlns:mv="urn:schemas-microsoft-com:mac:vml" xmlns:p="http://schemas.openxmlformats.org/presentationml/2006/main" xmlns:c="http://schemas.openxmlformats.org/drawingml/2006/chart" xmlns:dgm="http://schemas.openxmlformats.org/drawingml/2006/diagram" xmlns:o="urn:schemas-microsoft-com:office:office" xmlns:v="urn:schemas-microsoft-com:vml" xmlns:pvml="urn:schemas-microsoft-com:office:powerpoint" xmlns:com="http://schemas.openxmlformats.org/drawingml/2006/compatibility" xmlns:p14="http://schemas.microsoft.com/office/powerpoint/2010/main" xmlns:p15="http://schemas.microsoft.com/office/powerpoint/2012/main">
+<p:sld xmlns:a="http://schemas.openxmlformats.org/drawingml/2006/main" xmlns:r="http://schemas.openxmlformats.org/officeDocument/2006/relationships" xmlns:p="http://schemas.openxmlformats.org/presentationml/2006/main">
   <p:cSld>
     <p:spTree>
       <p:nvGrpSpPr>
-        <p:cNvPr id="58" name="Shape 58"/>
+        <p:cNvPr id="1" name="Shape 58"/>
         <p:cNvGrpSpPr/>
         <p:nvPr/>
       </p:nvGrpSpPr>
@@ -6801,7 +7198,9 @@
       <p:sp>
         <p:nvSpPr>
           <p:cNvPr id="59" name="Shape 59"/>
-          <p:cNvSpPr txBox="1"/>
+          <p:cNvSpPr txBox="1">
+            <a:spLocks noGrp="1"/>
+          </p:cNvSpPr>
           <p:nvPr>
             <p:ph type="title"/>
           </p:nvPr>
@@ -6816,12 +7215,12 @@
           </a:prstGeom>
         </p:spPr>
         <p:txBody>
-          <a:bodyPr anchorCtr="0" anchor="ctr" bIns="91425" lIns="91425" rIns="91425" wrap="square" tIns="91425">
+          <a:bodyPr wrap="square" lIns="91425" tIns="91425" rIns="91425" bIns="91425" anchor="ctr" anchorCtr="0">
             <a:noAutofit/>
           </a:bodyPr>
           <a:lstStyle/>
           <a:p>
-            <a:pPr indent="0" lvl="0" marL="0">
+            <a:pPr marL="0" lvl="0" indent="0">
               <a:spcBef>
                 <a:spcPts val="0"/>
               </a:spcBef>
@@ -6837,7 +7236,7 @@
             <a:endParaRPr sz="4800"/>
           </a:p>
           <a:p>
-            <a:pPr indent="0" lvl="0" marL="0">
+            <a:pPr marL="0" lvl="0" indent="0">
               <a:spcBef>
                 <a:spcPts val="0"/>
               </a:spcBef>
@@ -6853,7 +7252,7 @@
             <a:endParaRPr sz="4800"/>
           </a:p>
           <a:p>
-            <a:pPr indent="0" lvl="0" marL="0" rtl="0">
+            <a:pPr marL="0" lvl="0" indent="0" rtl="0">
               <a:spcBef>
                 <a:spcPts val="0"/>
               </a:spcBef>
@@ -6862,13 +7261,10 @@
               </a:spcAft>
               <a:buNone/>
             </a:pPr>
-            <a:r>
-              <a:t/>
-            </a:r>
             <a:endParaRPr sz="4800"/>
           </a:p>
           <a:p>
-            <a:pPr indent="0" lvl="0" marL="0">
+            <a:pPr marL="0" lvl="0" indent="0">
               <a:spcBef>
                 <a:spcPts val="0"/>
               </a:spcBef>
@@ -6884,7 +7280,7 @@
             <a:endParaRPr sz="4800"/>
           </a:p>
           <a:p>
-            <a:pPr indent="0" lvl="0" marL="0" rtl="0">
+            <a:pPr marL="0" lvl="0" indent="0" rtl="0">
               <a:spcBef>
                 <a:spcPts val="0"/>
               </a:spcBef>
@@ -6906,15 +7302,30 @@
   <p:clrMapOvr>
     <a:masterClrMapping/>
   </p:clrMapOvr>
+  <mc:AlternateContent xmlns:mc="http://schemas.openxmlformats.org/markup-compatibility/2006">
+    <mc:Choice xmlns:p14="http://schemas.microsoft.com/office/powerpoint/2010/main" Requires="p14">
+      <p:transition spd="slow" p14:dur="2000" advTm="10000"/>
+    </mc:Choice>
+    <mc:Fallback>
+      <p:transition spd="slow" advTm="10000"/>
+    </mc:Fallback>
+  </mc:AlternateContent>
+  <p:timing>
+    <p:tnLst>
+      <p:par>
+        <p:cTn id="1" dur="indefinite" restart="never" nodeType="tmRoot"/>
+      </p:par>
+    </p:tnLst>
+  </p:timing>
 </p:sld>
 </file>
 
 <file path=ppt/slides/slide10.xml><?xml version="1.0" encoding="utf-8"?>
-<p:sld xmlns:a="http://schemas.openxmlformats.org/drawingml/2006/main" xmlns:r="http://schemas.openxmlformats.org/officeDocument/2006/relationships" xmlns:mc="http://schemas.openxmlformats.org/markup-compatibility/2006" xmlns:mv="urn:schemas-microsoft-com:mac:vml" xmlns:p="http://schemas.openxmlformats.org/presentationml/2006/main" xmlns:c="http://schemas.openxmlformats.org/drawingml/2006/chart" xmlns:dgm="http://schemas.openxmlformats.org/drawingml/2006/diagram" xmlns:o="urn:schemas-microsoft-com:office:office" xmlns:v="urn:schemas-microsoft-com:vml" xmlns:pvml="urn:schemas-microsoft-com:office:powerpoint" xmlns:com="http://schemas.openxmlformats.org/drawingml/2006/compatibility" xmlns:p14="http://schemas.microsoft.com/office/powerpoint/2010/main" xmlns:p15="http://schemas.microsoft.com/office/powerpoint/2012/main">
+<p:sld xmlns:a="http://schemas.openxmlformats.org/drawingml/2006/main" xmlns:r="http://schemas.openxmlformats.org/officeDocument/2006/relationships" xmlns:p="http://schemas.openxmlformats.org/presentationml/2006/main">
   <p:cSld>
     <p:spTree>
       <p:nvGrpSpPr>
-        <p:cNvPr id="112" name="Shape 112"/>
+        <p:cNvPr id="1" name="Shape 112"/>
         <p:cNvGrpSpPr/>
         <p:nvPr/>
       </p:nvGrpSpPr>
@@ -6929,7 +7340,9 @@
       <p:sp>
         <p:nvSpPr>
           <p:cNvPr id="113" name="Shape 113"/>
-          <p:cNvSpPr txBox="1"/>
+          <p:cNvSpPr txBox="1">
+            <a:spLocks noGrp="1"/>
+          </p:cNvSpPr>
           <p:nvPr>
             <p:ph type="title"/>
           </p:nvPr>
@@ -6944,12 +7357,12 @@
           </a:prstGeom>
         </p:spPr>
         <p:txBody>
-          <a:bodyPr anchorCtr="0" anchor="t" bIns="91425" lIns="91425" rIns="91425" wrap="square" tIns="91425">
+          <a:bodyPr wrap="square" lIns="91425" tIns="91425" rIns="91425" bIns="91425" anchor="t" anchorCtr="0">
             <a:noAutofit/>
           </a:bodyPr>
           <a:lstStyle/>
           <a:p>
-            <a:pPr indent="0" lvl="0" marL="0" rtl="0">
+            <a:pPr marL="0" lvl="0" indent="0" rtl="0">
               <a:spcBef>
                 <a:spcPts val="0"/>
               </a:spcBef>
@@ -6962,16 +7375,18 @@
               <a:rPr lang="en" sz="4800"/>
               <a:t>OKC Ruby</a:t>
             </a:r>
-            <a:endParaRPr b="0" sz="4800"/>
+            <a:endParaRPr sz="4800" b="0"/>
           </a:p>
         </p:txBody>
       </p:sp>
       <p:sp>
         <p:nvSpPr>
           <p:cNvPr id="114" name="Shape 114"/>
-          <p:cNvSpPr txBox="1"/>
+          <p:cNvSpPr txBox="1">
+            <a:spLocks noGrp="1"/>
+          </p:cNvSpPr>
           <p:nvPr>
-            <p:ph idx="1" type="body"/>
+            <p:ph type="body" idx="1"/>
           </p:nvPr>
         </p:nvSpPr>
         <p:spPr>
@@ -6984,12 +7399,12 @@
           </a:prstGeom>
         </p:spPr>
         <p:txBody>
-          <a:bodyPr anchorCtr="0" anchor="t" bIns="91425" lIns="91425" rIns="91425" wrap="square" tIns="91425">
+          <a:bodyPr wrap="square" lIns="91425" tIns="91425" rIns="91425" bIns="91425" anchor="t" anchorCtr="0">
             <a:noAutofit/>
           </a:bodyPr>
           <a:lstStyle/>
           <a:p>
-            <a:pPr indent="0" lvl="0" marL="0" marR="0" rtl="0" algn="l">
+            <a:pPr marL="0" marR="0" lvl="0" indent="0" algn="l" rtl="0">
               <a:lnSpc>
                 <a:spcPct val="115000"/>
               </a:lnSpc>
@@ -7008,7 +7423,7 @@
             <a:endParaRPr/>
           </a:p>
           <a:p>
-            <a:pPr indent="0" lvl="0" marL="0">
+            <a:pPr marL="0" lvl="0" indent="0">
               <a:spcBef>
                 <a:spcPts val="0"/>
               </a:spcBef>
@@ -7029,7 +7444,7 @@
             <a:endParaRPr/>
           </a:p>
           <a:p>
-            <a:pPr indent="0" lvl="0" marL="0" rtl="0">
+            <a:pPr marL="0" lvl="0" indent="0" rtl="0">
               <a:spcBef>
                 <a:spcPts val="0"/>
               </a:spcBef>
@@ -7050,7 +7465,7 @@
             <a:endParaRPr/>
           </a:p>
           <a:p>
-            <a:pPr indent="0" lvl="0" marL="0" rtl="0">
+            <a:pPr marL="0" lvl="0" indent="0" rtl="0">
               <a:spcBef>
                 <a:spcPts val="0"/>
               </a:spcBef>
@@ -7071,7 +7486,7 @@
             <a:endParaRPr/>
           </a:p>
           <a:p>
-            <a:pPr indent="0" lvl="0" marL="0" marR="0" rtl="0" algn="l">
+            <a:pPr marL="0" marR="0" lvl="0" indent="0" algn="l" rtl="0">
               <a:lnSpc>
                 <a:spcPct val="115000"/>
               </a:lnSpc>
@@ -7105,15 +7520,30 @@
   <p:clrMapOvr>
     <a:masterClrMapping/>
   </p:clrMapOvr>
+  <mc:AlternateContent xmlns:mc="http://schemas.openxmlformats.org/markup-compatibility/2006">
+    <mc:Choice xmlns:p14="http://schemas.microsoft.com/office/powerpoint/2010/main" Requires="p14">
+      <p:transition spd="slow" p14:dur="2000" advTm="10000"/>
+    </mc:Choice>
+    <mc:Fallback>
+      <p:transition spd="slow" advTm="10000"/>
+    </mc:Fallback>
+  </mc:AlternateContent>
+  <p:timing>
+    <p:tnLst>
+      <p:par>
+        <p:cTn id="1" dur="indefinite" restart="never" nodeType="tmRoot"/>
+      </p:par>
+    </p:tnLst>
+  </p:timing>
 </p:sld>
 </file>
 
 <file path=ppt/slides/slide11.xml><?xml version="1.0" encoding="utf-8"?>
-<p:sld xmlns:a="http://schemas.openxmlformats.org/drawingml/2006/main" xmlns:r="http://schemas.openxmlformats.org/officeDocument/2006/relationships" xmlns:mc="http://schemas.openxmlformats.org/markup-compatibility/2006" xmlns:mv="urn:schemas-microsoft-com:mac:vml" xmlns:p="http://schemas.openxmlformats.org/presentationml/2006/main" xmlns:c="http://schemas.openxmlformats.org/drawingml/2006/chart" xmlns:dgm="http://schemas.openxmlformats.org/drawingml/2006/diagram" xmlns:o="urn:schemas-microsoft-com:office:office" xmlns:v="urn:schemas-microsoft-com:vml" xmlns:pvml="urn:schemas-microsoft-com:office:powerpoint" xmlns:com="http://schemas.openxmlformats.org/drawingml/2006/compatibility" xmlns:p14="http://schemas.microsoft.com/office/powerpoint/2010/main" xmlns:p15="http://schemas.microsoft.com/office/powerpoint/2012/main">
+<p:sld xmlns:a="http://schemas.openxmlformats.org/drawingml/2006/main" xmlns:r="http://schemas.openxmlformats.org/officeDocument/2006/relationships" xmlns:p="http://schemas.openxmlformats.org/presentationml/2006/main">
   <p:cSld>
     <p:spTree>
       <p:nvGrpSpPr>
-        <p:cNvPr id="118" name="Shape 118"/>
+        <p:cNvPr id="1" name="Shape 118"/>
         <p:cNvGrpSpPr/>
         <p:nvPr/>
       </p:nvGrpSpPr>
@@ -7128,7 +7558,9 @@
       <p:sp>
         <p:nvSpPr>
           <p:cNvPr id="119" name="Shape 119"/>
-          <p:cNvSpPr txBox="1"/>
+          <p:cNvSpPr txBox="1">
+            <a:spLocks noGrp="1"/>
+          </p:cNvSpPr>
           <p:nvPr>
             <p:ph type="title"/>
           </p:nvPr>
@@ -7143,12 +7575,12 @@
           </a:prstGeom>
         </p:spPr>
         <p:txBody>
-          <a:bodyPr anchorCtr="0" anchor="t" bIns="91425" lIns="91425" rIns="91425" wrap="square" tIns="91425">
+          <a:bodyPr wrap="square" lIns="91425" tIns="91425" rIns="91425" bIns="91425" anchor="t" anchorCtr="0">
             <a:noAutofit/>
           </a:bodyPr>
           <a:lstStyle/>
           <a:p>
-            <a:pPr indent="0" lvl="0" marL="0" rtl="0">
+            <a:pPr marL="0" lvl="0" indent="0" rtl="0">
               <a:spcBef>
                 <a:spcPts val="0"/>
               </a:spcBef>
@@ -7168,9 +7600,11 @@
       <p:sp>
         <p:nvSpPr>
           <p:cNvPr id="120" name="Shape 120"/>
-          <p:cNvSpPr txBox="1"/>
+          <p:cNvSpPr txBox="1">
+            <a:spLocks noGrp="1"/>
+          </p:cNvSpPr>
           <p:nvPr>
-            <p:ph idx="1" type="body"/>
+            <p:ph type="body" idx="1"/>
           </p:nvPr>
         </p:nvSpPr>
         <p:spPr>
@@ -7183,12 +7617,12 @@
           </a:prstGeom>
         </p:spPr>
         <p:txBody>
-          <a:bodyPr anchorCtr="0" anchor="t" bIns="91425" lIns="91425" rIns="91425" wrap="square" tIns="91425">
+          <a:bodyPr wrap="square" lIns="91425" tIns="91425" rIns="91425" bIns="91425" anchor="t" anchorCtr="0">
             <a:noAutofit/>
           </a:bodyPr>
           <a:lstStyle/>
           <a:p>
-            <a:pPr indent="0" lvl="0" marL="0" rtl="0">
+            <a:pPr marL="0" lvl="0" indent="0" rtl="0">
               <a:spcBef>
                 <a:spcPts val="0"/>
               </a:spcBef>
@@ -7204,7 +7638,7 @@
             <a:endParaRPr/>
           </a:p>
           <a:p>
-            <a:pPr indent="0" lvl="0" marL="0">
+            <a:pPr marL="0" lvl="0" indent="0">
               <a:spcBef>
                 <a:spcPts val="0"/>
               </a:spcBef>
@@ -7225,7 +7659,7 @@
             <a:endParaRPr/>
           </a:p>
           <a:p>
-            <a:pPr indent="0" lvl="0" marL="0" rtl="0">
+            <a:pPr marL="0" lvl="0" indent="0" rtl="0">
               <a:spcBef>
                 <a:spcPts val="0"/>
               </a:spcBef>
@@ -7246,7 +7680,7 @@
             <a:endParaRPr/>
           </a:p>
           <a:p>
-            <a:pPr indent="0" lvl="0" marL="0" rtl="0">
+            <a:pPr marL="0" lvl="0" indent="0" rtl="0">
               <a:spcBef>
                 <a:spcPts val="0"/>
               </a:spcBef>
@@ -7267,7 +7701,7 @@
             <a:endParaRPr/>
           </a:p>
           <a:p>
-            <a:pPr indent="0" lvl="0" marL="0" rtl="0">
+            <a:pPr marL="0" lvl="0" indent="0" rtl="0">
               <a:spcBef>
                 <a:spcPts val="0"/>
               </a:spcBef>
@@ -7298,15 +7732,30 @@
   <p:clrMapOvr>
     <a:masterClrMapping/>
   </p:clrMapOvr>
+  <mc:AlternateContent xmlns:mc="http://schemas.openxmlformats.org/markup-compatibility/2006">
+    <mc:Choice xmlns:p14="http://schemas.microsoft.com/office/powerpoint/2010/main" Requires="p14">
+      <p:transition spd="slow" p14:dur="2000" advTm="10000"/>
+    </mc:Choice>
+    <mc:Fallback>
+      <p:transition spd="slow" advTm="10000"/>
+    </mc:Fallback>
+  </mc:AlternateContent>
+  <p:timing>
+    <p:tnLst>
+      <p:par>
+        <p:cTn id="1" dur="indefinite" restart="never" nodeType="tmRoot"/>
+      </p:par>
+    </p:tnLst>
+  </p:timing>
 </p:sld>
 </file>
 
 <file path=ppt/slides/slide12.xml><?xml version="1.0" encoding="utf-8"?>
-<p:sld xmlns:a="http://schemas.openxmlformats.org/drawingml/2006/main" xmlns:r="http://schemas.openxmlformats.org/officeDocument/2006/relationships" xmlns:mc="http://schemas.openxmlformats.org/markup-compatibility/2006" xmlns:mv="urn:schemas-microsoft-com:mac:vml" xmlns:p="http://schemas.openxmlformats.org/presentationml/2006/main" xmlns:c="http://schemas.openxmlformats.org/drawingml/2006/chart" xmlns:dgm="http://schemas.openxmlformats.org/drawingml/2006/diagram" xmlns:o="urn:schemas-microsoft-com:office:office" xmlns:v="urn:schemas-microsoft-com:vml" xmlns:pvml="urn:schemas-microsoft-com:office:powerpoint" xmlns:com="http://schemas.openxmlformats.org/drawingml/2006/compatibility" xmlns:p14="http://schemas.microsoft.com/office/powerpoint/2010/main" xmlns:p15="http://schemas.microsoft.com/office/powerpoint/2012/main">
+<p:sld xmlns:a="http://schemas.openxmlformats.org/drawingml/2006/main" xmlns:r="http://schemas.openxmlformats.org/officeDocument/2006/relationships" xmlns:p="http://schemas.openxmlformats.org/presentationml/2006/main">
   <p:cSld>
     <p:spTree>
       <p:nvGrpSpPr>
-        <p:cNvPr id="124" name="Shape 124"/>
+        <p:cNvPr id="1" name="Shape 124"/>
         <p:cNvGrpSpPr/>
         <p:nvPr/>
       </p:nvGrpSpPr>
@@ -7321,7 +7770,9 @@
       <p:sp>
         <p:nvSpPr>
           <p:cNvPr id="125" name="Shape 125"/>
-          <p:cNvSpPr txBox="1"/>
+          <p:cNvSpPr txBox="1">
+            <a:spLocks noGrp="1"/>
+          </p:cNvSpPr>
           <p:nvPr>
             <p:ph type="title"/>
           </p:nvPr>
@@ -7336,12 +7787,12 @@
           </a:prstGeom>
         </p:spPr>
         <p:txBody>
-          <a:bodyPr anchorCtr="0" anchor="t" bIns="91425" lIns="91425" rIns="91425" wrap="square" tIns="91425">
+          <a:bodyPr wrap="square" lIns="91425" tIns="91425" rIns="91425" bIns="91425" anchor="t" anchorCtr="0">
             <a:noAutofit/>
           </a:bodyPr>
           <a:lstStyle/>
           <a:p>
-            <a:pPr indent="0" lvl="0" marL="0" rtl="0">
+            <a:pPr marL="0" lvl="0" indent="0" rtl="0">
               <a:spcBef>
                 <a:spcPts val="0"/>
               </a:spcBef>
@@ -7361,9 +7812,11 @@
       <p:sp>
         <p:nvSpPr>
           <p:cNvPr id="126" name="Shape 126"/>
-          <p:cNvSpPr txBox="1"/>
+          <p:cNvSpPr txBox="1">
+            <a:spLocks noGrp="1"/>
+          </p:cNvSpPr>
           <p:nvPr>
-            <p:ph idx="1" type="body"/>
+            <p:ph type="body" idx="1"/>
           </p:nvPr>
         </p:nvSpPr>
         <p:spPr>
@@ -7376,12 +7829,12 @@
           </a:prstGeom>
         </p:spPr>
         <p:txBody>
-          <a:bodyPr anchorCtr="0" anchor="t" bIns="91425" lIns="91425" rIns="91425" wrap="square" tIns="91425">
+          <a:bodyPr wrap="square" lIns="91425" tIns="91425" rIns="91425" bIns="91425" anchor="t" anchorCtr="0">
             <a:noAutofit/>
           </a:bodyPr>
           <a:lstStyle/>
           <a:p>
-            <a:pPr indent="0" lvl="0" marL="0" rtl="0">
+            <a:pPr marL="0" lvl="0" indent="0" rtl="0">
               <a:spcBef>
                 <a:spcPts val="0"/>
               </a:spcBef>
@@ -7397,7 +7850,7 @@
             <a:endParaRPr/>
           </a:p>
           <a:p>
-            <a:pPr indent="0" lvl="0" marL="0">
+            <a:pPr marL="0" lvl="0" indent="0">
               <a:spcBef>
                 <a:spcPts val="1600"/>
               </a:spcBef>
@@ -7418,7 +7871,7 @@
             <a:endParaRPr/>
           </a:p>
           <a:p>
-            <a:pPr indent="0" lvl="0" marL="0" rtl="0">
+            <a:pPr marL="0" lvl="0" indent="0" rtl="0">
               <a:spcBef>
                 <a:spcPts val="1600"/>
               </a:spcBef>
@@ -7439,7 +7892,7 @@
             <a:endParaRPr/>
           </a:p>
           <a:p>
-            <a:pPr indent="0" lvl="0" marL="0" rtl="0">
+            <a:pPr marL="0" lvl="0" indent="0" rtl="0">
               <a:spcBef>
                 <a:spcPts val="1600"/>
               </a:spcBef>
@@ -7470,15 +7923,30 @@
   <p:clrMapOvr>
     <a:masterClrMapping/>
   </p:clrMapOvr>
+  <mc:AlternateContent xmlns:mc="http://schemas.openxmlformats.org/markup-compatibility/2006">
+    <mc:Choice xmlns:p14="http://schemas.microsoft.com/office/powerpoint/2010/main" Requires="p14">
+      <p:transition spd="slow" p14:dur="2000" advTm="10000"/>
+    </mc:Choice>
+    <mc:Fallback>
+      <p:transition spd="slow" advTm="10000"/>
+    </mc:Fallback>
+  </mc:AlternateContent>
+  <p:timing>
+    <p:tnLst>
+      <p:par>
+        <p:cTn id="1" dur="indefinite" restart="never" nodeType="tmRoot"/>
+      </p:par>
+    </p:tnLst>
+  </p:timing>
 </p:sld>
 </file>
 
 <file path=ppt/slides/slide13.xml><?xml version="1.0" encoding="utf-8"?>
-<p:sld xmlns:a="http://schemas.openxmlformats.org/drawingml/2006/main" xmlns:r="http://schemas.openxmlformats.org/officeDocument/2006/relationships" xmlns:mc="http://schemas.openxmlformats.org/markup-compatibility/2006" xmlns:mv="urn:schemas-microsoft-com:mac:vml" xmlns:p="http://schemas.openxmlformats.org/presentationml/2006/main" xmlns:c="http://schemas.openxmlformats.org/drawingml/2006/chart" xmlns:dgm="http://schemas.openxmlformats.org/drawingml/2006/diagram" xmlns:o="urn:schemas-microsoft-com:office:office" xmlns:v="urn:schemas-microsoft-com:vml" xmlns:pvml="urn:schemas-microsoft-com:office:powerpoint" xmlns:com="http://schemas.openxmlformats.org/drawingml/2006/compatibility" xmlns:p14="http://schemas.microsoft.com/office/powerpoint/2010/main" xmlns:p15="http://schemas.microsoft.com/office/powerpoint/2012/main">
+<p:sld xmlns:a="http://schemas.openxmlformats.org/drawingml/2006/main" xmlns:r="http://schemas.openxmlformats.org/officeDocument/2006/relationships" xmlns:p="http://schemas.openxmlformats.org/presentationml/2006/main">
   <p:cSld>
     <p:spTree>
       <p:nvGrpSpPr>
-        <p:cNvPr id="130" name="Shape 130"/>
+        <p:cNvPr id="1" name="Shape 130"/>
         <p:cNvGrpSpPr/>
         <p:nvPr/>
       </p:nvGrpSpPr>
@@ -7493,7 +7961,9 @@
       <p:sp>
         <p:nvSpPr>
           <p:cNvPr id="131" name="Shape 131"/>
-          <p:cNvSpPr txBox="1"/>
+          <p:cNvSpPr txBox="1">
+            <a:spLocks noGrp="1"/>
+          </p:cNvSpPr>
           <p:nvPr>
             <p:ph type="title"/>
           </p:nvPr>
@@ -7508,12 +7978,12 @@
           </a:prstGeom>
         </p:spPr>
         <p:txBody>
-          <a:bodyPr anchorCtr="0" anchor="t" bIns="91425" lIns="91425" rIns="91425" wrap="square" tIns="91425">
+          <a:bodyPr wrap="square" lIns="91425" tIns="91425" rIns="91425" bIns="91425" anchor="t" anchorCtr="0">
             <a:noAutofit/>
           </a:bodyPr>
           <a:lstStyle/>
           <a:p>
-            <a:pPr indent="0" lvl="0" marL="0" rtl="0">
+            <a:pPr marL="0" lvl="0" indent="0" rtl="0">
               <a:spcBef>
                 <a:spcPts val="0"/>
               </a:spcBef>
@@ -7533,9 +8003,11 @@
       <p:sp>
         <p:nvSpPr>
           <p:cNvPr id="132" name="Shape 132"/>
-          <p:cNvSpPr txBox="1"/>
+          <p:cNvSpPr txBox="1">
+            <a:spLocks noGrp="1"/>
+          </p:cNvSpPr>
           <p:nvPr>
-            <p:ph idx="1" type="body"/>
+            <p:ph type="body" idx="1"/>
           </p:nvPr>
         </p:nvSpPr>
         <p:spPr>
@@ -7548,12 +8020,12 @@
           </a:prstGeom>
         </p:spPr>
         <p:txBody>
-          <a:bodyPr anchorCtr="0" anchor="t" bIns="91425" lIns="91425" rIns="91425" wrap="square" tIns="91425">
+          <a:bodyPr wrap="square" lIns="91425" tIns="91425" rIns="91425" bIns="91425" anchor="t" anchorCtr="0">
             <a:noAutofit/>
           </a:bodyPr>
           <a:lstStyle/>
           <a:p>
-            <a:pPr indent="0" lvl="0" marL="0" rtl="0">
+            <a:pPr marL="0" lvl="0" indent="0" rtl="0">
               <a:spcBef>
                 <a:spcPts val="0"/>
               </a:spcBef>
@@ -7564,20 +8036,12 @@
             </a:pPr>
             <a:r>
               <a:rPr lang="en"/>
-              <a:t>Mon</a:t>
-            </a:r>
-            <a:r>
-              <a:rPr lang="en"/>
-              <a:t>day 1/1</a:t>
-            </a:r>
-            <a:r>
-              <a:rPr lang="en"/>
-              <a:t>5</a:t>
+              <a:t>Monday 1/15</a:t>
             </a:r>
             <a:endParaRPr/>
           </a:p>
           <a:p>
-            <a:pPr indent="0" lvl="0" marL="0">
+            <a:pPr marL="0" lvl="0" indent="0">
               <a:spcBef>
                 <a:spcPts val="0"/>
               </a:spcBef>
@@ -7593,24 +8057,12 @@
             </a:pPr>
             <a:r>
               <a:rPr lang="en"/>
-              <a:t>6</a:t>
-            </a:r>
-            <a:r>
-              <a:rPr lang="en"/>
-              <a:t>:00 - </a:t>
-            </a:r>
-            <a:r>
-              <a:rPr lang="en"/>
-              <a:t>8</a:t>
-            </a:r>
-            <a:r>
-              <a:rPr lang="en"/>
-              <a:t>:00 pm</a:t>
+              <a:t>6:00 - 8:00 pm</a:t>
             </a:r>
             <a:endParaRPr/>
           </a:p>
           <a:p>
-            <a:pPr indent="0" lvl="0" marL="0" rtl="0">
+            <a:pPr marL="0" lvl="0" indent="0" rtl="0">
               <a:spcBef>
                 <a:spcPts val="0"/>
               </a:spcBef>
@@ -7631,7 +8083,7 @@
             <a:endParaRPr/>
           </a:p>
           <a:p>
-            <a:pPr indent="0" lvl="0" marL="0" rtl="0">
+            <a:pPr marL="0" lvl="0" indent="0" rtl="0">
               <a:spcBef>
                 <a:spcPts val="0"/>
               </a:spcBef>
@@ -7662,15 +8114,30 @@
   <p:clrMapOvr>
     <a:masterClrMapping/>
   </p:clrMapOvr>
+  <mc:AlternateContent xmlns:mc="http://schemas.openxmlformats.org/markup-compatibility/2006">
+    <mc:Choice xmlns:p14="http://schemas.microsoft.com/office/powerpoint/2010/main" Requires="p14">
+      <p:transition spd="slow" p14:dur="2000" advTm="10000"/>
+    </mc:Choice>
+    <mc:Fallback>
+      <p:transition spd="slow" advTm="10000"/>
+    </mc:Fallback>
+  </mc:AlternateContent>
+  <p:timing>
+    <p:tnLst>
+      <p:par>
+        <p:cTn id="1" dur="indefinite" restart="never" nodeType="tmRoot"/>
+      </p:par>
+    </p:tnLst>
+  </p:timing>
 </p:sld>
 </file>
 
 <file path=ppt/slides/slide14.xml><?xml version="1.0" encoding="utf-8"?>
-<p:sld xmlns:a="http://schemas.openxmlformats.org/drawingml/2006/main" xmlns:r="http://schemas.openxmlformats.org/officeDocument/2006/relationships" xmlns:mc="http://schemas.openxmlformats.org/markup-compatibility/2006" xmlns:mv="urn:schemas-microsoft-com:mac:vml" xmlns:p="http://schemas.openxmlformats.org/presentationml/2006/main" xmlns:c="http://schemas.openxmlformats.org/drawingml/2006/chart" xmlns:dgm="http://schemas.openxmlformats.org/drawingml/2006/diagram" xmlns:o="urn:schemas-microsoft-com:office:office" xmlns:v="urn:schemas-microsoft-com:vml" xmlns:pvml="urn:schemas-microsoft-com:office:powerpoint" xmlns:com="http://schemas.openxmlformats.org/drawingml/2006/compatibility" xmlns:p14="http://schemas.microsoft.com/office/powerpoint/2010/main" xmlns:p15="http://schemas.microsoft.com/office/powerpoint/2012/main">
+<p:sld xmlns:a="http://schemas.openxmlformats.org/drawingml/2006/main" xmlns:r="http://schemas.openxmlformats.org/officeDocument/2006/relationships" xmlns:p="http://schemas.openxmlformats.org/presentationml/2006/main">
   <p:cSld>
     <p:spTree>
       <p:nvGrpSpPr>
-        <p:cNvPr id="136" name="Shape 136"/>
+        <p:cNvPr id="1" name="Shape 136"/>
         <p:cNvGrpSpPr/>
         <p:nvPr/>
       </p:nvGrpSpPr>
@@ -7685,7 +8152,9 @@
       <p:sp>
         <p:nvSpPr>
           <p:cNvPr id="137" name="Shape 137"/>
-          <p:cNvSpPr txBox="1"/>
+          <p:cNvSpPr txBox="1">
+            <a:spLocks noGrp="1"/>
+          </p:cNvSpPr>
           <p:nvPr>
             <p:ph type="title"/>
           </p:nvPr>
@@ -7700,12 +8169,12 @@
           </a:prstGeom>
         </p:spPr>
         <p:txBody>
-          <a:bodyPr anchorCtr="0" anchor="t" bIns="91425" lIns="91425" rIns="91425" wrap="square" tIns="91425">
+          <a:bodyPr wrap="square" lIns="91425" tIns="91425" rIns="91425" bIns="91425" anchor="t" anchorCtr="0">
             <a:noAutofit/>
           </a:bodyPr>
           <a:lstStyle/>
           <a:p>
-            <a:pPr indent="0" lvl="0" marL="0" rtl="0">
+            <a:pPr marL="0" lvl="0" indent="0" rtl="0">
               <a:spcBef>
                 <a:spcPts val="0"/>
               </a:spcBef>
@@ -7725,9 +8194,11 @@
       <p:sp>
         <p:nvSpPr>
           <p:cNvPr id="138" name="Shape 138"/>
-          <p:cNvSpPr txBox="1"/>
+          <p:cNvSpPr txBox="1">
+            <a:spLocks noGrp="1"/>
+          </p:cNvSpPr>
           <p:nvPr>
-            <p:ph idx="1" type="body"/>
+            <p:ph type="body" idx="1"/>
           </p:nvPr>
         </p:nvSpPr>
         <p:spPr>
@@ -7740,12 +8211,12 @@
           </a:prstGeom>
         </p:spPr>
         <p:txBody>
-          <a:bodyPr anchorCtr="0" anchor="t" bIns="91425" lIns="91425" rIns="91425" wrap="square" tIns="91425">
+          <a:bodyPr wrap="square" lIns="91425" tIns="91425" rIns="91425" bIns="91425" anchor="t" anchorCtr="0">
             <a:noAutofit/>
           </a:bodyPr>
           <a:lstStyle/>
           <a:p>
-            <a:pPr indent="0" lvl="0" marL="0" rtl="0">
+            <a:pPr marL="0" lvl="0" indent="0" rtl="0">
               <a:spcBef>
                 <a:spcPts val="0"/>
               </a:spcBef>
@@ -7756,20 +8227,12 @@
             </a:pPr>
             <a:r>
               <a:rPr lang="en"/>
-              <a:t>Tues</a:t>
-            </a:r>
-            <a:r>
-              <a:rPr lang="en"/>
-              <a:t>day 1/1</a:t>
-            </a:r>
-            <a:r>
-              <a:rPr lang="en"/>
-              <a:t>6</a:t>
+              <a:t>Tuesday 1/16</a:t>
             </a:r>
             <a:endParaRPr/>
           </a:p>
           <a:p>
-            <a:pPr indent="0" lvl="0" marL="0">
+            <a:pPr marL="0" lvl="0" indent="0">
               <a:spcBef>
                 <a:spcPts val="1600"/>
               </a:spcBef>
@@ -7790,7 +8253,7 @@
             <a:endParaRPr/>
           </a:p>
           <a:p>
-            <a:pPr indent="0" lvl="0" marL="0" rtl="0">
+            <a:pPr marL="0" lvl="0" indent="0" rtl="0">
               <a:spcBef>
                 <a:spcPts val="1600"/>
               </a:spcBef>
@@ -7811,7 +8274,7 @@
             <a:endParaRPr/>
           </a:p>
           <a:p>
-            <a:pPr indent="0" lvl="0" marL="0" rtl="0">
+            <a:pPr marL="0" lvl="0" indent="0" rtl="0">
               <a:spcBef>
                 <a:spcPts val="1600"/>
               </a:spcBef>
@@ -7842,15 +8305,30 @@
   <p:clrMapOvr>
     <a:masterClrMapping/>
   </p:clrMapOvr>
+  <mc:AlternateContent xmlns:mc="http://schemas.openxmlformats.org/markup-compatibility/2006">
+    <mc:Choice xmlns:p14="http://schemas.microsoft.com/office/powerpoint/2010/main" Requires="p14">
+      <p:transition spd="slow" p14:dur="2000" advTm="10000"/>
+    </mc:Choice>
+    <mc:Fallback>
+      <p:transition spd="slow" advTm="10000"/>
+    </mc:Fallback>
+  </mc:AlternateContent>
+  <p:timing>
+    <p:tnLst>
+      <p:par>
+        <p:cTn id="1" dur="indefinite" restart="never" nodeType="tmRoot"/>
+      </p:par>
+    </p:tnLst>
+  </p:timing>
 </p:sld>
 </file>
 
 <file path=ppt/slides/slide15.xml><?xml version="1.0" encoding="utf-8"?>
-<p:sld xmlns:a="http://schemas.openxmlformats.org/drawingml/2006/main" xmlns:r="http://schemas.openxmlformats.org/officeDocument/2006/relationships" xmlns:mc="http://schemas.openxmlformats.org/markup-compatibility/2006" xmlns:mv="urn:schemas-microsoft-com:mac:vml" xmlns:p="http://schemas.openxmlformats.org/presentationml/2006/main" xmlns:c="http://schemas.openxmlformats.org/drawingml/2006/chart" xmlns:dgm="http://schemas.openxmlformats.org/drawingml/2006/diagram" xmlns:o="urn:schemas-microsoft-com:office:office" xmlns:v="urn:schemas-microsoft-com:vml" xmlns:pvml="urn:schemas-microsoft-com:office:powerpoint" xmlns:com="http://schemas.openxmlformats.org/drawingml/2006/compatibility" xmlns:p14="http://schemas.microsoft.com/office/powerpoint/2010/main" xmlns:p15="http://schemas.microsoft.com/office/powerpoint/2012/main">
+<p:sld xmlns:a="http://schemas.openxmlformats.org/drawingml/2006/main" xmlns:r="http://schemas.openxmlformats.org/officeDocument/2006/relationships" xmlns:p="http://schemas.openxmlformats.org/presentationml/2006/main">
   <p:cSld>
     <p:spTree>
       <p:nvGrpSpPr>
-        <p:cNvPr id="142" name="Shape 142"/>
+        <p:cNvPr id="1" name="Shape 142"/>
         <p:cNvGrpSpPr/>
         <p:nvPr/>
       </p:nvGrpSpPr>
@@ -7865,7 +8343,9 @@
       <p:sp>
         <p:nvSpPr>
           <p:cNvPr id="143" name="Shape 143"/>
-          <p:cNvSpPr txBox="1"/>
+          <p:cNvSpPr txBox="1">
+            <a:spLocks noGrp="1"/>
+          </p:cNvSpPr>
           <p:nvPr>
             <p:ph type="title"/>
           </p:nvPr>
@@ -7880,12 +8360,12 @@
           </a:prstGeom>
         </p:spPr>
         <p:txBody>
-          <a:bodyPr anchorCtr="0" anchor="t" bIns="91425" lIns="91425" rIns="91425" wrap="square" tIns="91425">
+          <a:bodyPr wrap="square" lIns="91425" tIns="91425" rIns="91425" bIns="91425" anchor="t" anchorCtr="0">
             <a:noAutofit/>
           </a:bodyPr>
           <a:lstStyle/>
           <a:p>
-            <a:pPr indent="0" lvl="0" marL="0" rtl="0">
+            <a:pPr marL="0" lvl="0" indent="0" rtl="0">
               <a:spcBef>
                 <a:spcPts val="0"/>
               </a:spcBef>
@@ -7905,9 +8385,11 @@
       <p:sp>
         <p:nvSpPr>
           <p:cNvPr id="144" name="Shape 144"/>
-          <p:cNvSpPr txBox="1"/>
+          <p:cNvSpPr txBox="1">
+            <a:spLocks noGrp="1"/>
+          </p:cNvSpPr>
           <p:nvPr>
-            <p:ph idx="1" type="body"/>
+            <p:ph type="body" idx="1"/>
           </p:nvPr>
         </p:nvSpPr>
         <p:spPr>
@@ -7920,12 +8402,12 @@
           </a:prstGeom>
         </p:spPr>
         <p:txBody>
-          <a:bodyPr anchorCtr="0" anchor="t" bIns="91425" lIns="91425" rIns="91425" wrap="square" tIns="91425">
+          <a:bodyPr wrap="square" lIns="91425" tIns="91425" rIns="91425" bIns="91425" anchor="t" anchorCtr="0">
             <a:noAutofit/>
           </a:bodyPr>
           <a:lstStyle/>
           <a:p>
-            <a:pPr indent="0" lvl="0" marL="0" rtl="0">
+            <a:pPr marL="0" lvl="0" indent="0" rtl="0">
               <a:spcBef>
                 <a:spcPts val="0"/>
               </a:spcBef>
@@ -7936,20 +8418,12 @@
             </a:pPr>
             <a:r>
               <a:rPr lang="en"/>
-              <a:t>Thurs</a:t>
-            </a:r>
-            <a:r>
-              <a:rPr lang="en"/>
-              <a:t>day 1/1</a:t>
-            </a:r>
-            <a:r>
-              <a:rPr lang="en"/>
-              <a:t>8</a:t>
+              <a:t>Thursday 1/18</a:t>
             </a:r>
             <a:endParaRPr/>
           </a:p>
           <a:p>
-            <a:pPr indent="0" lvl="0" marL="0">
+            <a:pPr marL="0" lvl="0" indent="0">
               <a:spcBef>
                 <a:spcPts val="1600"/>
               </a:spcBef>
@@ -7970,7 +8444,7 @@
             <a:endParaRPr/>
           </a:p>
           <a:p>
-            <a:pPr indent="0" lvl="0" marL="0" rtl="0">
+            <a:pPr marL="0" lvl="0" indent="0" rtl="0">
               <a:spcBef>
                 <a:spcPts val="1600"/>
               </a:spcBef>
@@ -7991,7 +8465,7 @@
             <a:endParaRPr/>
           </a:p>
           <a:p>
-            <a:pPr indent="0" lvl="0" marL="0" rtl="0">
+            <a:pPr marL="0" lvl="0" indent="0" rtl="0">
               <a:spcBef>
                 <a:spcPts val="1600"/>
               </a:spcBef>
@@ -8022,15 +8496,30 @@
   <p:clrMapOvr>
     <a:masterClrMapping/>
   </p:clrMapOvr>
+  <mc:AlternateContent xmlns:mc="http://schemas.openxmlformats.org/markup-compatibility/2006">
+    <mc:Choice xmlns:p14="http://schemas.microsoft.com/office/powerpoint/2010/main" Requires="p14">
+      <p:transition spd="slow" p14:dur="2000" advTm="10000"/>
+    </mc:Choice>
+    <mc:Fallback>
+      <p:transition spd="slow" advTm="10000"/>
+    </mc:Fallback>
+  </mc:AlternateContent>
+  <p:timing>
+    <p:tnLst>
+      <p:par>
+        <p:cTn id="1" dur="indefinite" restart="never" nodeType="tmRoot"/>
+      </p:par>
+    </p:tnLst>
+  </p:timing>
 </p:sld>
 </file>
 
 <file path=ppt/slides/slide16.xml><?xml version="1.0" encoding="utf-8"?>
-<p:sld xmlns:a="http://schemas.openxmlformats.org/drawingml/2006/main" xmlns:r="http://schemas.openxmlformats.org/officeDocument/2006/relationships" xmlns:mc="http://schemas.openxmlformats.org/markup-compatibility/2006" xmlns:mv="urn:schemas-microsoft-com:mac:vml" xmlns:p="http://schemas.openxmlformats.org/presentationml/2006/main" xmlns:c="http://schemas.openxmlformats.org/drawingml/2006/chart" xmlns:dgm="http://schemas.openxmlformats.org/drawingml/2006/diagram" xmlns:o="urn:schemas-microsoft-com:office:office" xmlns:v="urn:schemas-microsoft-com:vml" xmlns:pvml="urn:schemas-microsoft-com:office:powerpoint" xmlns:com="http://schemas.openxmlformats.org/drawingml/2006/compatibility" xmlns:p14="http://schemas.microsoft.com/office/powerpoint/2010/main" xmlns:p15="http://schemas.microsoft.com/office/powerpoint/2012/main">
+<p:sld xmlns:a="http://schemas.openxmlformats.org/drawingml/2006/main" xmlns:r="http://schemas.openxmlformats.org/officeDocument/2006/relationships" xmlns:p="http://schemas.openxmlformats.org/presentationml/2006/main">
   <p:cSld>
     <p:spTree>
       <p:nvGrpSpPr>
-        <p:cNvPr id="148" name="Shape 148"/>
+        <p:cNvPr id="1" name="Shape 148"/>
         <p:cNvGrpSpPr/>
         <p:nvPr/>
       </p:nvGrpSpPr>
@@ -8045,7 +8534,9 @@
       <p:sp>
         <p:nvSpPr>
           <p:cNvPr id="149" name="Shape 149"/>
-          <p:cNvSpPr txBox="1"/>
+          <p:cNvSpPr txBox="1">
+            <a:spLocks noGrp="1"/>
+          </p:cNvSpPr>
           <p:nvPr>
             <p:ph type="title"/>
           </p:nvPr>
@@ -8060,12 +8551,12 @@
           </a:prstGeom>
         </p:spPr>
         <p:txBody>
-          <a:bodyPr anchorCtr="0" anchor="t" bIns="91425" lIns="91425" rIns="91425" wrap="square" tIns="91425">
+          <a:bodyPr wrap="square" lIns="91425" tIns="91425" rIns="91425" bIns="91425" anchor="t" anchorCtr="0">
             <a:noAutofit/>
           </a:bodyPr>
           <a:lstStyle/>
           <a:p>
-            <a:pPr indent="0" lvl="0" marL="0" rtl="0">
+            <a:pPr marL="0" lvl="0" indent="0" rtl="0">
               <a:spcBef>
                 <a:spcPts val="0"/>
               </a:spcBef>
@@ -8076,11 +8567,7 @@
             </a:pPr>
             <a:r>
               <a:rPr lang="en"/>
-              <a:t>DevOps </a:t>
-            </a:r>
-            <a:r>
-              <a:rPr lang="en"/>
-              <a:t>OKC</a:t>
+              <a:t>DevOps OKC</a:t>
             </a:r>
             <a:endParaRPr sz="4800"/>
           </a:p>
@@ -8089,9 +8576,11 @@
       <p:sp>
         <p:nvSpPr>
           <p:cNvPr id="150" name="Shape 150"/>
-          <p:cNvSpPr txBox="1"/>
+          <p:cNvSpPr txBox="1">
+            <a:spLocks noGrp="1"/>
+          </p:cNvSpPr>
           <p:nvPr>
-            <p:ph idx="1" type="body"/>
+            <p:ph type="body" idx="1"/>
           </p:nvPr>
         </p:nvSpPr>
         <p:spPr>
@@ -8104,12 +8593,12 @@
           </a:prstGeom>
         </p:spPr>
         <p:txBody>
-          <a:bodyPr anchorCtr="0" anchor="t" bIns="91425" lIns="91425" rIns="91425" wrap="square" tIns="91425">
+          <a:bodyPr wrap="square" lIns="91425" tIns="91425" rIns="91425" bIns="91425" anchor="t" anchorCtr="0">
             <a:noAutofit/>
           </a:bodyPr>
           <a:lstStyle/>
           <a:p>
-            <a:pPr indent="0" lvl="0" marL="0" rtl="0">
+            <a:pPr marL="0" lvl="0" indent="0" rtl="0">
               <a:spcBef>
                 <a:spcPts val="0"/>
               </a:spcBef>
@@ -8120,20 +8609,12 @@
             </a:pPr>
             <a:r>
               <a:rPr lang="en"/>
-              <a:t>Fri</a:t>
-            </a:r>
-            <a:r>
-              <a:rPr lang="en"/>
-              <a:t>day 1/1</a:t>
-            </a:r>
-            <a:r>
-              <a:rPr lang="en"/>
-              <a:t>9</a:t>
+              <a:t>Friday 1/19</a:t>
             </a:r>
             <a:endParaRPr/>
           </a:p>
           <a:p>
-            <a:pPr indent="0" lvl="0" marL="0">
+            <a:pPr marL="0" lvl="0" indent="0">
               <a:spcBef>
                 <a:spcPts val="1600"/>
               </a:spcBef>
@@ -8154,7 +8635,7 @@
             <a:endParaRPr/>
           </a:p>
           <a:p>
-            <a:pPr indent="0" lvl="0" marL="0" rtl="0">
+            <a:pPr marL="0" lvl="0" indent="0" rtl="0">
               <a:spcBef>
                 <a:spcPts val="1600"/>
               </a:spcBef>
@@ -8175,7 +8656,7 @@
             <a:endParaRPr/>
           </a:p>
           <a:p>
-            <a:pPr indent="0" lvl="0" marL="0" rtl="0">
+            <a:pPr marL="0" lvl="0" indent="0" rtl="0">
               <a:spcBef>
                 <a:spcPts val="1600"/>
               </a:spcBef>
@@ -8206,15 +8687,30 @@
   <p:clrMapOvr>
     <a:masterClrMapping/>
   </p:clrMapOvr>
+  <mc:AlternateContent xmlns:mc="http://schemas.openxmlformats.org/markup-compatibility/2006">
+    <mc:Choice xmlns:p14="http://schemas.microsoft.com/office/powerpoint/2010/main" Requires="p14">
+      <p:transition spd="slow" p14:dur="2000" advTm="10000"/>
+    </mc:Choice>
+    <mc:Fallback>
+      <p:transition spd="slow" advTm="10000"/>
+    </mc:Fallback>
+  </mc:AlternateContent>
+  <p:timing>
+    <p:tnLst>
+      <p:par>
+        <p:cTn id="1" dur="indefinite" restart="never" nodeType="tmRoot"/>
+      </p:par>
+    </p:tnLst>
+  </p:timing>
 </p:sld>
 </file>
 
 <file path=ppt/slides/slide2.xml><?xml version="1.0" encoding="utf-8"?>
-<p:sld xmlns:a="http://schemas.openxmlformats.org/drawingml/2006/main" xmlns:r="http://schemas.openxmlformats.org/officeDocument/2006/relationships" xmlns:mc="http://schemas.openxmlformats.org/markup-compatibility/2006" xmlns:mv="urn:schemas-microsoft-com:mac:vml" xmlns:p="http://schemas.openxmlformats.org/presentationml/2006/main" xmlns:c="http://schemas.openxmlformats.org/drawingml/2006/chart" xmlns:dgm="http://schemas.openxmlformats.org/drawingml/2006/diagram" xmlns:o="urn:schemas-microsoft-com:office:office" xmlns:v="urn:schemas-microsoft-com:vml" xmlns:pvml="urn:schemas-microsoft-com:office:powerpoint" xmlns:com="http://schemas.openxmlformats.org/drawingml/2006/compatibility" xmlns:p14="http://schemas.microsoft.com/office/powerpoint/2010/main" xmlns:p15="http://schemas.microsoft.com/office/powerpoint/2012/main">
+<p:sld xmlns:a="http://schemas.openxmlformats.org/drawingml/2006/main" xmlns:r="http://schemas.openxmlformats.org/officeDocument/2006/relationships" xmlns:p="http://schemas.openxmlformats.org/presentationml/2006/main">
   <p:cSld>
     <p:spTree>
       <p:nvGrpSpPr>
-        <p:cNvPr id="63" name="Shape 63"/>
+        <p:cNvPr id="1" name="Shape 63"/>
         <p:cNvGrpSpPr/>
         <p:nvPr/>
       </p:nvGrpSpPr>
@@ -8229,7 +8725,9 @@
       <p:sp>
         <p:nvSpPr>
           <p:cNvPr id="64" name="Shape 64"/>
-          <p:cNvSpPr txBox="1"/>
+          <p:cNvSpPr txBox="1">
+            <a:spLocks noGrp="1"/>
+          </p:cNvSpPr>
           <p:nvPr>
             <p:ph type="title"/>
           </p:nvPr>
@@ -8244,12 +8742,12 @@
           </a:prstGeom>
         </p:spPr>
         <p:txBody>
-          <a:bodyPr anchorCtr="0" anchor="ctr" bIns="91425" lIns="91425" rIns="91425" wrap="square" tIns="91425">
+          <a:bodyPr wrap="square" lIns="91425" tIns="91425" rIns="91425" bIns="91425" anchor="ctr" anchorCtr="0">
             <a:noAutofit/>
           </a:bodyPr>
           <a:lstStyle/>
           <a:p>
-            <a:pPr indent="0" lvl="0" marL="0">
+            <a:pPr marL="0" lvl="0" indent="0">
               <a:spcBef>
                 <a:spcPts val="0"/>
               </a:spcBef>
@@ -8265,7 +8763,7 @@
             <a:endParaRPr sz="4000"/>
           </a:p>
           <a:p>
-            <a:pPr indent="0" lvl="0" marL="0">
+            <a:pPr marL="0" lvl="0" indent="0">
               <a:spcBef>
                 <a:spcPts val="0"/>
               </a:spcBef>
@@ -8287,15 +8785,30 @@
   <p:clrMapOvr>
     <a:masterClrMapping/>
   </p:clrMapOvr>
+  <mc:AlternateContent xmlns:mc="http://schemas.openxmlformats.org/markup-compatibility/2006">
+    <mc:Choice xmlns:p14="http://schemas.microsoft.com/office/powerpoint/2010/main" Requires="p14">
+      <p:transition spd="slow" p14:dur="2000" advTm="10000"/>
+    </mc:Choice>
+    <mc:Fallback>
+      <p:transition spd="slow" advTm="10000"/>
+    </mc:Fallback>
+  </mc:AlternateContent>
+  <p:timing>
+    <p:tnLst>
+      <p:par>
+        <p:cTn id="1" dur="indefinite" restart="never" nodeType="tmRoot"/>
+      </p:par>
+    </p:tnLst>
+  </p:timing>
 </p:sld>
 </file>
 
 <file path=ppt/slides/slide3.xml><?xml version="1.0" encoding="utf-8"?>
-<p:sld xmlns:a="http://schemas.openxmlformats.org/drawingml/2006/main" xmlns:r="http://schemas.openxmlformats.org/officeDocument/2006/relationships" xmlns:mc="http://schemas.openxmlformats.org/markup-compatibility/2006" xmlns:mv="urn:schemas-microsoft-com:mac:vml" xmlns:p="http://schemas.openxmlformats.org/presentationml/2006/main" xmlns:c="http://schemas.openxmlformats.org/drawingml/2006/chart" xmlns:dgm="http://schemas.openxmlformats.org/drawingml/2006/diagram" xmlns:o="urn:schemas-microsoft-com:office:office" xmlns:v="urn:schemas-microsoft-com:vml" xmlns:pvml="urn:schemas-microsoft-com:office:powerpoint" xmlns:com="http://schemas.openxmlformats.org/drawingml/2006/compatibility" xmlns:p14="http://schemas.microsoft.com/office/powerpoint/2010/main" xmlns:p15="http://schemas.microsoft.com/office/powerpoint/2012/main">
+<p:sld xmlns:a="http://schemas.openxmlformats.org/drawingml/2006/main" xmlns:r="http://schemas.openxmlformats.org/officeDocument/2006/relationships" xmlns:p="http://schemas.openxmlformats.org/presentationml/2006/main">
   <p:cSld>
     <p:spTree>
       <p:nvGrpSpPr>
-        <p:cNvPr id="68" name="Shape 68"/>
+        <p:cNvPr id="1" name="Shape 68"/>
         <p:cNvGrpSpPr/>
         <p:nvPr/>
       </p:nvGrpSpPr>
@@ -8310,7 +8823,9 @@
       <p:sp>
         <p:nvSpPr>
           <p:cNvPr id="69" name="Shape 69"/>
-          <p:cNvSpPr txBox="1"/>
+          <p:cNvSpPr txBox="1">
+            <a:spLocks noGrp="1"/>
+          </p:cNvSpPr>
           <p:nvPr>
             <p:ph type="title"/>
           </p:nvPr>
@@ -8325,12 +8840,12 @@
           </a:prstGeom>
         </p:spPr>
         <p:txBody>
-          <a:bodyPr anchorCtr="0" anchor="t" bIns="91425" lIns="91425" rIns="91425" wrap="square" tIns="91425">
+          <a:bodyPr wrap="square" lIns="91425" tIns="91425" rIns="91425" bIns="91425" anchor="t" anchorCtr="0">
             <a:noAutofit/>
           </a:bodyPr>
           <a:lstStyle/>
           <a:p>
-            <a:pPr indent="0" lvl="0" marL="0" rtl="0">
+            <a:pPr marL="0" lvl="0" indent="0" rtl="0">
               <a:spcBef>
                 <a:spcPts val="0"/>
               </a:spcBef>
@@ -8343,16 +8858,18 @@
               <a:rPr lang="en" sz="4800"/>
               <a:t>What is Techlahoma?</a:t>
             </a:r>
-            <a:endParaRPr b="0" sz="4800"/>
+            <a:endParaRPr sz="4800" b="0"/>
           </a:p>
         </p:txBody>
       </p:sp>
       <p:sp>
         <p:nvSpPr>
           <p:cNvPr id="70" name="Shape 70"/>
-          <p:cNvSpPr txBox="1"/>
+          <p:cNvSpPr txBox="1">
+            <a:spLocks noGrp="1"/>
+          </p:cNvSpPr>
           <p:nvPr>
-            <p:ph idx="1" type="body"/>
+            <p:ph type="body" idx="1"/>
           </p:nvPr>
         </p:nvSpPr>
         <p:spPr>
@@ -8365,12 +8882,12 @@
           </a:prstGeom>
         </p:spPr>
         <p:txBody>
-          <a:bodyPr anchorCtr="0" anchor="t" bIns="91425" lIns="91425" rIns="91425" wrap="square" tIns="91425">
+          <a:bodyPr wrap="square" lIns="91425" tIns="91425" rIns="91425" bIns="91425" anchor="t" anchorCtr="0">
             <a:noAutofit/>
           </a:bodyPr>
           <a:lstStyle/>
           <a:p>
-            <a:pPr indent="-457200" lvl="0" marL="457200">
+            <a:pPr marL="457200" lvl="0" indent="-457200">
               <a:lnSpc>
                 <a:spcPct val="115000"/>
               </a:lnSpc>
@@ -8390,7 +8907,7 @@
             <a:endParaRPr sz="3600"/>
           </a:p>
           <a:p>
-            <a:pPr indent="-457200" lvl="0" marL="457200" rtl="0">
+            <a:pPr marL="457200" lvl="0" indent="-457200" rtl="0">
               <a:lnSpc>
                 <a:spcPct val="115000"/>
               </a:lnSpc>
@@ -8410,7 +8927,7 @@
             <a:endParaRPr sz="3600"/>
           </a:p>
           <a:p>
-            <a:pPr indent="-457200" lvl="0" marL="457200" rtl="0">
+            <a:pPr marL="457200" lvl="0" indent="-457200" rtl="0">
               <a:lnSpc>
                 <a:spcPct val="115000"/>
               </a:lnSpc>
@@ -8430,7 +8947,7 @@
             <a:endParaRPr sz="3600"/>
           </a:p>
           <a:p>
-            <a:pPr indent="-457200" lvl="0" marL="457200">
+            <a:pPr marL="457200" lvl="0" indent="-457200">
               <a:lnSpc>
                 <a:spcPct val="115000"/>
               </a:lnSpc>
@@ -8456,15 +8973,30 @@
   <p:clrMapOvr>
     <a:masterClrMapping/>
   </p:clrMapOvr>
+  <mc:AlternateContent xmlns:mc="http://schemas.openxmlformats.org/markup-compatibility/2006">
+    <mc:Choice xmlns:p14="http://schemas.microsoft.com/office/powerpoint/2010/main" Requires="p14">
+      <p:transition spd="slow" p14:dur="2000" advTm="10000"/>
+    </mc:Choice>
+    <mc:Fallback>
+      <p:transition spd="slow" advTm="10000"/>
+    </mc:Fallback>
+  </mc:AlternateContent>
+  <p:timing>
+    <p:tnLst>
+      <p:par>
+        <p:cTn id="1" dur="indefinite" restart="never" nodeType="tmRoot"/>
+      </p:par>
+    </p:tnLst>
+  </p:timing>
 </p:sld>
 </file>
 
 <file path=ppt/slides/slide4.xml><?xml version="1.0" encoding="utf-8"?>
-<p:sld xmlns:a="http://schemas.openxmlformats.org/drawingml/2006/main" xmlns:r="http://schemas.openxmlformats.org/officeDocument/2006/relationships" xmlns:mc="http://schemas.openxmlformats.org/markup-compatibility/2006" xmlns:mv="urn:schemas-microsoft-com:mac:vml" xmlns:p="http://schemas.openxmlformats.org/presentationml/2006/main" xmlns:c="http://schemas.openxmlformats.org/drawingml/2006/chart" xmlns:dgm="http://schemas.openxmlformats.org/drawingml/2006/diagram" xmlns:o="urn:schemas-microsoft-com:office:office" xmlns:v="urn:schemas-microsoft-com:vml" xmlns:pvml="urn:schemas-microsoft-com:office:powerpoint" xmlns:com="http://schemas.openxmlformats.org/drawingml/2006/compatibility" xmlns:p14="http://schemas.microsoft.com/office/powerpoint/2010/main" xmlns:p15="http://schemas.microsoft.com/office/powerpoint/2012/main">
+<p:sld xmlns:a="http://schemas.openxmlformats.org/drawingml/2006/main" xmlns:r="http://schemas.openxmlformats.org/officeDocument/2006/relationships" xmlns:p="http://schemas.openxmlformats.org/presentationml/2006/main">
   <p:cSld>
     <p:spTree>
       <p:nvGrpSpPr>
-        <p:cNvPr id="74" name="Shape 74"/>
+        <p:cNvPr id="1" name="Shape 74"/>
         <p:cNvGrpSpPr/>
         <p:nvPr/>
       </p:nvGrpSpPr>
@@ -8479,7 +9011,9 @@
       <p:sp>
         <p:nvSpPr>
           <p:cNvPr id="75" name="Shape 75"/>
-          <p:cNvSpPr txBox="1"/>
+          <p:cNvSpPr txBox="1">
+            <a:spLocks noGrp="1"/>
+          </p:cNvSpPr>
           <p:nvPr>
             <p:ph type="title"/>
           </p:nvPr>
@@ -8494,12 +9028,12 @@
           </a:prstGeom>
         </p:spPr>
         <p:txBody>
-          <a:bodyPr anchorCtr="0" anchor="t" bIns="91425" lIns="91425" rIns="91425" wrap="square" tIns="91425">
+          <a:bodyPr wrap="square" lIns="91425" tIns="91425" rIns="91425" bIns="91425" anchor="t" anchorCtr="0">
             <a:noAutofit/>
           </a:bodyPr>
           <a:lstStyle/>
           <a:p>
-            <a:pPr indent="0" lvl="0" marL="0" rtl="0">
+            <a:pPr marL="0" lvl="0" indent="0" rtl="0">
               <a:spcBef>
                 <a:spcPts val="0"/>
               </a:spcBef>
@@ -8519,9 +9053,11 @@
       <p:sp>
         <p:nvSpPr>
           <p:cNvPr id="76" name="Shape 76"/>
-          <p:cNvSpPr txBox="1"/>
+          <p:cNvSpPr txBox="1">
+            <a:spLocks noGrp="1"/>
+          </p:cNvSpPr>
           <p:nvPr>
-            <p:ph idx="1" type="body"/>
+            <p:ph type="body" idx="1"/>
           </p:nvPr>
         </p:nvSpPr>
         <p:spPr>
@@ -8534,12 +9070,12 @@
           </a:prstGeom>
         </p:spPr>
         <p:txBody>
-          <a:bodyPr anchorCtr="0" anchor="t" bIns="91425" lIns="91425" rIns="91425" wrap="square" tIns="91425">
+          <a:bodyPr wrap="square" lIns="91425" tIns="91425" rIns="91425" bIns="91425" anchor="t" anchorCtr="0">
             <a:noAutofit/>
           </a:bodyPr>
           <a:lstStyle/>
           <a:p>
-            <a:pPr indent="0" lvl="0" marL="0">
+            <a:pPr marL="0" lvl="0" indent="0">
               <a:spcBef>
                 <a:spcPts val="0"/>
               </a:spcBef>
@@ -8564,7 +9100,7 @@
             <a:endParaRPr sz="4000"/>
           </a:p>
           <a:p>
-            <a:pPr indent="0" lvl="0" marL="0">
+            <a:pPr marL="0" lvl="0" indent="0">
               <a:spcBef>
                 <a:spcPts val="1600"/>
               </a:spcBef>
@@ -8589,7 +9125,7 @@
             <a:endParaRPr sz="4000"/>
           </a:p>
           <a:p>
-            <a:pPr indent="0" lvl="0" marL="0" rtl="0">
+            <a:pPr marL="0" lvl="0" indent="0" rtl="0">
               <a:spcBef>
                 <a:spcPts val="1600"/>
               </a:spcBef>
@@ -8620,15 +9156,30 @@
   <p:clrMapOvr>
     <a:masterClrMapping/>
   </p:clrMapOvr>
+  <mc:AlternateContent xmlns:mc="http://schemas.openxmlformats.org/markup-compatibility/2006">
+    <mc:Choice xmlns:p14="http://schemas.microsoft.com/office/powerpoint/2010/main" Requires="p14">
+      <p:transition spd="slow" p14:dur="2000" advTm="10000"/>
+    </mc:Choice>
+    <mc:Fallback>
+      <p:transition spd="slow" advTm="10000"/>
+    </mc:Fallback>
+  </mc:AlternateContent>
+  <p:timing>
+    <p:tnLst>
+      <p:par>
+        <p:cTn id="1" dur="indefinite" restart="never" nodeType="tmRoot"/>
+      </p:par>
+    </p:tnLst>
+  </p:timing>
 </p:sld>
 </file>
 
 <file path=ppt/slides/slide5.xml><?xml version="1.0" encoding="utf-8"?>
-<p:sld xmlns:a="http://schemas.openxmlformats.org/drawingml/2006/main" xmlns:r="http://schemas.openxmlformats.org/officeDocument/2006/relationships" xmlns:mc="http://schemas.openxmlformats.org/markup-compatibility/2006" xmlns:mv="urn:schemas-microsoft-com:mac:vml" xmlns:p="http://schemas.openxmlformats.org/presentationml/2006/main" xmlns:c="http://schemas.openxmlformats.org/drawingml/2006/chart" xmlns:dgm="http://schemas.openxmlformats.org/drawingml/2006/diagram" xmlns:o="urn:schemas-microsoft-com:office:office" xmlns:v="urn:schemas-microsoft-com:vml" xmlns:pvml="urn:schemas-microsoft-com:office:powerpoint" xmlns:com="http://schemas.openxmlformats.org/drawingml/2006/compatibility" xmlns:p14="http://schemas.microsoft.com/office/powerpoint/2010/main" xmlns:p15="http://schemas.microsoft.com/office/powerpoint/2012/main">
+<p:sld xmlns:a="http://schemas.openxmlformats.org/drawingml/2006/main" xmlns:r="http://schemas.openxmlformats.org/officeDocument/2006/relationships" xmlns:p="http://schemas.openxmlformats.org/presentationml/2006/main">
   <p:cSld>
     <p:spTree>
       <p:nvGrpSpPr>
-        <p:cNvPr id="80" name="Shape 80"/>
+        <p:cNvPr id="1" name="Shape 80"/>
         <p:cNvGrpSpPr/>
         <p:nvPr/>
       </p:nvGrpSpPr>
@@ -8643,7 +9194,9 @@
       <p:sp>
         <p:nvSpPr>
           <p:cNvPr id="81" name="Shape 81"/>
-          <p:cNvSpPr txBox="1"/>
+          <p:cNvSpPr txBox="1">
+            <a:spLocks noGrp="1"/>
+          </p:cNvSpPr>
           <p:nvPr>
             <p:ph type="title"/>
           </p:nvPr>
@@ -8658,12 +9211,12 @@
           </a:prstGeom>
         </p:spPr>
         <p:txBody>
-          <a:bodyPr anchorCtr="0" anchor="t" bIns="91425" lIns="91425" rIns="91425" wrap="square" tIns="91425">
+          <a:bodyPr wrap="square" lIns="91425" tIns="91425" rIns="91425" bIns="91425" anchor="t" anchorCtr="0">
             <a:noAutofit/>
           </a:bodyPr>
           <a:lstStyle/>
           <a:p>
-            <a:pPr indent="0" lvl="0" marL="0">
+            <a:pPr marL="0" lvl="0" indent="0">
               <a:spcBef>
                 <a:spcPts val="0"/>
               </a:spcBef>
@@ -8672,9 +9225,6 @@
               </a:spcAft>
               <a:buNone/>
             </a:pPr>
-            <a:r>
-              <a:t/>
-            </a:r>
             <a:endParaRPr/>
           </a:p>
         </p:txBody>
@@ -8682,9 +9232,11 @@
       <p:sp>
         <p:nvSpPr>
           <p:cNvPr id="82" name="Shape 82"/>
-          <p:cNvSpPr txBox="1"/>
+          <p:cNvSpPr txBox="1">
+            <a:spLocks noGrp="1"/>
+          </p:cNvSpPr>
           <p:nvPr>
-            <p:ph idx="1" type="body"/>
+            <p:ph type="body" idx="1"/>
           </p:nvPr>
         </p:nvSpPr>
         <p:spPr>
@@ -8697,12 +9249,12 @@
           </a:prstGeom>
         </p:spPr>
         <p:txBody>
-          <a:bodyPr anchorCtr="0" anchor="t" bIns="91425" lIns="91425" rIns="91425" wrap="square" tIns="91425">
+          <a:bodyPr wrap="square" lIns="91425" tIns="91425" rIns="91425" bIns="91425" anchor="t" anchorCtr="0">
             <a:noAutofit/>
           </a:bodyPr>
           <a:lstStyle/>
           <a:p>
-            <a:pPr indent="0" lvl="0" marL="0">
+            <a:pPr marL="0" lvl="0" indent="0">
               <a:spcBef>
                 <a:spcPts val="0"/>
               </a:spcBef>
@@ -8711,9 +9263,6 @@
               </a:spcAft>
               <a:buNone/>
             </a:pPr>
-            <a:r>
-              <a:t/>
-            </a:r>
             <a:endParaRPr/>
           </a:p>
         </p:txBody>
@@ -8779,15 +9328,30 @@
   <p:clrMapOvr>
     <a:masterClrMapping/>
   </p:clrMapOvr>
+  <mc:AlternateContent xmlns:mc="http://schemas.openxmlformats.org/markup-compatibility/2006">
+    <mc:Choice xmlns:p14="http://schemas.microsoft.com/office/powerpoint/2010/main" Requires="p14">
+      <p:transition spd="slow" p14:dur="2000" advTm="10000"/>
+    </mc:Choice>
+    <mc:Fallback>
+      <p:transition spd="slow" advTm="10000"/>
+    </mc:Fallback>
+  </mc:AlternateContent>
+  <p:timing>
+    <p:tnLst>
+      <p:par>
+        <p:cTn id="1" dur="indefinite" restart="never" nodeType="tmRoot"/>
+      </p:par>
+    </p:tnLst>
+  </p:timing>
 </p:sld>
 </file>
 
 <file path=ppt/slides/slide6.xml><?xml version="1.0" encoding="utf-8"?>
-<p:sld xmlns:a="http://schemas.openxmlformats.org/drawingml/2006/main" xmlns:r="http://schemas.openxmlformats.org/officeDocument/2006/relationships" xmlns:mc="http://schemas.openxmlformats.org/markup-compatibility/2006" xmlns:mv="urn:schemas-microsoft-com:mac:vml" xmlns:p="http://schemas.openxmlformats.org/presentationml/2006/main" xmlns:c="http://schemas.openxmlformats.org/drawingml/2006/chart" xmlns:dgm="http://schemas.openxmlformats.org/drawingml/2006/diagram" xmlns:o="urn:schemas-microsoft-com:office:office" xmlns:v="urn:schemas-microsoft-com:vml" xmlns:pvml="urn:schemas-microsoft-com:office:powerpoint" xmlns:com="http://schemas.openxmlformats.org/drawingml/2006/compatibility" xmlns:p14="http://schemas.microsoft.com/office/powerpoint/2010/main" xmlns:p15="http://schemas.microsoft.com/office/powerpoint/2012/main">
+<p:sld xmlns:a="http://schemas.openxmlformats.org/drawingml/2006/main" xmlns:r="http://schemas.openxmlformats.org/officeDocument/2006/relationships" xmlns:p="http://schemas.openxmlformats.org/presentationml/2006/main">
   <p:cSld>
     <p:spTree>
       <p:nvGrpSpPr>
-        <p:cNvPr id="88" name="Shape 88"/>
+        <p:cNvPr id="1" name="Shape 88"/>
         <p:cNvGrpSpPr/>
         <p:nvPr/>
       </p:nvGrpSpPr>
@@ -8802,7 +9366,9 @@
       <p:sp>
         <p:nvSpPr>
           <p:cNvPr id="89" name="Shape 89"/>
-          <p:cNvSpPr txBox="1"/>
+          <p:cNvSpPr txBox="1">
+            <a:spLocks noGrp="1"/>
+          </p:cNvSpPr>
           <p:nvPr>
             <p:ph type="title"/>
           </p:nvPr>
@@ -8817,12 +9383,12 @@
           </a:prstGeom>
         </p:spPr>
         <p:txBody>
-          <a:bodyPr anchorCtr="0" anchor="t" bIns="91425" lIns="91425" rIns="91425" wrap="square" tIns="91425">
+          <a:bodyPr wrap="square" lIns="91425" tIns="91425" rIns="91425" bIns="91425" anchor="t" anchorCtr="0">
             <a:noAutofit/>
           </a:bodyPr>
           <a:lstStyle/>
           <a:p>
-            <a:pPr indent="0" lvl="0" marL="0" rtl="0">
+            <a:pPr marL="0" lvl="0" indent="0" rtl="0">
               <a:spcBef>
                 <a:spcPts val="0"/>
               </a:spcBef>
@@ -8842,9 +9408,11 @@
       <p:sp>
         <p:nvSpPr>
           <p:cNvPr id="90" name="Shape 90"/>
-          <p:cNvSpPr txBox="1"/>
+          <p:cNvSpPr txBox="1">
+            <a:spLocks noGrp="1"/>
+          </p:cNvSpPr>
           <p:nvPr>
-            <p:ph idx="1" type="body"/>
+            <p:ph type="body" idx="1"/>
           </p:nvPr>
         </p:nvSpPr>
         <p:spPr>
@@ -8857,12 +9425,12 @@
           </a:prstGeom>
         </p:spPr>
         <p:txBody>
-          <a:bodyPr anchorCtr="0" anchor="t" bIns="91425" lIns="91425" rIns="91425" wrap="square" tIns="91425">
+          <a:bodyPr wrap="square" lIns="91425" tIns="91425" rIns="91425" bIns="91425" anchor="t" anchorCtr="0">
             <a:noAutofit/>
           </a:bodyPr>
           <a:lstStyle/>
           <a:p>
-            <a:pPr indent="0" lvl="0" marL="0">
+            <a:pPr marL="0" lvl="0" indent="0">
               <a:spcBef>
                 <a:spcPts val="0"/>
               </a:spcBef>
@@ -8887,7 +9455,7 @@
             <a:endParaRPr/>
           </a:p>
           <a:p>
-            <a:pPr indent="0" lvl="0" marL="0">
+            <a:pPr marL="0" lvl="0" indent="0">
               <a:spcBef>
                 <a:spcPts val="1600"/>
               </a:spcBef>
@@ -8912,7 +9480,7 @@
             <a:endParaRPr/>
           </a:p>
           <a:p>
-            <a:pPr indent="0" lvl="0" marL="0" rtl="0">
+            <a:pPr marL="0" lvl="0" indent="0" rtl="0">
               <a:spcBef>
                 <a:spcPts val="1600"/>
               </a:spcBef>
@@ -8934,15 +9502,30 @@
   <p:clrMapOvr>
     <a:masterClrMapping/>
   </p:clrMapOvr>
+  <mc:AlternateContent xmlns:mc="http://schemas.openxmlformats.org/markup-compatibility/2006">
+    <mc:Choice xmlns:p14="http://schemas.microsoft.com/office/powerpoint/2010/main" Requires="p14">
+      <p:transition spd="slow" p14:dur="2000" advTm="10000"/>
+    </mc:Choice>
+    <mc:Fallback>
+      <p:transition spd="slow" advTm="10000"/>
+    </mc:Fallback>
+  </mc:AlternateContent>
+  <p:timing>
+    <p:tnLst>
+      <p:par>
+        <p:cTn id="1" dur="indefinite" restart="never" nodeType="tmRoot"/>
+      </p:par>
+    </p:tnLst>
+  </p:timing>
 </p:sld>
 </file>
 
 <file path=ppt/slides/slide7.xml><?xml version="1.0" encoding="utf-8"?>
-<p:sld xmlns:a="http://schemas.openxmlformats.org/drawingml/2006/main" xmlns:r="http://schemas.openxmlformats.org/officeDocument/2006/relationships" xmlns:mc="http://schemas.openxmlformats.org/markup-compatibility/2006" xmlns:mv="urn:schemas-microsoft-com:mac:vml" xmlns:p="http://schemas.openxmlformats.org/presentationml/2006/main" xmlns:c="http://schemas.openxmlformats.org/drawingml/2006/chart" xmlns:dgm="http://schemas.openxmlformats.org/drawingml/2006/diagram" xmlns:o="urn:schemas-microsoft-com:office:office" xmlns:v="urn:schemas-microsoft-com:vml" xmlns:pvml="urn:schemas-microsoft-com:office:powerpoint" xmlns:com="http://schemas.openxmlformats.org/drawingml/2006/compatibility" xmlns:p14="http://schemas.microsoft.com/office/powerpoint/2010/main" xmlns:p15="http://schemas.microsoft.com/office/powerpoint/2012/main">
+<p:sld xmlns:a="http://schemas.openxmlformats.org/drawingml/2006/main" xmlns:r="http://schemas.openxmlformats.org/officeDocument/2006/relationships" xmlns:p="http://schemas.openxmlformats.org/presentationml/2006/main">
   <p:cSld>
     <p:spTree>
       <p:nvGrpSpPr>
-        <p:cNvPr id="94" name="Shape 94"/>
+        <p:cNvPr id="1" name="Shape 94"/>
         <p:cNvGrpSpPr/>
         <p:nvPr/>
       </p:nvGrpSpPr>
@@ -8957,7 +9540,9 @@
       <p:sp>
         <p:nvSpPr>
           <p:cNvPr id="95" name="Shape 95"/>
-          <p:cNvSpPr txBox="1"/>
+          <p:cNvSpPr txBox="1">
+            <a:spLocks noGrp="1"/>
+          </p:cNvSpPr>
           <p:nvPr>
             <p:ph type="title"/>
           </p:nvPr>
@@ -8972,12 +9557,12 @@
           </a:prstGeom>
         </p:spPr>
         <p:txBody>
-          <a:bodyPr anchorCtr="0" anchor="t" bIns="91425" lIns="91425" rIns="91425" wrap="square" tIns="91425">
+          <a:bodyPr wrap="square" lIns="91425" tIns="91425" rIns="91425" bIns="91425" anchor="t" anchorCtr="0">
             <a:noAutofit/>
           </a:bodyPr>
           <a:lstStyle/>
           <a:p>
-            <a:pPr indent="0" lvl="0" marL="0" rtl="0">
+            <a:pPr marL="0" lvl="0" indent="0" rtl="0">
               <a:spcBef>
                 <a:spcPts val="0"/>
               </a:spcBef>
@@ -8997,9 +9582,11 @@
       <p:sp>
         <p:nvSpPr>
           <p:cNvPr id="96" name="Shape 96"/>
-          <p:cNvSpPr txBox="1"/>
+          <p:cNvSpPr txBox="1">
+            <a:spLocks noGrp="1"/>
+          </p:cNvSpPr>
           <p:nvPr>
-            <p:ph idx="1" type="body"/>
+            <p:ph type="body" idx="1"/>
           </p:nvPr>
         </p:nvSpPr>
         <p:spPr>
@@ -9012,12 +9599,12 @@
           </a:prstGeom>
         </p:spPr>
         <p:txBody>
-          <a:bodyPr anchorCtr="0" anchor="t" bIns="91425" lIns="91425" rIns="91425" wrap="square" tIns="91425">
+          <a:bodyPr wrap="square" lIns="91425" tIns="91425" rIns="91425" bIns="91425" anchor="t" anchorCtr="0">
             <a:noAutofit/>
           </a:bodyPr>
           <a:lstStyle/>
           <a:p>
-            <a:pPr indent="0" lvl="0" marL="0">
+            <a:pPr marL="0" lvl="0" indent="0">
               <a:spcBef>
                 <a:spcPts val="0"/>
               </a:spcBef>
@@ -9033,7 +9620,7 @@
             <a:endParaRPr/>
           </a:p>
           <a:p>
-            <a:pPr indent="0" lvl="0" marL="0">
+            <a:pPr marL="0" lvl="0" indent="0">
               <a:spcBef>
                 <a:spcPts val="1600"/>
               </a:spcBef>
@@ -9049,7 +9636,7 @@
             <a:endParaRPr/>
           </a:p>
           <a:p>
-            <a:pPr indent="0" lvl="0" marL="0" rtl="0">
+            <a:pPr marL="0" lvl="0" indent="0" rtl="0">
               <a:spcBef>
                 <a:spcPts val="1600"/>
               </a:spcBef>
@@ -9071,15 +9658,30 @@
   <p:clrMapOvr>
     <a:masterClrMapping/>
   </p:clrMapOvr>
+  <mc:AlternateContent xmlns:mc="http://schemas.openxmlformats.org/markup-compatibility/2006">
+    <mc:Choice xmlns:p14="http://schemas.microsoft.com/office/powerpoint/2010/main" Requires="p14">
+      <p:transition spd="slow" p14:dur="2000" advTm="10000"/>
+    </mc:Choice>
+    <mc:Fallback>
+      <p:transition spd="slow" advTm="10000"/>
+    </mc:Fallback>
+  </mc:AlternateContent>
+  <p:timing>
+    <p:tnLst>
+      <p:par>
+        <p:cTn id="1" dur="indefinite" restart="never" nodeType="tmRoot"/>
+      </p:par>
+    </p:tnLst>
+  </p:timing>
 </p:sld>
 </file>
 
 <file path=ppt/slides/slide8.xml><?xml version="1.0" encoding="utf-8"?>
-<p:sld xmlns:a="http://schemas.openxmlformats.org/drawingml/2006/main" xmlns:r="http://schemas.openxmlformats.org/officeDocument/2006/relationships" xmlns:mc="http://schemas.openxmlformats.org/markup-compatibility/2006" xmlns:mv="urn:schemas-microsoft-com:mac:vml" xmlns:p="http://schemas.openxmlformats.org/presentationml/2006/main" xmlns:c="http://schemas.openxmlformats.org/drawingml/2006/chart" xmlns:dgm="http://schemas.openxmlformats.org/drawingml/2006/diagram" xmlns:o="urn:schemas-microsoft-com:office:office" xmlns:v="urn:schemas-microsoft-com:vml" xmlns:pvml="urn:schemas-microsoft-com:office:powerpoint" xmlns:com="http://schemas.openxmlformats.org/drawingml/2006/compatibility" xmlns:p14="http://schemas.microsoft.com/office/powerpoint/2010/main" xmlns:p15="http://schemas.microsoft.com/office/powerpoint/2012/main">
+<p:sld xmlns:a="http://schemas.openxmlformats.org/drawingml/2006/main" xmlns:r="http://schemas.openxmlformats.org/officeDocument/2006/relationships" xmlns:p="http://schemas.openxmlformats.org/presentationml/2006/main">
   <p:cSld>
     <p:spTree>
       <p:nvGrpSpPr>
-        <p:cNvPr id="100" name="Shape 100"/>
+        <p:cNvPr id="1" name="Shape 100"/>
         <p:cNvGrpSpPr/>
         <p:nvPr/>
       </p:nvGrpSpPr>
@@ -9094,7 +9696,9 @@
       <p:sp>
         <p:nvSpPr>
           <p:cNvPr id="101" name="Shape 101"/>
-          <p:cNvSpPr txBox="1"/>
+          <p:cNvSpPr txBox="1">
+            <a:spLocks noGrp="1"/>
+          </p:cNvSpPr>
           <p:nvPr>
             <p:ph type="title"/>
           </p:nvPr>
@@ -9109,12 +9713,12 @@
           </a:prstGeom>
         </p:spPr>
         <p:txBody>
-          <a:bodyPr anchorCtr="0" anchor="t" bIns="91425" lIns="91425" rIns="91425" wrap="square" tIns="91425">
+          <a:bodyPr wrap="square" lIns="91425" tIns="91425" rIns="91425" bIns="91425" anchor="t" anchorCtr="0">
             <a:noAutofit/>
           </a:bodyPr>
           <a:lstStyle/>
           <a:p>
-            <a:pPr indent="0" lvl="0" marL="0" rtl="0">
+            <a:pPr marL="0" lvl="0" indent="0" rtl="0">
               <a:spcBef>
                 <a:spcPts val="0"/>
               </a:spcBef>
@@ -9134,9 +9738,11 @@
       <p:sp>
         <p:nvSpPr>
           <p:cNvPr id="102" name="Shape 102"/>
-          <p:cNvSpPr txBox="1"/>
+          <p:cNvSpPr txBox="1">
+            <a:spLocks noGrp="1"/>
+          </p:cNvSpPr>
           <p:nvPr>
-            <p:ph idx="1" type="body"/>
+            <p:ph type="body" idx="1"/>
           </p:nvPr>
         </p:nvSpPr>
         <p:spPr>
@@ -9149,12 +9755,12 @@
           </a:prstGeom>
         </p:spPr>
         <p:txBody>
-          <a:bodyPr anchorCtr="0" anchor="t" bIns="91425" lIns="91425" rIns="91425" wrap="square" tIns="91425">
+          <a:bodyPr wrap="square" lIns="91425" tIns="91425" rIns="91425" bIns="91425" anchor="t" anchorCtr="0">
             <a:noAutofit/>
           </a:bodyPr>
           <a:lstStyle/>
           <a:p>
-            <a:pPr indent="0" lvl="0" marL="0">
+            <a:pPr marL="0" lvl="0" indent="0">
               <a:spcBef>
                 <a:spcPts val="0"/>
               </a:spcBef>
@@ -9179,7 +9785,7 @@
             <a:endParaRPr/>
           </a:p>
           <a:p>
-            <a:pPr indent="0" lvl="0" marL="0" rtl="0">
+            <a:pPr marL="0" lvl="0" indent="0" rtl="0">
               <a:spcBef>
                 <a:spcPts val="1600"/>
               </a:spcBef>
@@ -9201,15 +9807,30 @@
   <p:clrMapOvr>
     <a:masterClrMapping/>
   </p:clrMapOvr>
+  <mc:AlternateContent xmlns:mc="http://schemas.openxmlformats.org/markup-compatibility/2006">
+    <mc:Choice xmlns:p14="http://schemas.microsoft.com/office/powerpoint/2010/main" Requires="p14">
+      <p:transition spd="slow" p14:dur="2000" advTm="10000"/>
+    </mc:Choice>
+    <mc:Fallback>
+      <p:transition spd="slow" advTm="10000"/>
+    </mc:Fallback>
+  </mc:AlternateContent>
+  <p:timing>
+    <p:tnLst>
+      <p:par>
+        <p:cTn id="1" dur="indefinite" restart="never" nodeType="tmRoot"/>
+      </p:par>
+    </p:tnLst>
+  </p:timing>
 </p:sld>
 </file>
 
 <file path=ppt/slides/slide9.xml><?xml version="1.0" encoding="utf-8"?>
-<p:sld xmlns:a="http://schemas.openxmlformats.org/drawingml/2006/main" xmlns:r="http://schemas.openxmlformats.org/officeDocument/2006/relationships" xmlns:mc="http://schemas.openxmlformats.org/markup-compatibility/2006" xmlns:mv="urn:schemas-microsoft-com:mac:vml" xmlns:p="http://schemas.openxmlformats.org/presentationml/2006/main" xmlns:c="http://schemas.openxmlformats.org/drawingml/2006/chart" xmlns:dgm="http://schemas.openxmlformats.org/drawingml/2006/diagram" xmlns:o="urn:schemas-microsoft-com:office:office" xmlns:v="urn:schemas-microsoft-com:vml" xmlns:pvml="urn:schemas-microsoft-com:office:powerpoint" xmlns:com="http://schemas.openxmlformats.org/drawingml/2006/compatibility" xmlns:p14="http://schemas.microsoft.com/office/powerpoint/2010/main" xmlns:p15="http://schemas.microsoft.com/office/powerpoint/2012/main">
+<p:sld xmlns:a="http://schemas.openxmlformats.org/drawingml/2006/main" xmlns:r="http://schemas.openxmlformats.org/officeDocument/2006/relationships" xmlns:p="http://schemas.openxmlformats.org/presentationml/2006/main">
   <p:cSld>
     <p:spTree>
       <p:nvGrpSpPr>
-        <p:cNvPr id="106" name="Shape 106"/>
+        <p:cNvPr id="1" name="Shape 106"/>
         <p:cNvGrpSpPr/>
         <p:nvPr/>
       </p:nvGrpSpPr>
@@ -9224,7 +9845,9 @@
       <p:sp>
         <p:nvSpPr>
           <p:cNvPr id="107" name="Shape 107"/>
-          <p:cNvSpPr txBox="1"/>
+          <p:cNvSpPr txBox="1">
+            <a:spLocks noGrp="1"/>
+          </p:cNvSpPr>
           <p:nvPr>
             <p:ph type="title"/>
           </p:nvPr>
@@ -9239,12 +9862,12 @@
           </a:prstGeom>
         </p:spPr>
         <p:txBody>
-          <a:bodyPr anchorCtr="0" anchor="t" bIns="91425" lIns="91425" rIns="91425" wrap="square" tIns="91425">
+          <a:bodyPr wrap="square" lIns="91425" tIns="91425" rIns="91425" bIns="91425" anchor="t" anchorCtr="0">
             <a:noAutofit/>
           </a:bodyPr>
           <a:lstStyle/>
           <a:p>
-            <a:pPr indent="0" lvl="0" marL="0" rtl="0">
+            <a:pPr marL="0" lvl="0" indent="0" rtl="0">
               <a:spcBef>
                 <a:spcPts val="0"/>
               </a:spcBef>
@@ -9257,16 +9880,18 @@
               <a:rPr lang="en"/>
               <a:t>OKC Python</a:t>
             </a:r>
-            <a:endParaRPr b="0" sz="4800"/>
+            <a:endParaRPr sz="4800" b="0"/>
           </a:p>
         </p:txBody>
       </p:sp>
       <p:sp>
         <p:nvSpPr>
           <p:cNvPr id="108" name="Shape 108"/>
-          <p:cNvSpPr txBox="1"/>
+          <p:cNvSpPr txBox="1">
+            <a:spLocks noGrp="1"/>
+          </p:cNvSpPr>
           <p:nvPr>
-            <p:ph idx="1" type="body"/>
+            <p:ph type="body" idx="1"/>
           </p:nvPr>
         </p:nvSpPr>
         <p:spPr>
@@ -9279,12 +9904,12 @@
           </a:prstGeom>
         </p:spPr>
         <p:txBody>
-          <a:bodyPr anchorCtr="0" anchor="t" bIns="91425" lIns="91425" rIns="91425" wrap="square" tIns="91425">
+          <a:bodyPr wrap="square" lIns="91425" tIns="91425" rIns="91425" bIns="91425" anchor="t" anchorCtr="0">
             <a:noAutofit/>
           </a:bodyPr>
           <a:lstStyle/>
           <a:p>
-            <a:pPr indent="0" lvl="0" marL="0" marR="0" rtl="0" algn="l">
+            <a:pPr marL="0" marR="0" lvl="0" indent="0" algn="l" rtl="0">
               <a:lnSpc>
                 <a:spcPct val="115000"/>
               </a:lnSpc>
@@ -9298,20 +9923,12 @@
             </a:pPr>
             <a:r>
               <a:rPr lang="en"/>
-              <a:t>Wednes</a:t>
-            </a:r>
-            <a:r>
-              <a:rPr lang="en"/>
-              <a:t>day 1/</a:t>
-            </a:r>
-            <a:r>
-              <a:rPr lang="en"/>
-              <a:t>10</a:t>
+              <a:t>Wednesday 1/10</a:t>
             </a:r>
             <a:endParaRPr/>
           </a:p>
           <a:p>
-            <a:pPr indent="0" lvl="0" marL="0" rtl="0">
+            <a:pPr marL="0" lvl="0" indent="0" rtl="0">
               <a:spcBef>
                 <a:spcPts val="1600"/>
               </a:spcBef>
@@ -9332,7 +9949,7 @@
             <a:endParaRPr/>
           </a:p>
           <a:p>
-            <a:pPr indent="0" lvl="0" marL="0" rtl="0">
+            <a:pPr marL="0" lvl="0" indent="0" rtl="0">
               <a:spcBef>
                 <a:spcPts val="1600"/>
               </a:spcBef>
@@ -9353,7 +9970,7 @@
             <a:endParaRPr/>
           </a:p>
           <a:p>
-            <a:pPr indent="0" lvl="0" marL="0" marR="0" rtl="0" algn="l">
+            <a:pPr marL="0" marR="0" lvl="0" indent="0" algn="l" rtl="0">
               <a:lnSpc>
                 <a:spcPct val="115000"/>
               </a:lnSpc>
@@ -9387,11 +10004,307 @@
   <p:clrMapOvr>
     <a:masterClrMapping/>
   </p:clrMapOvr>
+  <mc:AlternateContent xmlns:mc="http://schemas.openxmlformats.org/markup-compatibility/2006">
+    <mc:Choice xmlns:p14="http://schemas.microsoft.com/office/powerpoint/2010/main" Requires="p14">
+      <p:transition spd="slow" p14:dur="2000" advTm="10000"/>
+    </mc:Choice>
+    <mc:Fallback>
+      <p:transition spd="slow" advTm="10000"/>
+    </mc:Fallback>
+  </mc:AlternateContent>
+  <p:timing>
+    <p:tnLst>
+      <p:par>
+        <p:cTn id="1" dur="indefinite" restart="never" nodeType="tmRoot"/>
+      </p:par>
+    </p:tnLst>
+  </p:timing>
 </p:sld>
 </file>
 
 <file path=ppt/theme/theme1.xml><?xml version="1.0" encoding="utf-8"?>
-<a:theme xmlns:a="http://schemas.openxmlformats.org/drawingml/2006/main" xmlns:r="http://schemas.openxmlformats.org/officeDocument/2006/relationships" name="Custom Theme">
+<a:theme xmlns:a="http://schemas.openxmlformats.org/drawingml/2006/main" name="Coral">
+  <a:themeElements>
+    <a:clrScheme name="Coral">
+      <a:dk1>
+        <a:srgbClr val="F55E61"/>
+      </a:dk1>
+      <a:lt1>
+        <a:srgbClr val="FFFFFF"/>
+      </a:lt1>
+      <a:dk2>
+        <a:srgbClr val="5E696C"/>
+      </a:dk2>
+      <a:lt2>
+        <a:srgbClr val="BFC7CA"/>
+      </a:lt2>
+      <a:accent1>
+        <a:srgbClr val="1E2D31"/>
+      </a:accent1>
+      <a:accent2>
+        <a:srgbClr val="273C42"/>
+      </a:accent2>
+      <a:accent3>
+        <a:srgbClr val="83D061"/>
+      </a:accent3>
+      <a:accent4>
+        <a:srgbClr val="F6CD4C"/>
+      </a:accent4>
+      <a:accent5>
+        <a:srgbClr val="AF4345"/>
+      </a:accent5>
+      <a:accent6>
+        <a:srgbClr val="F58F8F"/>
+      </a:accent6>
+      <a:hlink>
+        <a:srgbClr val="AF4345"/>
+      </a:hlink>
+      <a:folHlink>
+        <a:srgbClr val="AF4345"/>
+      </a:folHlink>
+    </a:clrScheme>
+    <a:fontScheme name="Office">
+      <a:majorFont>
+        <a:latin typeface="Arial"/>
+        <a:ea typeface=""/>
+        <a:cs typeface=""/>
+        <a:font script="Jpan" typeface="ＭＳ Ｐゴシック"/>
+        <a:font script="Hang" typeface="맑은 고딕"/>
+        <a:font script="Hans" typeface="宋体"/>
+        <a:font script="Hant" typeface="新細明體"/>
+        <a:font script="Arab" typeface="Times New Roman"/>
+        <a:font script="Hebr" typeface="Times New Roman"/>
+        <a:font script="Thai" typeface="Angsana New"/>
+        <a:font script="Ethi" typeface="Nyala"/>
+        <a:font script="Beng" typeface="Vrinda"/>
+        <a:font script="Gujr" typeface="Shruti"/>
+        <a:font script="Khmr" typeface="MoolBoran"/>
+        <a:font script="Knda" typeface="Tunga"/>
+        <a:font script="Guru" typeface="Raavi"/>
+        <a:font script="Cans" typeface="Euphemia"/>
+        <a:font script="Cher" typeface="Plantagenet Cherokee"/>
+        <a:font script="Yiii" typeface="Microsoft Yi Baiti"/>
+        <a:font script="Tibt" typeface="Microsoft Himalaya"/>
+        <a:font script="Thaa" typeface="MV Boli"/>
+        <a:font script="Deva" typeface="Mangal"/>
+        <a:font script="Telu" typeface="Gautami"/>
+        <a:font script="Taml" typeface="Latha"/>
+        <a:font script="Syrc" typeface="Estrangelo Edessa"/>
+        <a:font script="Orya" typeface="Kalinga"/>
+        <a:font script="Mlym" typeface="Kartika"/>
+        <a:font script="Laoo" typeface="DokChampa"/>
+        <a:font script="Sinh" typeface="Iskoola Pota"/>
+        <a:font script="Mong" typeface="Mongolian Baiti"/>
+        <a:font script="Viet" typeface="Times New Roman"/>
+        <a:font script="Uigh" typeface="Microsoft Uighur"/>
+        <a:font script="Geor" typeface="Sylfaen"/>
+      </a:majorFont>
+      <a:minorFont>
+        <a:latin typeface="Arial"/>
+        <a:ea typeface=""/>
+        <a:cs typeface=""/>
+        <a:font script="Jpan" typeface="ＭＳ Ｐゴシック"/>
+        <a:font script="Hang" typeface="맑은 고딕"/>
+        <a:font script="Hans" typeface="宋体"/>
+        <a:font script="Hant" typeface="新細明體"/>
+        <a:font script="Arab" typeface="Arial"/>
+        <a:font script="Hebr" typeface="Arial"/>
+        <a:font script="Thai" typeface="Cordia New"/>
+        <a:font script="Ethi" typeface="Nyala"/>
+        <a:font script="Beng" typeface="Vrinda"/>
+        <a:font script="Gujr" typeface="Shruti"/>
+        <a:font script="Khmr" typeface="DaunPenh"/>
+        <a:font script="Knda" typeface="Tunga"/>
+        <a:font script="Guru" typeface="Raavi"/>
+        <a:font script="Cans" typeface="Euphemia"/>
+        <a:font script="Cher" typeface="Plantagenet Cherokee"/>
+        <a:font script="Yiii" typeface="Microsoft Yi Baiti"/>
+        <a:font script="Tibt" typeface="Microsoft Himalaya"/>
+        <a:font script="Thaa" typeface="MV Boli"/>
+        <a:font script="Deva" typeface="Mangal"/>
+        <a:font script="Telu" typeface="Gautami"/>
+        <a:font script="Taml" typeface="Latha"/>
+        <a:font script="Syrc" typeface="Estrangelo Edessa"/>
+        <a:font script="Orya" typeface="Kalinga"/>
+        <a:font script="Mlym" typeface="Kartika"/>
+        <a:font script="Laoo" typeface="DokChampa"/>
+        <a:font script="Sinh" typeface="Iskoola Pota"/>
+        <a:font script="Mong" typeface="Mongolian Baiti"/>
+        <a:font script="Viet" typeface="Arial"/>
+        <a:font script="Uigh" typeface="Microsoft Uighur"/>
+        <a:font script="Geor" typeface="Sylfaen"/>
+      </a:minorFont>
+    </a:fontScheme>
+    <a:fmtScheme name="Office">
+      <a:fillStyleLst>
+        <a:solidFill>
+          <a:schemeClr val="phClr"/>
+        </a:solidFill>
+        <a:gradFill rotWithShape="1">
+          <a:gsLst>
+            <a:gs pos="0">
+              <a:schemeClr val="phClr">
+                <a:tint val="50000"/>
+                <a:satMod val="300000"/>
+              </a:schemeClr>
+            </a:gs>
+            <a:gs pos="35000">
+              <a:schemeClr val="phClr">
+                <a:tint val="37000"/>
+                <a:satMod val="300000"/>
+              </a:schemeClr>
+            </a:gs>
+            <a:gs pos="100000">
+              <a:schemeClr val="phClr">
+                <a:tint val="15000"/>
+                <a:satMod val="350000"/>
+              </a:schemeClr>
+            </a:gs>
+          </a:gsLst>
+          <a:lin ang="16200000" scaled="1"/>
+        </a:gradFill>
+        <a:gradFill rotWithShape="1">
+          <a:gsLst>
+            <a:gs pos="0">
+              <a:schemeClr val="phClr">
+                <a:tint val="100000"/>
+                <a:shade val="100000"/>
+                <a:satMod val="130000"/>
+              </a:schemeClr>
+            </a:gs>
+            <a:gs pos="100000">
+              <a:schemeClr val="phClr">
+                <a:tint val="50000"/>
+                <a:shade val="100000"/>
+                <a:satMod val="350000"/>
+              </a:schemeClr>
+            </a:gs>
+          </a:gsLst>
+          <a:lin ang="16200000" scaled="0"/>
+        </a:gradFill>
+      </a:fillStyleLst>
+      <a:lnStyleLst>
+        <a:ln w="9525" cap="flat" cmpd="sng" algn="ctr">
+          <a:solidFill>
+            <a:schemeClr val="phClr">
+              <a:shade val="95000"/>
+              <a:satMod val="105000"/>
+            </a:schemeClr>
+          </a:solidFill>
+          <a:prstDash val="solid"/>
+        </a:ln>
+        <a:ln w="25400" cap="flat" cmpd="sng" algn="ctr">
+          <a:solidFill>
+            <a:schemeClr val="phClr"/>
+          </a:solidFill>
+          <a:prstDash val="solid"/>
+        </a:ln>
+        <a:ln w="38100" cap="flat" cmpd="sng" algn="ctr">
+          <a:solidFill>
+            <a:schemeClr val="phClr"/>
+          </a:solidFill>
+          <a:prstDash val="solid"/>
+        </a:ln>
+      </a:lnStyleLst>
+      <a:effectStyleLst>
+        <a:effectStyle>
+          <a:effectLst>
+            <a:outerShdw blurRad="40000" dist="20000" dir="5400000" rotWithShape="0">
+              <a:srgbClr val="000000">
+                <a:alpha val="38000"/>
+              </a:srgbClr>
+            </a:outerShdw>
+          </a:effectLst>
+        </a:effectStyle>
+        <a:effectStyle>
+          <a:effectLst>
+            <a:outerShdw blurRad="40000" dist="23000" dir="5400000" rotWithShape="0">
+              <a:srgbClr val="000000">
+                <a:alpha val="35000"/>
+              </a:srgbClr>
+            </a:outerShdw>
+          </a:effectLst>
+        </a:effectStyle>
+        <a:effectStyle>
+          <a:effectLst>
+            <a:outerShdw blurRad="40000" dist="23000" dir="5400000" rotWithShape="0">
+              <a:srgbClr val="000000">
+                <a:alpha val="35000"/>
+              </a:srgbClr>
+            </a:outerShdw>
+          </a:effectLst>
+          <a:scene3d>
+            <a:camera prst="orthographicFront">
+              <a:rot lat="0" lon="0" rev="0"/>
+            </a:camera>
+            <a:lightRig rig="threePt" dir="t">
+              <a:rot lat="0" lon="0" rev="1200000"/>
+            </a:lightRig>
+          </a:scene3d>
+          <a:sp3d>
+            <a:bevelT w="63500" h="25400"/>
+          </a:sp3d>
+        </a:effectStyle>
+      </a:effectStyleLst>
+      <a:bgFillStyleLst>
+        <a:solidFill>
+          <a:schemeClr val="phClr"/>
+        </a:solidFill>
+        <a:gradFill rotWithShape="1">
+          <a:gsLst>
+            <a:gs pos="0">
+              <a:schemeClr val="phClr">
+                <a:tint val="40000"/>
+                <a:satMod val="350000"/>
+              </a:schemeClr>
+            </a:gs>
+            <a:gs pos="40000">
+              <a:schemeClr val="phClr">
+                <a:tint val="45000"/>
+                <a:shade val="99000"/>
+                <a:satMod val="350000"/>
+              </a:schemeClr>
+            </a:gs>
+            <a:gs pos="100000">
+              <a:schemeClr val="phClr">
+                <a:shade val="20000"/>
+                <a:satMod val="255000"/>
+              </a:schemeClr>
+            </a:gs>
+          </a:gsLst>
+          <a:path path="circle">
+            <a:fillToRect l="50000" t="-80000" r="50000" b="180000"/>
+          </a:path>
+        </a:gradFill>
+        <a:gradFill rotWithShape="1">
+          <a:gsLst>
+            <a:gs pos="0">
+              <a:schemeClr val="phClr">
+                <a:tint val="80000"/>
+                <a:satMod val="300000"/>
+              </a:schemeClr>
+            </a:gs>
+            <a:gs pos="100000">
+              <a:schemeClr val="phClr">
+                <a:shade val="30000"/>
+                <a:satMod val="200000"/>
+              </a:schemeClr>
+            </a:gs>
+          </a:gsLst>
+          <a:path path="circle">
+            <a:fillToRect l="50000" t="50000" r="50000" b="50000"/>
+          </a:path>
+        </a:gradFill>
+      </a:bgFillStyleLst>
+    </a:fmtScheme>
+  </a:themeElements>
+  <a:objectDefaults/>
+  <a:extraClrSchemeLst/>
+</a:theme>
+</file>
+
+<file path=ppt/theme/theme2.xml><?xml version="1.0" encoding="utf-8"?>
+<a:theme xmlns:a="http://schemas.openxmlformats.org/drawingml/2006/main" name="Custom Theme">
   <a:themeElements>
     <a:clrScheme name="Default">
       <a:dk1>
@@ -9666,284 +10579,7 @@
       </a:bgFillStyleLst>
     </a:fmtScheme>
   </a:themeElements>
-</a:theme>
-</file>
-
-<file path=ppt/theme/theme2.xml><?xml version="1.0" encoding="utf-8"?>
-<a:theme xmlns:a="http://schemas.openxmlformats.org/drawingml/2006/main" xmlns:r="http://schemas.openxmlformats.org/officeDocument/2006/relationships" name="Coral">
-  <a:themeElements>
-    <a:clrScheme name="Coral">
-      <a:dk1>
-        <a:srgbClr val="F55E61"/>
-      </a:dk1>
-      <a:lt1>
-        <a:srgbClr val="FFFFFF"/>
-      </a:lt1>
-      <a:dk2>
-        <a:srgbClr val="5E696C"/>
-      </a:dk2>
-      <a:lt2>
-        <a:srgbClr val="BFC7CA"/>
-      </a:lt2>
-      <a:accent1>
-        <a:srgbClr val="1E2D31"/>
-      </a:accent1>
-      <a:accent2>
-        <a:srgbClr val="273C42"/>
-      </a:accent2>
-      <a:accent3>
-        <a:srgbClr val="83D061"/>
-      </a:accent3>
-      <a:accent4>
-        <a:srgbClr val="F6CD4C"/>
-      </a:accent4>
-      <a:accent5>
-        <a:srgbClr val="AF4345"/>
-      </a:accent5>
-      <a:accent6>
-        <a:srgbClr val="F58F8F"/>
-      </a:accent6>
-      <a:hlink>
-        <a:srgbClr val="AF4345"/>
-      </a:hlink>
-      <a:folHlink>
-        <a:srgbClr val="AF4345"/>
-      </a:folHlink>
-    </a:clrScheme>
-    <a:fontScheme name="Office">
-      <a:majorFont>
-        <a:latin typeface="Arial"/>
-        <a:ea typeface=""/>
-        <a:cs typeface=""/>
-        <a:font script="Jpan" typeface="ＭＳ Ｐゴシック"/>
-        <a:font script="Hang" typeface="맑은 고딕"/>
-        <a:font script="Hans" typeface="宋体"/>
-        <a:font script="Hant" typeface="新細明體"/>
-        <a:font script="Arab" typeface="Times New Roman"/>
-        <a:font script="Hebr" typeface="Times New Roman"/>
-        <a:font script="Thai" typeface="Angsana New"/>
-        <a:font script="Ethi" typeface="Nyala"/>
-        <a:font script="Beng" typeface="Vrinda"/>
-        <a:font script="Gujr" typeface="Shruti"/>
-        <a:font script="Khmr" typeface="MoolBoran"/>
-        <a:font script="Knda" typeface="Tunga"/>
-        <a:font script="Guru" typeface="Raavi"/>
-        <a:font script="Cans" typeface="Euphemia"/>
-        <a:font script="Cher" typeface="Plantagenet Cherokee"/>
-        <a:font script="Yiii" typeface="Microsoft Yi Baiti"/>
-        <a:font script="Tibt" typeface="Microsoft Himalaya"/>
-        <a:font script="Thaa" typeface="MV Boli"/>
-        <a:font script="Deva" typeface="Mangal"/>
-        <a:font script="Telu" typeface="Gautami"/>
-        <a:font script="Taml" typeface="Latha"/>
-        <a:font script="Syrc" typeface="Estrangelo Edessa"/>
-        <a:font script="Orya" typeface="Kalinga"/>
-        <a:font script="Mlym" typeface="Kartika"/>
-        <a:font script="Laoo" typeface="DokChampa"/>
-        <a:font script="Sinh" typeface="Iskoola Pota"/>
-        <a:font script="Mong" typeface="Mongolian Baiti"/>
-        <a:font script="Viet" typeface="Times New Roman"/>
-        <a:font script="Uigh" typeface="Microsoft Uighur"/>
-        <a:font script="Geor" typeface="Sylfaen"/>
-      </a:majorFont>
-      <a:minorFont>
-        <a:latin typeface="Arial"/>
-        <a:ea typeface=""/>
-        <a:cs typeface=""/>
-        <a:font script="Jpan" typeface="ＭＳ Ｐゴシック"/>
-        <a:font script="Hang" typeface="맑은 고딕"/>
-        <a:font script="Hans" typeface="宋体"/>
-        <a:font script="Hant" typeface="新細明體"/>
-        <a:font script="Arab" typeface="Arial"/>
-        <a:font script="Hebr" typeface="Arial"/>
-        <a:font script="Thai" typeface="Cordia New"/>
-        <a:font script="Ethi" typeface="Nyala"/>
-        <a:font script="Beng" typeface="Vrinda"/>
-        <a:font script="Gujr" typeface="Shruti"/>
-        <a:font script="Khmr" typeface="DaunPenh"/>
-        <a:font script="Knda" typeface="Tunga"/>
-        <a:font script="Guru" typeface="Raavi"/>
-        <a:font script="Cans" typeface="Euphemia"/>
-        <a:font script="Cher" typeface="Plantagenet Cherokee"/>
-        <a:font script="Yiii" typeface="Microsoft Yi Baiti"/>
-        <a:font script="Tibt" typeface="Microsoft Himalaya"/>
-        <a:font script="Thaa" typeface="MV Boli"/>
-        <a:font script="Deva" typeface="Mangal"/>
-        <a:font script="Telu" typeface="Gautami"/>
-        <a:font script="Taml" typeface="Latha"/>
-        <a:font script="Syrc" typeface="Estrangelo Edessa"/>
-        <a:font script="Orya" typeface="Kalinga"/>
-        <a:font script="Mlym" typeface="Kartika"/>
-        <a:font script="Laoo" typeface="DokChampa"/>
-        <a:font script="Sinh" typeface="Iskoola Pota"/>
-        <a:font script="Mong" typeface="Mongolian Baiti"/>
-        <a:font script="Viet" typeface="Arial"/>
-        <a:font script="Uigh" typeface="Microsoft Uighur"/>
-        <a:font script="Geor" typeface="Sylfaen"/>
-      </a:minorFont>
-    </a:fontScheme>
-    <a:fmtScheme name="Office">
-      <a:fillStyleLst>
-        <a:solidFill>
-          <a:schemeClr val="phClr"/>
-        </a:solidFill>
-        <a:gradFill rotWithShape="1">
-          <a:gsLst>
-            <a:gs pos="0">
-              <a:schemeClr val="phClr">
-                <a:tint val="50000"/>
-                <a:satMod val="300000"/>
-              </a:schemeClr>
-            </a:gs>
-            <a:gs pos="35000">
-              <a:schemeClr val="phClr">
-                <a:tint val="37000"/>
-                <a:satMod val="300000"/>
-              </a:schemeClr>
-            </a:gs>
-            <a:gs pos="100000">
-              <a:schemeClr val="phClr">
-                <a:tint val="15000"/>
-                <a:satMod val="350000"/>
-              </a:schemeClr>
-            </a:gs>
-          </a:gsLst>
-          <a:lin ang="16200000" scaled="1"/>
-        </a:gradFill>
-        <a:gradFill rotWithShape="1">
-          <a:gsLst>
-            <a:gs pos="0">
-              <a:schemeClr val="phClr">
-                <a:tint val="100000"/>
-                <a:shade val="100000"/>
-                <a:satMod val="130000"/>
-              </a:schemeClr>
-            </a:gs>
-            <a:gs pos="100000">
-              <a:schemeClr val="phClr">
-                <a:tint val="50000"/>
-                <a:shade val="100000"/>
-                <a:satMod val="350000"/>
-              </a:schemeClr>
-            </a:gs>
-          </a:gsLst>
-          <a:lin ang="16200000" scaled="0"/>
-        </a:gradFill>
-      </a:fillStyleLst>
-      <a:lnStyleLst>
-        <a:ln w="9525" cap="flat" cmpd="sng" algn="ctr">
-          <a:solidFill>
-            <a:schemeClr val="phClr">
-              <a:shade val="95000"/>
-              <a:satMod val="105000"/>
-            </a:schemeClr>
-          </a:solidFill>
-          <a:prstDash val="solid"/>
-        </a:ln>
-        <a:ln w="25400" cap="flat" cmpd="sng" algn="ctr">
-          <a:solidFill>
-            <a:schemeClr val="phClr"/>
-          </a:solidFill>
-          <a:prstDash val="solid"/>
-        </a:ln>
-        <a:ln w="38100" cap="flat" cmpd="sng" algn="ctr">
-          <a:solidFill>
-            <a:schemeClr val="phClr"/>
-          </a:solidFill>
-          <a:prstDash val="solid"/>
-        </a:ln>
-      </a:lnStyleLst>
-      <a:effectStyleLst>
-        <a:effectStyle>
-          <a:effectLst>
-            <a:outerShdw blurRad="40000" dist="20000" dir="5400000" rotWithShape="0">
-              <a:srgbClr val="000000">
-                <a:alpha val="38000"/>
-              </a:srgbClr>
-            </a:outerShdw>
-          </a:effectLst>
-        </a:effectStyle>
-        <a:effectStyle>
-          <a:effectLst>
-            <a:outerShdw blurRad="40000" dist="23000" dir="5400000" rotWithShape="0">
-              <a:srgbClr val="000000">
-                <a:alpha val="35000"/>
-              </a:srgbClr>
-            </a:outerShdw>
-          </a:effectLst>
-        </a:effectStyle>
-        <a:effectStyle>
-          <a:effectLst>
-            <a:outerShdw blurRad="40000" dist="23000" dir="5400000" rotWithShape="0">
-              <a:srgbClr val="000000">
-                <a:alpha val="35000"/>
-              </a:srgbClr>
-            </a:outerShdw>
-          </a:effectLst>
-          <a:scene3d>
-            <a:camera prst="orthographicFront">
-              <a:rot lat="0" lon="0" rev="0"/>
-            </a:camera>
-            <a:lightRig rig="threePt" dir="t">
-              <a:rot lat="0" lon="0" rev="1200000"/>
-            </a:lightRig>
-          </a:scene3d>
-          <a:sp3d>
-            <a:bevelT w="63500" h="25400"/>
-          </a:sp3d>
-        </a:effectStyle>
-      </a:effectStyleLst>
-      <a:bgFillStyleLst>
-        <a:solidFill>
-          <a:schemeClr val="phClr"/>
-        </a:solidFill>
-        <a:gradFill rotWithShape="1">
-          <a:gsLst>
-            <a:gs pos="0">
-              <a:schemeClr val="phClr">
-                <a:tint val="40000"/>
-                <a:satMod val="350000"/>
-              </a:schemeClr>
-            </a:gs>
-            <a:gs pos="40000">
-              <a:schemeClr val="phClr">
-                <a:tint val="45000"/>
-                <a:shade val="99000"/>
-                <a:satMod val="350000"/>
-              </a:schemeClr>
-            </a:gs>
-            <a:gs pos="100000">
-              <a:schemeClr val="phClr">
-                <a:shade val="20000"/>
-                <a:satMod val="255000"/>
-              </a:schemeClr>
-            </a:gs>
-          </a:gsLst>
-          <a:path path="circle">
-            <a:fillToRect l="50000" t="-80000" r="50000" b="180000"/>
-          </a:path>
-        </a:gradFill>
-        <a:gradFill rotWithShape="1">
-          <a:gsLst>
-            <a:gs pos="0">
-              <a:schemeClr val="phClr">
-                <a:tint val="80000"/>
-                <a:satMod val="300000"/>
-              </a:schemeClr>
-            </a:gs>
-            <a:gs pos="100000">
-              <a:schemeClr val="phClr">
-                <a:shade val="30000"/>
-                <a:satMod val="200000"/>
-              </a:schemeClr>
-            </a:gs>
-          </a:gsLst>
-          <a:path path="circle">
-            <a:fillToRect l="50000" t="50000" r="50000" b="50000"/>
-          </a:path>
-        </a:gradFill>
-      </a:bgFillStyleLst>
-    </a:fmtScheme>
-  </a:themeElements>
+  <a:objectDefaults/>
+  <a:extraClrSchemeLst/>
 </a:theme>
 </file>